--- a/experiment/fig1/fig1.pptx
+++ b/experiment/fig1/fig1.pptx
@@ -6,6 +6,7 @@
   </p:sldMasterIdLst>
   <p:sldIdLst>
     <p:sldId id="256" r:id="rId2"/>
+    <p:sldId id="257" r:id="rId3"/>
   </p:sldIdLst>
   <p:sldSz cx="12192000" cy="6858000"/>
   <p:notesSz cx="6858000" cy="9144000"/>
@@ -172,8 +173,8 @@
               <c:idx val="0"/>
               <c:layout>
                 <c:manualLayout>
-                  <c:x val="-1.9141863785241891E-17"/>
-                  <c:y val="-5.5555555555555552E-2"/>
+                  <c:x val="2.0882274451293381E-3"/>
+                  <c:y val="-3.2876712328767189E-2"/>
                 </c:manualLayout>
               </c:layout>
               <c:tx>
@@ -195,9 +196,11 @@
               <c:showPercent val="0"/>
               <c:showBubbleSize val="1"/>
               <c:extLst>
-                <c:ext xmlns:c15="http://schemas.microsoft.com/office/drawing/2012/chart" uri="{CE6537A1-D6FC-4f65-9D91-7224C49458BB}"/>
+                <c:ext xmlns:c15="http://schemas.microsoft.com/office/drawing/2012/chart" uri="{CE6537A1-D6FC-4f65-9D91-7224C49458BB}">
+                  <c15:showDataLabelsRange val="0"/>
+                </c:ext>
                 <c:ext xmlns:c16="http://schemas.microsoft.com/office/drawing/2014/chart" uri="{C3380CC4-5D6E-409C-BE32-E72D297353CC}">
-                  <c16:uniqueId val="{00000000-6C1B-45AA-8A49-7DC9FE448116}"/>
+                  <c16:uniqueId val="{00000000-12F0-4F52-9E44-65B8501EEA28}"/>
                 </c:ext>
               </c:extLst>
             </c:dLbl>
@@ -205,8 +208,78 @@
               <c:idx val="1"/>
               <c:layout>
                 <c:manualLayout>
-                  <c:x val="1.6705819561034823E-2"/>
-                  <c:y val="-4.5138888888889013E-2"/>
+                  <c:x val="-4.8029231237975221E-2"/>
+                  <c:y val="-0.17397245892208679"/>
+                </c:manualLayout>
+              </c:layout>
+              <c:tx>
+                <c:rich>
+                  <a:bodyPr/>
+                  <a:lstStyle/>
+                  <a:p>
+                    <a:r>
+                      <a:rPr lang="en-US" altLang="zh-CN"/>
+                      <a:t>Plain-M(ours)</a:t>
+                    </a:r>
+                  </a:p>
+                </c:rich>
+              </c:tx>
+              <c:showLegendKey val="0"/>
+              <c:showVal val="0"/>
+              <c:showCatName val="0"/>
+              <c:showSerName val="0"/>
+              <c:showPercent val="0"/>
+              <c:showBubbleSize val="1"/>
+              <c:extLst>
+                <c:ext xmlns:c15="http://schemas.microsoft.com/office/drawing/2012/chart" uri="{CE6537A1-D6FC-4f65-9D91-7224C49458BB}">
+                  <c15:showDataLabelsRange val="0"/>
+                </c:ext>
+                <c:ext xmlns:c16="http://schemas.microsoft.com/office/drawing/2014/chart" uri="{C3380CC4-5D6E-409C-BE32-E72D297353CC}">
+                  <c16:uniqueId val="{00000001-12F0-4F52-9E44-65B8501EEA28}"/>
+                </c:ext>
+              </c:extLst>
+            </c:dLbl>
+            <c:dLbl>
+              <c:idx val="2"/>
+              <c:layout>
+                <c:manualLayout>
+                  <c:x val="6.2646823353880721E-3"/>
+                  <c:y val="-7.055750907848847E-2"/>
+                </c:manualLayout>
+              </c:layout>
+              <c:tx>
+                <c:rich>
+                  <a:bodyPr/>
+                  <a:lstStyle/>
+                  <a:p>
+                    <a:r>
+                      <a:rPr lang="en-US" altLang="zh-CN"/>
+                      <a:t>Plain-X(ours)</a:t>
+                    </a:r>
+                  </a:p>
+                </c:rich>
+              </c:tx>
+              <c:showLegendKey val="0"/>
+              <c:showVal val="0"/>
+              <c:showCatName val="0"/>
+              <c:showSerName val="0"/>
+              <c:showPercent val="0"/>
+              <c:showBubbleSize val="1"/>
+              <c:extLst>
+                <c:ext xmlns:c15="http://schemas.microsoft.com/office/drawing/2012/chart" uri="{CE6537A1-D6FC-4f65-9D91-7224C49458BB}">
+                  <c15:showDataLabelsRange val="0"/>
+                </c:ext>
+                <c:ext xmlns:c16="http://schemas.microsoft.com/office/drawing/2014/chart" uri="{C3380CC4-5D6E-409C-BE32-E72D297353CC}">
+                  <c16:uniqueId val="{00000002-12F0-4F52-9E44-65B8501EEA28}"/>
+                </c:ext>
+              </c:extLst>
+            </c:dLbl>
+            <c:dLbl>
+              <c:idx val="3"/>
+              <c:layout>
+                <c:manualLayout>
+                  <c:x val="0"/>
+                  <c:y val="-2.9223744292237442E-2"/>
                 </c:manualLayout>
               </c:layout>
               <c:tx>
@@ -228,18 +301,20 @@
               <c:showPercent val="0"/>
               <c:showBubbleSize val="1"/>
               <c:extLst>
-                <c:ext xmlns:c15="http://schemas.microsoft.com/office/drawing/2012/chart" uri="{CE6537A1-D6FC-4f65-9D91-7224C49458BB}"/>
+                <c:ext xmlns:c15="http://schemas.microsoft.com/office/drawing/2012/chart" uri="{CE6537A1-D6FC-4f65-9D91-7224C49458BB}">
+                  <c15:showDataLabelsRange val="0"/>
+                </c:ext>
                 <c:ext xmlns:c16="http://schemas.microsoft.com/office/drawing/2014/chart" uri="{C3380CC4-5D6E-409C-BE32-E72D297353CC}">
-                  <c16:uniqueId val="{00000001-6C1B-45AA-8A49-7DC9FE448116}"/>
+                  <c16:uniqueId val="{00000003-12F0-4F52-9E44-65B8501EEA28}"/>
                 </c:ext>
               </c:extLst>
             </c:dLbl>
             <c:dLbl>
-              <c:idx val="2"/>
+              <c:idx val="4"/>
               <c:layout>
                 <c:manualLayout>
-                  <c:x val="-4.5941003792845901E-2"/>
-                  <c:y val="6.9444444444444448E-2"/>
+                  <c:x val="-3.7588094012328474E-2"/>
+                  <c:y val="0.14977168949771688"/>
                 </c:manualLayout>
               </c:layout>
               <c:tx>
@@ -261,18 +336,90 @@
               <c:showPercent val="0"/>
               <c:showBubbleSize val="1"/>
               <c:extLst>
-                <c:ext xmlns:c15="http://schemas.microsoft.com/office/drawing/2012/chart" uri="{CE6537A1-D6FC-4f65-9D91-7224C49458BB}"/>
+                <c:ext xmlns:c15="http://schemas.microsoft.com/office/drawing/2012/chart" uri="{CE6537A1-D6FC-4f65-9D91-7224C49458BB}">
+                  <c15:showDataLabelsRange val="0"/>
+                </c:ext>
                 <c:ext xmlns:c16="http://schemas.microsoft.com/office/drawing/2014/chart" uri="{C3380CC4-5D6E-409C-BE32-E72D297353CC}">
-                  <c16:uniqueId val="{00000002-6C1B-45AA-8A49-7DC9FE448116}"/>
+                  <c16:uniqueId val="{00000004-12F0-4F52-9E44-65B8501EEA28}"/>
                 </c:ext>
               </c:extLst>
             </c:dLbl>
             <c:dLbl>
-              <c:idx val="3"/>
+              <c:idx val="5"/>
               <c:layout>
                 <c:manualLayout>
-                  <c:x val="6.2646823353880721E-3"/>
-                  <c:y val="-4.8611111111111112E-2"/>
+                  <c:x val="8.3529097805173924E-3"/>
+                  <c:y val="7.2298277783770182E-2"/>
+                </c:manualLayout>
+              </c:layout>
+              <c:tx>
+                <c:rich>
+                  <a:bodyPr/>
+                  <a:lstStyle/>
+                  <a:p>
+                    <a:r>
+                      <a:rPr lang="en-US" altLang="zh-CN"/>
+                      <a:t>EDSR</a:t>
+                    </a:r>
+                  </a:p>
+                </c:rich>
+              </c:tx>
+              <c:showLegendKey val="0"/>
+              <c:showVal val="0"/>
+              <c:showCatName val="0"/>
+              <c:showSerName val="0"/>
+              <c:showPercent val="0"/>
+              <c:showBubbleSize val="1"/>
+              <c:extLst>
+                <c:ext xmlns:c15="http://schemas.microsoft.com/office/drawing/2012/chart" uri="{CE6537A1-D6FC-4f65-9D91-7224C49458BB}">
+                  <c15:showDataLabelsRange val="0"/>
+                </c:ext>
+                <c:ext xmlns:c16="http://schemas.microsoft.com/office/drawing/2014/chart" uri="{C3380CC4-5D6E-409C-BE32-E72D297353CC}">
+                  <c16:uniqueId val="{00000005-12F0-4F52-9E44-65B8501EEA28}"/>
+                </c:ext>
+              </c:extLst>
+            </c:dLbl>
+            <c:dLbl>
+              <c:idx val="6"/>
+              <c:layout>
+                <c:manualLayout>
+                  <c:x val="0"/>
+                  <c:y val="5.4794520547945202E-2"/>
+                </c:manualLayout>
+              </c:layout>
+              <c:tx>
+                <c:rich>
+                  <a:bodyPr/>
+                  <a:lstStyle/>
+                  <a:p>
+                    <a:r>
+                      <a:rPr lang="en-US" altLang="zh-CN"/>
+                      <a:t>VDSR</a:t>
+                    </a:r>
+                  </a:p>
+                </c:rich>
+              </c:tx>
+              <c:showLegendKey val="0"/>
+              <c:showVal val="0"/>
+              <c:showCatName val="0"/>
+              <c:showSerName val="0"/>
+              <c:showPercent val="0"/>
+              <c:showBubbleSize val="1"/>
+              <c:extLst>
+                <c:ext xmlns:c15="http://schemas.microsoft.com/office/drawing/2012/chart" uri="{CE6537A1-D6FC-4f65-9D91-7224C49458BB}">
+                  <c15:showDataLabelsRange val="0"/>
+                </c:ext>
+                <c:ext xmlns:c16="http://schemas.microsoft.com/office/drawing/2014/chart" uri="{C3380CC4-5D6E-409C-BE32-E72D297353CC}">
+                  <c16:uniqueId val="{00000006-12F0-4F52-9E44-65B8501EEA28}"/>
+                </c:ext>
+              </c:extLst>
+            </c:dLbl>
+            <c:dLbl>
+              <c:idx val="7"/>
+              <c:layout>
+                <c:manualLayout>
+                  <c:x val="2.0882274451293958E-3"/>
+                  <c:y val="-1.8122173084528785E-2"/>
                 </c:manualLayout>
               </c:layout>
               <c:tx>
@@ -294,51 +441,20 @@
               <c:showPercent val="0"/>
               <c:showBubbleSize val="1"/>
               <c:extLst>
-                <c:ext xmlns:c15="http://schemas.microsoft.com/office/drawing/2012/chart" uri="{CE6537A1-D6FC-4f65-9D91-7224C49458BB}"/>
+                <c:ext xmlns:c15="http://schemas.microsoft.com/office/drawing/2012/chart" uri="{CE6537A1-D6FC-4f65-9D91-7224C49458BB}">
+                  <c15:showDataLabelsRange val="0"/>
+                </c:ext>
                 <c:ext xmlns:c16="http://schemas.microsoft.com/office/drawing/2014/chart" uri="{C3380CC4-5D6E-409C-BE32-E72D297353CC}">
-                  <c16:uniqueId val="{00000003-6C1B-45AA-8A49-7DC9FE448116}"/>
+                  <c16:uniqueId val="{00000007-12F0-4F52-9E44-65B8501EEA28}"/>
                 </c:ext>
               </c:extLst>
             </c:dLbl>
             <c:dLbl>
-              <c:idx val="4"/>
+              <c:idx val="8"/>
               <c:layout>
                 <c:manualLayout>
-                  <c:x val="-2.7920115216061019E-2"/>
-                  <c:y val="-0.1430010195914328"/>
-                </c:manualLayout>
-              </c:layout>
-              <c:tx>
-                <c:rich>
-                  <a:bodyPr/>
-                  <a:lstStyle/>
-                  <a:p>
-                    <a:r>
-                      <a:rPr lang="en-US" altLang="zh-CN" dirty="0"/>
-                      <a:t>Plain-M(ours)</a:t>
-                    </a:r>
-                  </a:p>
-                </c:rich>
-              </c:tx>
-              <c:showLegendKey val="0"/>
-              <c:showVal val="0"/>
-              <c:showCatName val="0"/>
-              <c:showSerName val="0"/>
-              <c:showPercent val="0"/>
-              <c:showBubbleSize val="1"/>
-              <c:extLst>
-                <c:ext xmlns:c15="http://schemas.microsoft.com/office/drawing/2012/chart" uri="{CE6537A1-D6FC-4f65-9D91-7224C49458BB}"/>
-                <c:ext xmlns:c16="http://schemas.microsoft.com/office/drawing/2014/chart" uri="{C3380CC4-5D6E-409C-BE32-E72D297353CC}">
-                  <c16:uniqueId val="{00000004-6C1B-45AA-8A49-7DC9FE448116}"/>
-                </c:ext>
-              </c:extLst>
-            </c:dLbl>
-            <c:dLbl>
-              <c:idx val="5"/>
-              <c:layout>
-                <c:manualLayout>
-                  <c:x val="0"/>
-                  <c:y val="-7.2916666666666727E-2"/>
+                  <c:x val="2.5058729341552288E-2"/>
+                  <c:y val="-0.13281012476180207"/>
                 </c:manualLayout>
               </c:layout>
               <c:tx>
@@ -360,18 +476,20 @@
               <c:showPercent val="0"/>
               <c:showBubbleSize val="1"/>
               <c:extLst>
-                <c:ext xmlns:c15="http://schemas.microsoft.com/office/drawing/2012/chart" uri="{CE6537A1-D6FC-4f65-9D91-7224C49458BB}"/>
+                <c:ext xmlns:c15="http://schemas.microsoft.com/office/drawing/2012/chart" uri="{CE6537A1-D6FC-4f65-9D91-7224C49458BB}">
+                  <c15:showDataLabelsRange val="0"/>
+                </c:ext>
                 <c:ext xmlns:c16="http://schemas.microsoft.com/office/drawing/2014/chart" uri="{C3380CC4-5D6E-409C-BE32-E72D297353CC}">
-                  <c16:uniqueId val="{00000005-6C1B-45AA-8A49-7DC9FE448116}"/>
+                  <c16:uniqueId val="{00000008-12F0-4F52-9E44-65B8501EEA28}"/>
                 </c:ext>
               </c:extLst>
             </c:dLbl>
             <c:dLbl>
-              <c:idx val="6"/>
+              <c:idx val="9"/>
               <c:layout>
                 <c:manualLayout>
-                  <c:x val="6.2646823353880721E-3"/>
-                  <c:y val="5.5555555555555552E-2"/>
+                  <c:x val="4.3852776347716504E-2"/>
+                  <c:y val="-4.8611224966742174E-2"/>
                 </c:manualLayout>
               </c:layout>
               <c:tx>
@@ -381,7 +499,7 @@
                   <a:p>
                     <a:r>
                       <a:rPr lang="en-US" altLang="zh-CN"/>
-                      <a:t>EDSR</a:t>
+                      <a:t>DRRN</a:t>
                     </a:r>
                   </a:p>
                 </c:rich>
@@ -393,14 +511,51 @@
               <c:showPercent val="0"/>
               <c:showBubbleSize val="1"/>
               <c:extLst>
-                <c:ext xmlns:c15="http://schemas.microsoft.com/office/drawing/2012/chart" uri="{CE6537A1-D6FC-4f65-9D91-7224C49458BB}"/>
+                <c:ext xmlns:c15="http://schemas.microsoft.com/office/drawing/2012/chart" uri="{CE6537A1-D6FC-4f65-9D91-7224C49458BB}">
+                  <c15:showDataLabelsRange val="0"/>
+                </c:ext>
                 <c:ext xmlns:c16="http://schemas.microsoft.com/office/drawing/2014/chart" uri="{C3380CC4-5D6E-409C-BE32-E72D297353CC}">
-                  <c16:uniqueId val="{00000006-6C1B-45AA-8A49-7DC9FE448116}"/>
+                  <c16:uniqueId val="{00000009-12F0-4F52-9E44-65B8501EEA28}"/>
                 </c:ext>
               </c:extLst>
             </c:dLbl>
             <c:dLbl>
-              <c:idx val="7"/>
+              <c:idx val="10"/>
+              <c:layout>
+                <c:manualLayout>
+                  <c:x val="-3.5499866567199077E-2"/>
+                  <c:y val="-0.11613389422212636"/>
+                </c:manualLayout>
+              </c:layout>
+              <c:tx>
+                <c:rich>
+                  <a:bodyPr/>
+                  <a:lstStyle/>
+                  <a:p>
+                    <a:r>
+                      <a:rPr lang="en-US" altLang="zh-CN"/>
+                      <a:t>SRFBN</a:t>
+                    </a:r>
+                  </a:p>
+                </c:rich>
+              </c:tx>
+              <c:showLegendKey val="0"/>
+              <c:showVal val="0"/>
+              <c:showCatName val="0"/>
+              <c:showSerName val="0"/>
+              <c:showPercent val="0"/>
+              <c:showBubbleSize val="1"/>
+              <c:extLst>
+                <c:ext xmlns:c15="http://schemas.microsoft.com/office/drawing/2012/chart" uri="{CE6537A1-D6FC-4f65-9D91-7224C49458BB}">
+                  <c15:showDataLabelsRange val="0"/>
+                </c:ext>
+                <c:ext xmlns:c16="http://schemas.microsoft.com/office/drawing/2014/chart" uri="{C3380CC4-5D6E-409C-BE32-E72D297353CC}">
+                  <c16:uniqueId val="{0000000A-12F0-4F52-9E44-65B8501EEA28}"/>
+                </c:ext>
+              </c:extLst>
+            </c:dLbl>
+            <c:dLbl>
+              <c:idx val="12"/>
               <c:layout>
                 <c:manualLayout>
                   <c:x val="4.5941003792845825E-2"/>
@@ -426,75 +581,11 @@
               <c:showPercent val="0"/>
               <c:showBubbleSize val="1"/>
               <c:extLst>
-                <c:ext xmlns:c15="http://schemas.microsoft.com/office/drawing/2012/chart" uri="{CE6537A1-D6FC-4f65-9D91-7224C49458BB}"/>
+                <c:ext xmlns:c15="http://schemas.microsoft.com/office/drawing/2012/chart" uri="{CE6537A1-D6FC-4f65-9D91-7224C49458BB}">
+                  <c15:showDataLabelsRange val="0"/>
+                </c:ext>
                 <c:ext xmlns:c16="http://schemas.microsoft.com/office/drawing/2014/chart" uri="{C3380CC4-5D6E-409C-BE32-E72D297353CC}">
-                  <c16:uniqueId val="{00000007-6C1B-45AA-8A49-7DC9FE448116}"/>
-                </c:ext>
-              </c:extLst>
-            </c:dLbl>
-            <c:dLbl>
-              <c:idx val="8"/>
-              <c:layout>
-                <c:manualLayout>
-                  <c:x val="5.0117458683104577E-2"/>
-                  <c:y val="4.8611111111111112E-2"/>
-                </c:manualLayout>
-              </c:layout>
-              <c:tx>
-                <c:rich>
-                  <a:bodyPr/>
-                  <a:lstStyle/>
-                  <a:p>
-                    <a:r>
-                      <a:rPr lang="en-US" altLang="zh-CN"/>
-                      <a:t>DRRN</a:t>
-                    </a:r>
-                  </a:p>
-                </c:rich>
-              </c:tx>
-              <c:showLegendKey val="0"/>
-              <c:showVal val="0"/>
-              <c:showCatName val="0"/>
-              <c:showSerName val="0"/>
-              <c:showPercent val="0"/>
-              <c:showBubbleSize val="1"/>
-              <c:extLst>
-                <c:ext xmlns:c15="http://schemas.microsoft.com/office/drawing/2012/chart" uri="{CE6537A1-D6FC-4f65-9D91-7224C49458BB}"/>
-                <c:ext xmlns:c16="http://schemas.microsoft.com/office/drawing/2014/chart" uri="{C3380CC4-5D6E-409C-BE32-E72D297353CC}">
-                  <c16:uniqueId val="{00000008-6C1B-45AA-8A49-7DC9FE448116}"/>
-                </c:ext>
-              </c:extLst>
-            </c:dLbl>
-            <c:dLbl>
-              <c:idx val="9"/>
-              <c:layout>
-                <c:manualLayout>
-                  <c:x val="-2.0882274451293727E-2"/>
-                  <c:y val="0.13541666666666666"/>
-                </c:manualLayout>
-              </c:layout>
-              <c:tx>
-                <c:rich>
-                  <a:bodyPr/>
-                  <a:lstStyle/>
-                  <a:p>
-                    <a:r>
-                      <a:rPr lang="en-US" altLang="zh-CN"/>
-                      <a:t>SRFBN</a:t>
-                    </a:r>
-                  </a:p>
-                </c:rich>
-              </c:tx>
-              <c:showLegendKey val="0"/>
-              <c:showVal val="0"/>
-              <c:showCatName val="0"/>
-              <c:showSerName val="0"/>
-              <c:showPercent val="0"/>
-              <c:showBubbleSize val="1"/>
-              <c:extLst>
-                <c:ext xmlns:c15="http://schemas.microsoft.com/office/drawing/2012/chart" uri="{CE6537A1-D6FC-4f65-9D91-7224C49458BB}"/>
-                <c:ext xmlns:c16="http://schemas.microsoft.com/office/drawing/2014/chart" uri="{C3380CC4-5D6E-409C-BE32-E72D297353CC}">
-                  <c16:uniqueId val="{00000009-6C1B-45AA-8A49-7DC9FE448116}"/>
+                  <c16:uniqueId val="{0000000B-12F0-4F52-9E44-65B8501EEA28}"/>
                 </c:ext>
               </c:extLst>
             </c:dLbl>
@@ -521,10 +612,7 @@
                 <a:pPr>
                   <a:defRPr sz="1400" b="1" i="0" u="none" strike="noStrike" kern="1200" baseline="0">
                     <a:solidFill>
-                      <a:schemeClr val="dk1">
-                        <a:lumMod val="65000"/>
-                        <a:lumOff val="35000"/>
-                      </a:schemeClr>
+                      <a:schemeClr val="tx1"/>
                     </a:solidFill>
                     <a:latin typeface="+mn-lt"/>
                     <a:ea typeface="+mn-ea"/>
@@ -558,38 +646,41 @@
           </c:dLbls>
           <c:xVal>
             <c:numRef>
-              <c:f>'fig1'!$B$2:$B$11</c:f>
+              <c:f>'fig1'!$B$2:$B$12</c:f>
               <c:numCache>
                 <c:formatCode>General</c:formatCode>
-                <c:ptCount val="10"/>
+                <c:ptCount val="11"/>
                 <c:pt idx="0">
                   <c:v>368</c:v>
                 </c:pt>
                 <c:pt idx="1">
+                  <c:v>420</c:v>
+                </c:pt>
+                <c:pt idx="2">
+                  <c:v>718</c:v>
+                </c:pt>
+                <c:pt idx="3">
                   <c:v>807</c:v>
                 </c:pt>
-                <c:pt idx="2">
+                <c:pt idx="4">
                   <c:v>916</c:v>
                 </c:pt>
-                <c:pt idx="3">
+                <c:pt idx="5">
+                  <c:v>1306</c:v>
+                </c:pt>
+                <c:pt idx="6">
+                  <c:v>1581</c:v>
+                </c:pt>
+                <c:pt idx="7">
                   <c:v>1813</c:v>
                 </c:pt>
-                <c:pt idx="4">
-                  <c:v>420</c:v>
-                </c:pt>
-                <c:pt idx="5">
+                <c:pt idx="8">
                   <c:v>3210</c:v>
                 </c:pt>
-                <c:pt idx="6">
-                  <c:v>1306</c:v>
-                </c:pt>
-                <c:pt idx="7">
-                  <c:v>1581</c:v>
-                </c:pt>
-                <c:pt idx="8">
+                <c:pt idx="9">
                   <c:v>4112</c:v>
                 </c:pt>
-                <c:pt idx="9">
+                <c:pt idx="10">
                   <c:v>8319</c:v>
                 </c:pt>
               </c:numCache>
@@ -597,38 +688,41 @@
           </c:xVal>
           <c:yVal>
             <c:numRef>
-              <c:f>'fig1'!$C$2:$C$11</c:f>
+              <c:f>'fig1'!$C$2:$C$12</c:f>
               <c:numCache>
                 <c:formatCode>General</c:formatCode>
-                <c:ptCount val="10"/>
+                <c:ptCount val="11"/>
                 <c:pt idx="0">
                   <c:v>31.53</c:v>
                 </c:pt>
                 <c:pt idx="1">
+                  <c:v>32.19</c:v>
+                </c:pt>
+                <c:pt idx="2">
+                  <c:v>32.24</c:v>
+                </c:pt>
+                <c:pt idx="3">
                   <c:v>31.36</c:v>
                 </c:pt>
-                <c:pt idx="2">
+                <c:pt idx="4">
                   <c:v>32.08</c:v>
                 </c:pt>
-                <c:pt idx="3">
+                <c:pt idx="5">
+                  <c:v>32.159999999999997</c:v>
+                </c:pt>
+                <c:pt idx="6">
+                  <c:v>31.9</c:v>
+                </c:pt>
+                <c:pt idx="7">
                   <c:v>32.19</c:v>
                 </c:pt>
-                <c:pt idx="4">
-                  <c:v>32.19</c:v>
-                </c:pt>
-                <c:pt idx="5">
+                <c:pt idx="8">
                   <c:v>32.090000000000003</c:v>
                 </c:pt>
-                <c:pt idx="6">
-                  <c:v>32.159999999999997</c:v>
-                </c:pt>
-                <c:pt idx="7">
-                  <c:v>31.9</c:v>
-                </c:pt>
-                <c:pt idx="8">
+                <c:pt idx="9">
                   <c:v>32.049999999999997</c:v>
                 </c:pt>
-                <c:pt idx="9">
+                <c:pt idx="10">
                   <c:v>32.29</c:v>
                 </c:pt>
               </c:numCache>
@@ -636,38 +730,41 @@
           </c:yVal>
           <c:bubbleSize>
             <c:numRef>
-              <c:f>'fig1'!$D$2:$D$11</c:f>
+              <c:f>'fig1'!$D$2:$D$12</c:f>
               <c:numCache>
                 <c:formatCode>General</c:formatCode>
-                <c:ptCount val="10"/>
+                <c:ptCount val="11"/>
                 <c:pt idx="0">
                   <c:v>13</c:v>
                 </c:pt>
                 <c:pt idx="1">
+                  <c:v>158</c:v>
+                </c:pt>
+                <c:pt idx="2">
+                  <c:v>253</c:v>
+                </c:pt>
+                <c:pt idx="3">
                   <c:v>60</c:v>
                 </c:pt>
-                <c:pt idx="2">
+                <c:pt idx="4">
                   <c:v>138</c:v>
-                </c:pt>
-                <c:pt idx="3">
-                  <c:v>150</c:v>
-                </c:pt>
-                <c:pt idx="4">
-                  <c:v>158</c:v>
                 </c:pt>
                 <c:pt idx="5">
                   <c:v>199</c:v>
                 </c:pt>
                 <c:pt idx="6">
+                  <c:v>286</c:v>
+                </c:pt>
+                <c:pt idx="7">
+                  <c:v>150</c:v>
+                </c:pt>
+                <c:pt idx="8">
                   <c:v>199</c:v>
                 </c:pt>
-                <c:pt idx="7">
-                  <c:v>286</c:v>
-                </c:pt>
-                <c:pt idx="8">
+                <c:pt idx="9">
                   <c:v>854</c:v>
                 </c:pt>
-                <c:pt idx="9">
+                <c:pt idx="10">
                   <c:v>3032</c:v>
                 </c:pt>
               </c:numCache>
@@ -676,7 +773,7 @@
           <c:bubble3D val="0"/>
           <c:extLst>
             <c:ext xmlns:c16="http://schemas.microsoft.com/office/drawing/2014/chart" uri="{C3380CC4-5D6E-409C-BE32-E72D297353CC}">
-              <c16:uniqueId val="{0000000A-6C1B-45AA-8A49-7DC9FE448116}"/>
+              <c16:uniqueId val="{0000000C-12F0-4F52-9E44-65B8501EEA28}"/>
             </c:ext>
           </c:extLst>
         </c:ser>
@@ -724,10 +821,7 @@
                 <a:pPr>
                   <a:defRPr sz="1400" b="1" i="0" u="none" strike="noStrike" kern="1200" baseline="0">
                     <a:solidFill>
-                      <a:schemeClr val="tx1">
-                        <a:lumMod val="65000"/>
-                        <a:lumOff val="35000"/>
-                      </a:schemeClr>
+                      <a:schemeClr val="tx1"/>
                     </a:solidFill>
                     <a:latin typeface="+mn-lt"/>
                     <a:ea typeface="+mn-ea"/>
@@ -735,10 +829,18 @@
                   </a:defRPr>
                 </a:pPr>
                 <a:r>
-                  <a:rPr lang="en-US" b="1" dirty="0"/>
+                  <a:rPr lang="en-US" sz="1400" b="1" dirty="0">
+                    <a:solidFill>
+                      <a:schemeClr val="tx1"/>
+                    </a:solidFill>
+                  </a:rPr>
                   <a:t>Memory Footprint (MB)</a:t>
                 </a:r>
-                <a:endParaRPr lang="zh-CN" b="1" dirty="0"/>
+                <a:endParaRPr lang="zh-CN" sz="1400" b="1" dirty="0">
+                  <a:solidFill>
+                    <a:schemeClr val="tx1"/>
+                  </a:solidFill>
+                </a:endParaRPr>
               </a:p>
             </c:rich>
           </c:tx>
@@ -746,8 +848,8 @@
             <c:manualLayout>
               <c:xMode val="edge"/>
               <c:yMode val="edge"/>
-              <c:x val="0.67239729996941822"/>
-              <c:y val="0.91855722830545228"/>
+              <c:x val="0.63203771700506095"/>
+              <c:y val="0.88941257685255093"/>
             </c:manualLayout>
           </c:layout>
           <c:overlay val="0"/>
@@ -765,10 +867,7 @@
               <a:pPr>
                 <a:defRPr sz="1400" b="1" i="0" u="none" strike="noStrike" kern="1200" baseline="0">
                   <a:solidFill>
-                    <a:schemeClr val="tx1">
-                      <a:lumMod val="65000"/>
-                      <a:lumOff val="35000"/>
-                    </a:schemeClr>
+                    <a:schemeClr val="tx1"/>
                   </a:solidFill>
                   <a:latin typeface="+mn-lt"/>
                   <a:ea typeface="+mn-ea"/>
@@ -801,12 +900,9 @@
           <a:lstStyle/>
           <a:p>
             <a:pPr>
-              <a:defRPr sz="1400" b="0" i="0" u="none" strike="noStrike" kern="1200" baseline="0">
+              <a:defRPr sz="900" b="1" i="0" u="none" strike="noStrike" kern="1200" baseline="0">
                 <a:solidFill>
-                  <a:schemeClr val="tx1">
-                    <a:lumMod val="65000"/>
-                    <a:lumOff val="35000"/>
-                  </a:schemeClr>
+                  <a:schemeClr val="tx1"/>
                 </a:solidFill>
                 <a:latin typeface="+mn-lt"/>
                 <a:ea typeface="+mn-ea"/>
@@ -850,10 +946,7 @@
                 <a:pPr>
                   <a:defRPr sz="1400" b="1" i="0" u="none" strike="noStrike" kern="1200" baseline="0">
                     <a:solidFill>
-                      <a:schemeClr val="tx1">
-                        <a:lumMod val="65000"/>
-                        <a:lumOff val="35000"/>
-                      </a:schemeClr>
+                      <a:schemeClr val="tx1"/>
                     </a:solidFill>
                     <a:latin typeface="+mn-lt"/>
                     <a:ea typeface="+mn-ea"/>
@@ -861,10 +954,18 @@
                   </a:defRPr>
                 </a:pPr>
                 <a:r>
-                  <a:rPr lang="en-US" b="1" dirty="0"/>
+                  <a:rPr lang="en-US" sz="1400" b="1" dirty="0">
+                    <a:solidFill>
+                      <a:schemeClr val="tx1"/>
+                    </a:solidFill>
+                  </a:rPr>
                   <a:t>B100 PSNR (dB)</a:t>
                 </a:r>
-                <a:endParaRPr lang="zh-CN" b="1" dirty="0"/>
+                <a:endParaRPr lang="zh-CN" sz="1400" b="1" dirty="0">
+                  <a:solidFill>
+                    <a:schemeClr val="tx1"/>
+                  </a:solidFill>
+                </a:endParaRPr>
               </a:p>
             </c:rich>
           </c:tx>
@@ -883,10 +984,7 @@
               <a:pPr>
                 <a:defRPr sz="1400" b="1" i="0" u="none" strike="noStrike" kern="1200" baseline="0">
                   <a:solidFill>
-                    <a:schemeClr val="tx1">
-                      <a:lumMod val="65000"/>
-                      <a:lumOff val="35000"/>
-                    </a:schemeClr>
+                    <a:schemeClr val="tx1"/>
                   </a:solidFill>
                   <a:latin typeface="+mn-lt"/>
                   <a:ea typeface="+mn-ea"/>
@@ -919,12 +1017,9 @@
           <a:lstStyle/>
           <a:p>
             <a:pPr>
-              <a:defRPr sz="1400" b="0" i="0" u="none" strike="noStrike" kern="1200" baseline="0">
+              <a:defRPr sz="1050" b="1" i="0" u="none" strike="noStrike" kern="1200" baseline="0">
                 <a:solidFill>
-                  <a:schemeClr val="tx1">
-                    <a:lumMod val="65000"/>
-                    <a:lumOff val="35000"/>
-                  </a:schemeClr>
+                  <a:schemeClr val="tx1"/>
                 </a:solidFill>
                 <a:latin typeface="+mn-lt"/>
                 <a:ea typeface="+mn-ea"/>
@@ -962,7 +1057,978 @@
     <a:lstStyle/>
     <a:p>
       <a:pPr>
-        <a:defRPr sz="1400"/>
+        <a:defRPr sz="1050"/>
+      </a:pPr>
+      <a:endParaRPr lang="zh-CN"/>
+    </a:p>
+  </c:txPr>
+  <c:externalData r:id="rId3">
+    <c:autoUpdate val="0"/>
+  </c:externalData>
+</c:chartSpace>
+</file>
+
+<file path=ppt/charts/chart2.xml><?xml version="1.0" encoding="utf-8"?>
+<c:chartSpace xmlns:c="http://schemas.openxmlformats.org/drawingml/2006/chart" xmlns:a="http://schemas.openxmlformats.org/drawingml/2006/main" xmlns:r="http://schemas.openxmlformats.org/officeDocument/2006/relationships" xmlns:c16r2="http://schemas.microsoft.com/office/drawing/2015/06/chart">
+  <c:date1904 val="0"/>
+  <c:lang val="zh-CN"/>
+  <c:roundedCorners val="0"/>
+  <mc:AlternateContent xmlns:mc="http://schemas.openxmlformats.org/markup-compatibility/2006">
+    <mc:Choice xmlns:c14="http://schemas.microsoft.com/office/drawing/2007/8/2/chart" Requires="c14">
+      <c14:style val="102"/>
+    </mc:Choice>
+    <mc:Fallback>
+      <c:style val="2"/>
+    </mc:Fallback>
+  </mc:AlternateContent>
+  <c:chart>
+    <c:autoTitleDeleted val="1"/>
+    <c:plotArea>
+      <c:layout>
+        <c:manualLayout>
+          <c:layoutTarget val="inner"/>
+          <c:xMode val="edge"/>
+          <c:yMode val="edge"/>
+          <c:x val="0.10859654179669445"/>
+          <c:y val="0.11489583333333335"/>
+          <c:w val="0.84462716343240796"/>
+          <c:h val="0.71703712817147858"/>
+        </c:manualLayout>
+      </c:layout>
+      <c:bubbleChart>
+        <c:varyColors val="0"/>
+        <c:ser>
+          <c:idx val="0"/>
+          <c:order val="0"/>
+          <c:tx>
+            <c:strRef>
+              <c:f>'fig1'!$C$1</c:f>
+              <c:strCache>
+                <c:ptCount val="1"/>
+                <c:pt idx="0">
+                  <c:v>B100</c:v>
+                </c:pt>
+              </c:strCache>
+            </c:strRef>
+          </c:tx>
+          <c:spPr>
+            <a:solidFill>
+              <a:schemeClr val="accent1">
+                <a:alpha val="75000"/>
+              </a:schemeClr>
+            </a:solidFill>
+            <a:ln>
+              <a:noFill/>
+            </a:ln>
+            <a:effectLst/>
+          </c:spPr>
+          <c:invertIfNegative val="0"/>
+          <c:dLbls>
+            <c:dLbl>
+              <c:idx val="0"/>
+              <c:layout>
+                <c:manualLayout>
+                  <c:x val="2.0882274451293381E-3"/>
+                  <c:y val="-3.2876712328767189E-2"/>
+                </c:manualLayout>
+              </c:layout>
+              <c:tx>
+                <c:rich>
+                  <a:bodyPr/>
+                  <a:lstStyle/>
+                  <a:p>
+                    <a:r>
+                      <a:rPr lang="en-US" altLang="zh-CN"/>
+                      <a:t>FSRCNN</a:t>
+                    </a:r>
+                  </a:p>
+                </c:rich>
+              </c:tx>
+              <c:showLegendKey val="0"/>
+              <c:showVal val="0"/>
+              <c:showCatName val="0"/>
+              <c:showSerName val="0"/>
+              <c:showPercent val="0"/>
+              <c:showBubbleSize val="1"/>
+              <c:extLst>
+                <c:ext xmlns:c15="http://schemas.microsoft.com/office/drawing/2012/chart" uri="{CE6537A1-D6FC-4f65-9D91-7224C49458BB}">
+                  <c15:showDataLabelsRange val="0"/>
+                </c:ext>
+                <c:ext xmlns:c16="http://schemas.microsoft.com/office/drawing/2014/chart" uri="{C3380CC4-5D6E-409C-BE32-E72D297353CC}">
+                  <c16:uniqueId val="{00000000-002A-419B-9BC2-5A53CC7B5C5B}"/>
+                </c:ext>
+              </c:extLst>
+            </c:dLbl>
+            <c:dLbl>
+              <c:idx val="1"/>
+              <c:layout>
+                <c:manualLayout>
+                  <c:x val="-4.8029231237975221E-2"/>
+                  <c:y val="-0.17397245892208679"/>
+                </c:manualLayout>
+              </c:layout>
+              <c:tx>
+                <c:rich>
+                  <a:bodyPr/>
+                  <a:lstStyle/>
+                  <a:p>
+                    <a:r>
+                      <a:rPr lang="en-US" altLang="zh-CN"/>
+                      <a:t>Plain-M(ours)</a:t>
+                    </a:r>
+                  </a:p>
+                </c:rich>
+              </c:tx>
+              <c:showLegendKey val="0"/>
+              <c:showVal val="0"/>
+              <c:showCatName val="0"/>
+              <c:showSerName val="0"/>
+              <c:showPercent val="0"/>
+              <c:showBubbleSize val="1"/>
+              <c:extLst>
+                <c:ext xmlns:c15="http://schemas.microsoft.com/office/drawing/2012/chart" uri="{CE6537A1-D6FC-4f65-9D91-7224C49458BB}">
+                  <c15:showDataLabelsRange val="0"/>
+                </c:ext>
+                <c:ext xmlns:c16="http://schemas.microsoft.com/office/drawing/2014/chart" uri="{C3380CC4-5D6E-409C-BE32-E72D297353CC}">
+                  <c16:uniqueId val="{00000001-002A-419B-9BC2-5A53CC7B5C5B}"/>
+                </c:ext>
+              </c:extLst>
+            </c:dLbl>
+            <c:dLbl>
+              <c:idx val="2"/>
+              <c:layout>
+                <c:manualLayout>
+                  <c:x val="6.2646823353880721E-3"/>
+                  <c:y val="-7.055750907848847E-2"/>
+                </c:manualLayout>
+              </c:layout>
+              <c:tx>
+                <c:rich>
+                  <a:bodyPr/>
+                  <a:lstStyle/>
+                  <a:p>
+                    <a:r>
+                      <a:rPr lang="en-US" altLang="zh-CN"/>
+                      <a:t>Plain-X(ours)</a:t>
+                    </a:r>
+                  </a:p>
+                </c:rich>
+              </c:tx>
+              <c:showLegendKey val="0"/>
+              <c:showVal val="0"/>
+              <c:showCatName val="0"/>
+              <c:showSerName val="0"/>
+              <c:showPercent val="0"/>
+              <c:showBubbleSize val="1"/>
+              <c:extLst>
+                <c:ext xmlns:c15="http://schemas.microsoft.com/office/drawing/2012/chart" uri="{CE6537A1-D6FC-4f65-9D91-7224C49458BB}">
+                  <c15:showDataLabelsRange val="0"/>
+                </c:ext>
+                <c:ext xmlns:c16="http://schemas.microsoft.com/office/drawing/2014/chart" uri="{C3380CC4-5D6E-409C-BE32-E72D297353CC}">
+                  <c16:uniqueId val="{00000002-002A-419B-9BC2-5A53CC7B5C5B}"/>
+                </c:ext>
+              </c:extLst>
+            </c:dLbl>
+            <c:dLbl>
+              <c:idx val="3"/>
+              <c:layout>
+                <c:manualLayout>
+                  <c:x val="0"/>
+                  <c:y val="-2.9223744292237442E-2"/>
+                </c:manualLayout>
+              </c:layout>
+              <c:tx>
+                <c:rich>
+                  <a:bodyPr/>
+                  <a:lstStyle/>
+                  <a:p>
+                    <a:r>
+                      <a:rPr lang="en-US" altLang="zh-CN"/>
+                      <a:t>SRCNN</a:t>
+                    </a:r>
+                  </a:p>
+                </c:rich>
+              </c:tx>
+              <c:showLegendKey val="0"/>
+              <c:showVal val="0"/>
+              <c:showCatName val="0"/>
+              <c:showSerName val="0"/>
+              <c:showPercent val="0"/>
+              <c:showBubbleSize val="1"/>
+              <c:extLst>
+                <c:ext xmlns:c15="http://schemas.microsoft.com/office/drawing/2012/chart" uri="{CE6537A1-D6FC-4f65-9D91-7224C49458BB}">
+                  <c15:showDataLabelsRange val="0"/>
+                </c:ext>
+                <c:ext xmlns:c16="http://schemas.microsoft.com/office/drawing/2014/chart" uri="{C3380CC4-5D6E-409C-BE32-E72D297353CC}">
+                  <c16:uniqueId val="{00000003-002A-419B-9BC2-5A53CC7B5C5B}"/>
+                </c:ext>
+              </c:extLst>
+            </c:dLbl>
+            <c:dLbl>
+              <c:idx val="4"/>
+              <c:layout>
+                <c:manualLayout>
+                  <c:x val="-3.7588094012328474E-2"/>
+                  <c:y val="0.14977168949771688"/>
+                </c:manualLayout>
+              </c:layout>
+              <c:tx>
+                <c:rich>
+                  <a:bodyPr/>
+                  <a:lstStyle/>
+                  <a:p>
+                    <a:r>
+                      <a:rPr lang="en-US" altLang="zh-CN"/>
+                      <a:t>IDN</a:t>
+                    </a:r>
+                  </a:p>
+                </c:rich>
+              </c:tx>
+              <c:showLegendKey val="0"/>
+              <c:showVal val="0"/>
+              <c:showCatName val="0"/>
+              <c:showSerName val="0"/>
+              <c:showPercent val="0"/>
+              <c:showBubbleSize val="1"/>
+              <c:extLst>
+                <c:ext xmlns:c15="http://schemas.microsoft.com/office/drawing/2012/chart" uri="{CE6537A1-D6FC-4f65-9D91-7224C49458BB}">
+                  <c15:showDataLabelsRange val="0"/>
+                </c:ext>
+                <c:ext xmlns:c16="http://schemas.microsoft.com/office/drawing/2014/chart" uri="{C3380CC4-5D6E-409C-BE32-E72D297353CC}">
+                  <c16:uniqueId val="{00000004-002A-419B-9BC2-5A53CC7B5C5B}"/>
+                </c:ext>
+              </c:extLst>
+            </c:dLbl>
+            <c:dLbl>
+              <c:idx val="5"/>
+              <c:layout>
+                <c:manualLayout>
+                  <c:x val="1.6705819561034861E-2"/>
+                  <c:y val="6.8645309747240493E-2"/>
+                </c:manualLayout>
+              </c:layout>
+              <c:tx>
+                <c:rich>
+                  <a:bodyPr/>
+                  <a:lstStyle/>
+                  <a:p>
+                    <a:r>
+                      <a:rPr lang="en-US" altLang="zh-CN"/>
+                      <a:t>EDSR</a:t>
+                    </a:r>
+                  </a:p>
+                </c:rich>
+              </c:tx>
+              <c:showLegendKey val="0"/>
+              <c:showVal val="0"/>
+              <c:showCatName val="0"/>
+              <c:showSerName val="0"/>
+              <c:showPercent val="0"/>
+              <c:showBubbleSize val="1"/>
+              <c:extLst>
+                <c:ext xmlns:c15="http://schemas.microsoft.com/office/drawing/2012/chart" uri="{CE6537A1-D6FC-4f65-9D91-7224C49458BB}">
+                  <c15:showDataLabelsRange val="0"/>
+                </c:ext>
+                <c:ext xmlns:c16="http://schemas.microsoft.com/office/drawing/2014/chart" uri="{C3380CC4-5D6E-409C-BE32-E72D297353CC}">
+                  <c16:uniqueId val="{00000005-002A-419B-9BC2-5A53CC7B5C5B}"/>
+                </c:ext>
+              </c:extLst>
+            </c:dLbl>
+            <c:dLbl>
+              <c:idx val="6"/>
+              <c:layout>
+                <c:manualLayout>
+                  <c:x val="0"/>
+                  <c:y val="5.4794520547945202E-2"/>
+                </c:manualLayout>
+              </c:layout>
+              <c:tx>
+                <c:rich>
+                  <a:bodyPr/>
+                  <a:lstStyle/>
+                  <a:p>
+                    <a:r>
+                      <a:rPr lang="en-US" altLang="zh-CN"/>
+                      <a:t>VDSR</a:t>
+                    </a:r>
+                  </a:p>
+                </c:rich>
+              </c:tx>
+              <c:showLegendKey val="0"/>
+              <c:showVal val="0"/>
+              <c:showCatName val="0"/>
+              <c:showSerName val="0"/>
+              <c:showPercent val="0"/>
+              <c:showBubbleSize val="1"/>
+              <c:extLst>
+                <c:ext xmlns:c15="http://schemas.microsoft.com/office/drawing/2012/chart" uri="{CE6537A1-D6FC-4f65-9D91-7224C49458BB}">
+                  <c15:showDataLabelsRange val="0"/>
+                </c:ext>
+                <c:ext xmlns:c16="http://schemas.microsoft.com/office/drawing/2014/chart" uri="{C3380CC4-5D6E-409C-BE32-E72D297353CC}">
+                  <c16:uniqueId val="{00000006-002A-419B-9BC2-5A53CC7B5C5B}"/>
+                </c:ext>
+              </c:extLst>
+            </c:dLbl>
+            <c:dLbl>
+              <c:idx val="7"/>
+              <c:layout>
+                <c:manualLayout>
+                  <c:x val="2.0882274451293958E-3"/>
+                  <c:y val="-1.8122173084528785E-2"/>
+                </c:manualLayout>
+              </c:layout>
+              <c:tx>
+                <c:rich>
+                  <a:bodyPr/>
+                  <a:lstStyle/>
+                  <a:p>
+                    <a:r>
+                      <a:rPr lang="en-US" altLang="zh-CN"/>
+                      <a:t>IMDN</a:t>
+                    </a:r>
+                  </a:p>
+                </c:rich>
+              </c:tx>
+              <c:showLegendKey val="0"/>
+              <c:showVal val="0"/>
+              <c:showCatName val="0"/>
+              <c:showSerName val="0"/>
+              <c:showPercent val="0"/>
+              <c:showBubbleSize val="1"/>
+              <c:extLst>
+                <c:ext xmlns:c15="http://schemas.microsoft.com/office/drawing/2012/chart" uri="{CE6537A1-D6FC-4f65-9D91-7224C49458BB}">
+                  <c15:showDataLabelsRange val="0"/>
+                </c:ext>
+                <c:ext xmlns:c16="http://schemas.microsoft.com/office/drawing/2014/chart" uri="{C3380CC4-5D6E-409C-BE32-E72D297353CC}">
+                  <c16:uniqueId val="{00000007-002A-419B-9BC2-5A53CC7B5C5B}"/>
+                </c:ext>
+              </c:extLst>
+            </c:dLbl>
+            <c:dLbl>
+              <c:idx val="8"/>
+              <c:layout>
+                <c:manualLayout>
+                  <c:x val="-1.4617592115905503E-2"/>
+                  <c:y val="-0.13646309279833174"/>
+                </c:manualLayout>
+              </c:layout>
+              <c:tx>
+                <c:rich>
+                  <a:bodyPr/>
+                  <a:lstStyle/>
+                  <a:p>
+                    <a:r>
+                      <a:rPr lang="en-US" altLang="zh-CN"/>
+                      <a:t>CARN</a:t>
+                    </a:r>
+                  </a:p>
+                </c:rich>
+              </c:tx>
+              <c:showLegendKey val="0"/>
+              <c:showVal val="0"/>
+              <c:showCatName val="0"/>
+              <c:showSerName val="0"/>
+              <c:showPercent val="0"/>
+              <c:showBubbleSize val="1"/>
+              <c:extLst>
+                <c:ext xmlns:c15="http://schemas.microsoft.com/office/drawing/2012/chart" uri="{CE6537A1-D6FC-4f65-9D91-7224C49458BB}">
+                  <c15:showDataLabelsRange val="0"/>
+                </c:ext>
+                <c:ext xmlns:c16="http://schemas.microsoft.com/office/drawing/2014/chart" uri="{C3380CC4-5D6E-409C-BE32-E72D297353CC}">
+                  <c16:uniqueId val="{00000008-002A-419B-9BC2-5A53CC7B5C5B}"/>
+                </c:ext>
+              </c:extLst>
+            </c:dLbl>
+            <c:dLbl>
+              <c:idx val="9"/>
+              <c:layout>
+                <c:manualLayout>
+                  <c:x val="1.8794047006164216E-2"/>
+                  <c:y val="7.5589688275266964E-2"/>
+                </c:manualLayout>
+              </c:layout>
+              <c:tx>
+                <c:rich>
+                  <a:bodyPr/>
+                  <a:lstStyle/>
+                  <a:p>
+                    <a:r>
+                      <a:rPr lang="en-US" altLang="zh-CN"/>
+                      <a:t>DRRN</a:t>
+                    </a:r>
+                  </a:p>
+                </c:rich>
+              </c:tx>
+              <c:showLegendKey val="0"/>
+              <c:showVal val="0"/>
+              <c:showCatName val="0"/>
+              <c:showSerName val="0"/>
+              <c:showPercent val="0"/>
+              <c:showBubbleSize val="1"/>
+              <c:extLst>
+                <c:ext xmlns:c15="http://schemas.microsoft.com/office/drawing/2012/chart" uri="{CE6537A1-D6FC-4f65-9D91-7224C49458BB}">
+                  <c15:showDataLabelsRange val="0"/>
+                </c:ext>
+                <c:ext xmlns:c16="http://schemas.microsoft.com/office/drawing/2014/chart" uri="{C3380CC4-5D6E-409C-BE32-E72D297353CC}">
+                  <c16:uniqueId val="{00000009-002A-419B-9BC2-5A53CC7B5C5B}"/>
+                </c:ext>
+              </c:extLst>
+            </c:dLbl>
+            <c:dLbl>
+              <c:idx val="10"/>
+              <c:layout>
+                <c:manualLayout>
+                  <c:x val="-2.5058729341552288E-2"/>
+                  <c:y val="-9.786905403947796E-2"/>
+                </c:manualLayout>
+              </c:layout>
+              <c:tx>
+                <c:rich>
+                  <a:bodyPr/>
+                  <a:lstStyle/>
+                  <a:p>
+                    <a:r>
+                      <a:rPr lang="en-US" altLang="zh-CN"/>
+                      <a:t>SRFBN</a:t>
+                    </a:r>
+                  </a:p>
+                </c:rich>
+              </c:tx>
+              <c:showLegendKey val="0"/>
+              <c:showVal val="0"/>
+              <c:showCatName val="0"/>
+              <c:showSerName val="0"/>
+              <c:showPercent val="0"/>
+              <c:showBubbleSize val="1"/>
+              <c:extLst>
+                <c:ext xmlns:c15="http://schemas.microsoft.com/office/drawing/2012/chart" uri="{CE6537A1-D6FC-4f65-9D91-7224C49458BB}">
+                  <c15:showDataLabelsRange val="0"/>
+                </c:ext>
+                <c:ext xmlns:c16="http://schemas.microsoft.com/office/drawing/2014/chart" uri="{C3380CC4-5D6E-409C-BE32-E72D297353CC}">
+                  <c16:uniqueId val="{0000000A-002A-419B-9BC2-5A53CC7B5C5B}"/>
+                </c:ext>
+              </c:extLst>
+            </c:dLbl>
+            <c:dLbl>
+              <c:idx val="12"/>
+              <c:layout>
+                <c:manualLayout>
+                  <c:x val="4.5941003792845825E-2"/>
+                  <c:y val="7.9861111111111105E-2"/>
+                </c:manualLayout>
+              </c:layout>
+              <c:tx>
+                <c:rich>
+                  <a:bodyPr/>
+                  <a:lstStyle/>
+                  <a:p>
+                    <a:r>
+                      <a:rPr lang="en-US" altLang="zh-CN"/>
+                      <a:t>VDSR</a:t>
+                    </a:r>
+                  </a:p>
+                </c:rich>
+              </c:tx>
+              <c:showLegendKey val="0"/>
+              <c:showVal val="0"/>
+              <c:showCatName val="0"/>
+              <c:showSerName val="0"/>
+              <c:showPercent val="0"/>
+              <c:showBubbleSize val="1"/>
+              <c:extLst>
+                <c:ext xmlns:c15="http://schemas.microsoft.com/office/drawing/2012/chart" uri="{CE6537A1-D6FC-4f65-9D91-7224C49458BB}">
+                  <c15:showDataLabelsRange val="0"/>
+                </c:ext>
+                <c:ext xmlns:c16="http://schemas.microsoft.com/office/drawing/2014/chart" uri="{C3380CC4-5D6E-409C-BE32-E72D297353CC}">
+                  <c16:uniqueId val="{0000000B-002A-419B-9BC2-5A53CC7B5C5B}"/>
+                </c:ext>
+              </c:extLst>
+            </c:dLbl>
+            <c:spPr>
+              <a:noFill/>
+              <a:ln cap="flat" cmpd="sng">
+                <a:solidFill>
+                  <a:sysClr val="windowText" lastClr="000000">
+                    <a:lumMod val="25000"/>
+                    <a:lumOff val="75000"/>
+                  </a:sysClr>
+                </a:solidFill>
+                <a:prstDash val="solid"/>
+                <a:round/>
+              </a:ln>
+              <a:effectLst/>
+            </c:spPr>
+            <c:txPr>
+              <a:bodyPr rot="0" spcFirstLastPara="1" vertOverflow="clip" horzOverflow="clip" vert="horz" wrap="square" lIns="36576" tIns="18288" rIns="36576" bIns="18288" anchor="ctr" anchorCtr="1">
+                <a:spAutoFit/>
+              </a:bodyPr>
+              <a:lstStyle/>
+              <a:p>
+                <a:pPr>
+                  <a:defRPr sz="1400" b="1" i="0" u="none" strike="noStrike" kern="1200" baseline="0">
+                    <a:solidFill>
+                      <a:schemeClr val="tx1"/>
+                    </a:solidFill>
+                    <a:latin typeface="+mn-lt"/>
+                    <a:ea typeface="+mn-ea"/>
+                    <a:cs typeface="+mn-cs"/>
+                  </a:defRPr>
+                </a:pPr>
+                <a:endParaRPr lang="zh-CN"/>
+              </a:p>
+            </c:txPr>
+            <c:showLegendKey val="0"/>
+            <c:showVal val="0"/>
+            <c:showCatName val="0"/>
+            <c:showSerName val="0"/>
+            <c:showPercent val="0"/>
+            <c:showBubbleSize val="1"/>
+            <c:showLeaderLines val="0"/>
+            <c:extLst>
+              <c:ext xmlns:c15="http://schemas.microsoft.com/office/drawing/2012/chart" uri="{CE6537A1-D6FC-4f65-9D91-7224C49458BB}">
+                <c15:spPr xmlns:c15="http://schemas.microsoft.com/office/drawing/2012/chart">
+                  <a:prstGeom prst="wedgeRectCallout">
+                    <a:avLst/>
+                  </a:prstGeom>
+                  <a:noFill/>
+                  <a:ln>
+                    <a:noFill/>
+                  </a:ln>
+                </c15:spPr>
+                <c15:showLeaderLines val="0"/>
+              </c:ext>
+            </c:extLst>
+          </c:dLbls>
+          <c:xVal>
+            <c:numRef>
+              <c:f>'fig1'!$B$2:$B$12</c:f>
+              <c:numCache>
+                <c:formatCode>General</c:formatCode>
+                <c:ptCount val="11"/>
+                <c:pt idx="0">
+                  <c:v>368</c:v>
+                </c:pt>
+                <c:pt idx="1">
+                  <c:v>420</c:v>
+                </c:pt>
+                <c:pt idx="2">
+                  <c:v>718</c:v>
+                </c:pt>
+                <c:pt idx="3">
+                  <c:v>807</c:v>
+                </c:pt>
+                <c:pt idx="4">
+                  <c:v>916</c:v>
+                </c:pt>
+                <c:pt idx="5">
+                  <c:v>1306</c:v>
+                </c:pt>
+                <c:pt idx="6">
+                  <c:v>1581</c:v>
+                </c:pt>
+                <c:pt idx="7">
+                  <c:v>1813</c:v>
+                </c:pt>
+                <c:pt idx="8">
+                  <c:v>3210</c:v>
+                </c:pt>
+                <c:pt idx="9">
+                  <c:v>4112</c:v>
+                </c:pt>
+                <c:pt idx="10">
+                  <c:v>8319</c:v>
+                </c:pt>
+              </c:numCache>
+            </c:numRef>
+          </c:xVal>
+          <c:yVal>
+            <c:numRef>
+              <c:f>'fig1'!$C$2:$C$12</c:f>
+              <c:numCache>
+                <c:formatCode>General</c:formatCode>
+                <c:ptCount val="11"/>
+                <c:pt idx="0">
+                  <c:v>31.53</c:v>
+                </c:pt>
+                <c:pt idx="1">
+                  <c:v>32.19</c:v>
+                </c:pt>
+                <c:pt idx="2">
+                  <c:v>32.24</c:v>
+                </c:pt>
+                <c:pt idx="3">
+                  <c:v>31.36</c:v>
+                </c:pt>
+                <c:pt idx="4">
+                  <c:v>32.08</c:v>
+                </c:pt>
+                <c:pt idx="5">
+                  <c:v>32.159999999999997</c:v>
+                </c:pt>
+                <c:pt idx="6">
+                  <c:v>31.9</c:v>
+                </c:pt>
+                <c:pt idx="7">
+                  <c:v>32.19</c:v>
+                </c:pt>
+                <c:pt idx="8">
+                  <c:v>32.090000000000003</c:v>
+                </c:pt>
+                <c:pt idx="9">
+                  <c:v>32.049999999999997</c:v>
+                </c:pt>
+                <c:pt idx="10">
+                  <c:v>32.29</c:v>
+                </c:pt>
+              </c:numCache>
+            </c:numRef>
+          </c:yVal>
+          <c:bubbleSize>
+            <c:numRef>
+              <c:f>'fig1'!$D$2:$D$12</c:f>
+              <c:numCache>
+                <c:formatCode>General</c:formatCode>
+                <c:ptCount val="11"/>
+                <c:pt idx="0">
+                  <c:v>13</c:v>
+                </c:pt>
+                <c:pt idx="1">
+                  <c:v>158</c:v>
+                </c:pt>
+                <c:pt idx="2">
+                  <c:v>253</c:v>
+                </c:pt>
+                <c:pt idx="3">
+                  <c:v>60</c:v>
+                </c:pt>
+                <c:pt idx="4">
+                  <c:v>138</c:v>
+                </c:pt>
+                <c:pt idx="5">
+                  <c:v>199</c:v>
+                </c:pt>
+                <c:pt idx="6">
+                  <c:v>286</c:v>
+                </c:pt>
+                <c:pt idx="7">
+                  <c:v>150</c:v>
+                </c:pt>
+                <c:pt idx="8">
+                  <c:v>199</c:v>
+                </c:pt>
+                <c:pt idx="9">
+                  <c:v>854</c:v>
+                </c:pt>
+                <c:pt idx="10">
+                  <c:v>3032</c:v>
+                </c:pt>
+              </c:numCache>
+            </c:numRef>
+          </c:bubbleSize>
+          <c:bubble3D val="0"/>
+          <c:extLst>
+            <c:ext xmlns:c16="http://schemas.microsoft.com/office/drawing/2014/chart" uri="{C3380CC4-5D6E-409C-BE32-E72D297353CC}">
+              <c16:uniqueId val="{0000000C-002A-419B-9BC2-5A53CC7B5C5B}"/>
+            </c:ext>
+          </c:extLst>
+        </c:ser>
+        <c:dLbls>
+          <c:showLegendKey val="0"/>
+          <c:showVal val="0"/>
+          <c:showCatName val="0"/>
+          <c:showSerName val="0"/>
+          <c:showPercent val="0"/>
+          <c:showBubbleSize val="0"/>
+        </c:dLbls>
+        <c:bubbleScale val="100"/>
+        <c:showNegBubbles val="0"/>
+        <c:axId val="730769664"/>
+        <c:axId val="582904992"/>
+      </c:bubbleChart>
+      <c:valAx>
+        <c:axId val="730769664"/>
+        <c:scaling>
+          <c:logBase val="2"/>
+          <c:orientation val="minMax"/>
+          <c:max val="19200"/>
+          <c:min val="300"/>
+        </c:scaling>
+        <c:delete val="0"/>
+        <c:axPos val="b"/>
+        <c:majorGridlines>
+          <c:spPr>
+            <a:ln w="9525" cap="flat" cmpd="sng" algn="ctr">
+              <a:solidFill>
+                <a:schemeClr val="tx1">
+                  <a:lumMod val="15000"/>
+                  <a:lumOff val="85000"/>
+                </a:schemeClr>
+              </a:solidFill>
+              <a:round/>
+            </a:ln>
+            <a:effectLst/>
+          </c:spPr>
+        </c:majorGridlines>
+        <c:minorGridlines>
+          <c:spPr>
+            <a:ln w="9525" cap="flat" cmpd="sng" algn="ctr">
+              <a:solidFill>
+                <a:schemeClr val="tx1">
+                  <a:lumMod val="5000"/>
+                  <a:lumOff val="95000"/>
+                </a:schemeClr>
+              </a:solidFill>
+              <a:round/>
+            </a:ln>
+            <a:effectLst/>
+          </c:spPr>
+        </c:minorGridlines>
+        <c:title>
+          <c:tx>
+            <c:rich>
+              <a:bodyPr rot="0" spcFirstLastPara="1" vertOverflow="ellipsis" vert="horz" wrap="square" anchor="ctr" anchorCtr="1"/>
+              <a:lstStyle/>
+              <a:p>
+                <a:pPr>
+                  <a:defRPr sz="1600" b="1" i="0" u="none" strike="noStrike" kern="1200" baseline="0">
+                    <a:solidFill>
+                      <a:schemeClr val="tx1"/>
+                    </a:solidFill>
+                    <a:latin typeface="Courier New" panose="02070309020205020404" pitchFamily="49" charset="0"/>
+                    <a:ea typeface="+mn-ea"/>
+                    <a:cs typeface="Courier New" panose="02070309020205020404" pitchFamily="49" charset="0"/>
+                  </a:defRPr>
+                </a:pPr>
+                <a:r>
+                  <a:rPr lang="en-US" sz="1600" b="1" dirty="0">
+                    <a:latin typeface="Courier New" panose="02070309020205020404" pitchFamily="49" charset="0"/>
+                    <a:cs typeface="Courier New" panose="02070309020205020404" pitchFamily="49" charset="0"/>
+                  </a:rPr>
+                  <a:t>Memory Footprint (MB)</a:t>
+                </a:r>
+                <a:endParaRPr lang="zh-CN" sz="1600" b="1" dirty="0">
+                  <a:latin typeface="Courier New" panose="02070309020205020404" pitchFamily="49" charset="0"/>
+                  <a:cs typeface="Courier New" panose="02070309020205020404" pitchFamily="49" charset="0"/>
+                </a:endParaRPr>
+              </a:p>
+            </c:rich>
+          </c:tx>
+          <c:layout>
+            <c:manualLayout>
+              <c:xMode val="edge"/>
+              <c:yMode val="edge"/>
+              <c:x val="0.53707039447603"/>
+              <c:y val="0.91407011109912628"/>
+            </c:manualLayout>
+          </c:layout>
+          <c:overlay val="0"/>
+          <c:spPr>
+            <a:noFill/>
+            <a:ln>
+              <a:noFill/>
+            </a:ln>
+            <a:effectLst/>
+          </c:spPr>
+          <c:txPr>
+            <a:bodyPr rot="0" spcFirstLastPara="1" vertOverflow="ellipsis" vert="horz" wrap="square" anchor="ctr" anchorCtr="1"/>
+            <a:lstStyle/>
+            <a:p>
+              <a:pPr>
+                <a:defRPr sz="1600" b="1" i="0" u="none" strike="noStrike" kern="1200" baseline="0">
+                  <a:solidFill>
+                    <a:schemeClr val="tx1"/>
+                  </a:solidFill>
+                  <a:latin typeface="Courier New" panose="02070309020205020404" pitchFamily="49" charset="0"/>
+                  <a:ea typeface="+mn-ea"/>
+                  <a:cs typeface="Courier New" panose="02070309020205020404" pitchFamily="49" charset="0"/>
+                </a:defRPr>
+              </a:pPr>
+              <a:endParaRPr lang="zh-CN"/>
+            </a:p>
+          </c:txPr>
+        </c:title>
+        <c:numFmt formatCode="General" sourceLinked="1"/>
+        <c:majorTickMark val="none"/>
+        <c:minorTickMark val="none"/>
+        <c:tickLblPos val="nextTo"/>
+        <c:spPr>
+          <a:noFill/>
+          <a:ln w="9525" cap="flat" cmpd="sng" algn="ctr">
+            <a:solidFill>
+              <a:schemeClr val="tx1">
+                <a:lumMod val="25000"/>
+                <a:lumOff val="75000"/>
+              </a:schemeClr>
+            </a:solidFill>
+            <a:round/>
+          </a:ln>
+          <a:effectLst/>
+        </c:spPr>
+        <c:txPr>
+          <a:bodyPr rot="-60000000" spcFirstLastPara="1" vertOverflow="ellipsis" vert="horz" wrap="square" anchor="ctr" anchorCtr="1"/>
+          <a:lstStyle/>
+          <a:p>
+            <a:pPr>
+              <a:defRPr sz="1200" b="1" i="0" u="none" strike="noStrike" kern="1200" baseline="0">
+                <a:solidFill>
+                  <a:schemeClr val="tx1"/>
+                </a:solidFill>
+                <a:latin typeface="+mn-lt"/>
+                <a:ea typeface="+mn-ea"/>
+                <a:cs typeface="+mn-cs"/>
+              </a:defRPr>
+            </a:pPr>
+            <a:endParaRPr lang="zh-CN"/>
+          </a:p>
+        </c:txPr>
+        <c:crossAx val="582904992"/>
+        <c:crosses val="autoZero"/>
+        <c:crossBetween val="midCat"/>
+      </c:valAx>
+      <c:valAx>
+        <c:axId val="582904992"/>
+        <c:scaling>
+          <c:orientation val="minMax"/>
+        </c:scaling>
+        <c:delete val="0"/>
+        <c:axPos val="l"/>
+        <c:majorGridlines>
+          <c:spPr>
+            <a:ln w="9525" cap="flat" cmpd="sng" algn="ctr">
+              <a:solidFill>
+                <a:schemeClr val="tx1">
+                  <a:lumMod val="15000"/>
+                  <a:lumOff val="85000"/>
+                </a:schemeClr>
+              </a:solidFill>
+              <a:round/>
+            </a:ln>
+            <a:effectLst/>
+          </c:spPr>
+        </c:majorGridlines>
+        <c:title>
+          <c:tx>
+            <c:rich>
+              <a:bodyPr rot="-5400000" spcFirstLastPara="1" vertOverflow="ellipsis" vert="horz" wrap="square" anchor="ctr" anchorCtr="1"/>
+              <a:lstStyle/>
+              <a:p>
+                <a:pPr>
+                  <a:defRPr sz="1600" b="1" i="0" u="none" strike="noStrike" kern="1200" baseline="0">
+                    <a:solidFill>
+                      <a:schemeClr val="tx1"/>
+                    </a:solidFill>
+                    <a:latin typeface="Courier New" panose="02070309020205020404" pitchFamily="49" charset="0"/>
+                    <a:ea typeface="+mn-ea"/>
+                    <a:cs typeface="Courier New" panose="02070309020205020404" pitchFamily="49" charset="0"/>
+                  </a:defRPr>
+                </a:pPr>
+                <a:r>
+                  <a:rPr lang="en-US" sz="1600" b="1">
+                    <a:latin typeface="Courier New" panose="02070309020205020404" pitchFamily="49" charset="0"/>
+                    <a:cs typeface="Courier New" panose="02070309020205020404" pitchFamily="49" charset="0"/>
+                  </a:rPr>
+                  <a:t>B100 PSNR (dB)</a:t>
+                </a:r>
+                <a:endParaRPr lang="zh-CN" sz="1600" b="1">
+                  <a:latin typeface="Courier New" panose="02070309020205020404" pitchFamily="49" charset="0"/>
+                  <a:cs typeface="Courier New" panose="02070309020205020404" pitchFamily="49" charset="0"/>
+                </a:endParaRPr>
+              </a:p>
+            </c:rich>
+          </c:tx>
+          <c:overlay val="0"/>
+          <c:spPr>
+            <a:noFill/>
+            <a:ln>
+              <a:noFill/>
+            </a:ln>
+            <a:effectLst/>
+          </c:spPr>
+          <c:txPr>
+            <a:bodyPr rot="-5400000" spcFirstLastPara="1" vertOverflow="ellipsis" vert="horz" wrap="square" anchor="ctr" anchorCtr="1"/>
+            <a:lstStyle/>
+            <a:p>
+              <a:pPr>
+                <a:defRPr sz="1600" b="1" i="0" u="none" strike="noStrike" kern="1200" baseline="0">
+                  <a:solidFill>
+                    <a:schemeClr val="tx1"/>
+                  </a:solidFill>
+                  <a:latin typeface="Courier New" panose="02070309020205020404" pitchFamily="49" charset="0"/>
+                  <a:ea typeface="+mn-ea"/>
+                  <a:cs typeface="Courier New" panose="02070309020205020404" pitchFamily="49" charset="0"/>
+                </a:defRPr>
+              </a:pPr>
+              <a:endParaRPr lang="zh-CN"/>
+            </a:p>
+          </c:txPr>
+        </c:title>
+        <c:numFmt formatCode="General" sourceLinked="1"/>
+        <c:majorTickMark val="none"/>
+        <c:minorTickMark val="none"/>
+        <c:tickLblPos val="nextTo"/>
+        <c:spPr>
+          <a:noFill/>
+          <a:ln w="9525" cap="flat" cmpd="sng" algn="ctr">
+            <a:solidFill>
+              <a:schemeClr val="tx1">
+                <a:lumMod val="25000"/>
+                <a:lumOff val="75000"/>
+              </a:schemeClr>
+            </a:solidFill>
+            <a:round/>
+          </a:ln>
+          <a:effectLst/>
+        </c:spPr>
+        <c:txPr>
+          <a:bodyPr rot="-60000000" spcFirstLastPara="1" vertOverflow="ellipsis" vert="horz" wrap="square" anchor="ctr" anchorCtr="1"/>
+          <a:lstStyle/>
+          <a:p>
+            <a:pPr>
+              <a:defRPr sz="1200" b="1" i="0" u="none" strike="noStrike" kern="1200" baseline="0">
+                <a:solidFill>
+                  <a:schemeClr val="tx1"/>
+                </a:solidFill>
+                <a:latin typeface="+mn-lt"/>
+                <a:ea typeface="+mn-ea"/>
+                <a:cs typeface="+mn-cs"/>
+              </a:defRPr>
+            </a:pPr>
+            <a:endParaRPr lang="zh-CN"/>
+          </a:p>
+        </c:txPr>
+        <c:crossAx val="730769664"/>
+        <c:crosses val="autoZero"/>
+        <c:crossBetween val="midCat"/>
+      </c:valAx>
+      <c:spPr>
+        <a:noFill/>
+        <a:ln>
+          <a:noFill/>
+        </a:ln>
+        <a:effectLst/>
+      </c:spPr>
+    </c:plotArea>
+    <c:plotVisOnly val="1"/>
+    <c:dispBlanksAs val="gap"/>
+    <c:showDLblsOverMax val="0"/>
+  </c:chart>
+  <c:spPr>
+    <a:noFill/>
+    <a:ln>
+      <a:noFill/>
+    </a:ln>
+    <a:effectLst/>
+  </c:spPr>
+  <c:txPr>
+    <a:bodyPr/>
+    <a:lstStyle/>
+    <a:p>
+      <a:pPr>
+        <a:defRPr sz="1050">
+          <a:solidFill>
+            <a:schemeClr val="tx1"/>
+          </a:solidFill>
+        </a:defRPr>
       </a:pPr>
       <a:endParaRPr lang="zh-CN"/>
     </a:p>
@@ -1013,7 +2079,582 @@
 </cs:colorStyle>
 </file>
 
+<file path=ppt/charts/colors2.xml><?xml version="1.0" encoding="utf-8"?>
+<cs:colorStyle xmlns:cs="http://schemas.microsoft.com/office/drawing/2012/chartStyle" xmlns:a="http://schemas.openxmlformats.org/drawingml/2006/main" meth="cycle" id="10">
+  <a:schemeClr val="accent1"/>
+  <a:schemeClr val="accent2"/>
+  <a:schemeClr val="accent3"/>
+  <a:schemeClr val="accent4"/>
+  <a:schemeClr val="accent5"/>
+  <a:schemeClr val="accent6"/>
+  <cs:variation/>
+  <cs:variation>
+    <a:lumMod val="60000"/>
+  </cs:variation>
+  <cs:variation>
+    <a:lumMod val="80000"/>
+    <a:lumOff val="20000"/>
+  </cs:variation>
+  <cs:variation>
+    <a:lumMod val="80000"/>
+  </cs:variation>
+  <cs:variation>
+    <a:lumMod val="60000"/>
+    <a:lumOff val="40000"/>
+  </cs:variation>
+  <cs:variation>
+    <a:lumMod val="50000"/>
+  </cs:variation>
+  <cs:variation>
+    <a:lumMod val="70000"/>
+    <a:lumOff val="30000"/>
+  </cs:variation>
+  <cs:variation>
+    <a:lumMod val="70000"/>
+  </cs:variation>
+  <cs:variation>
+    <a:lumMod val="50000"/>
+    <a:lumOff val="50000"/>
+  </cs:variation>
+</cs:colorStyle>
+</file>
+
 <file path=ppt/charts/style1.xml><?xml version="1.0" encoding="utf-8"?>
+<cs:chartStyle xmlns:cs="http://schemas.microsoft.com/office/drawing/2012/chartStyle" xmlns:a="http://schemas.openxmlformats.org/drawingml/2006/main" id="269">
+  <cs:axisTitle>
+    <cs:lnRef idx="0"/>
+    <cs:fillRef idx="0"/>
+    <cs:effectRef idx="0"/>
+    <cs:fontRef idx="minor">
+      <a:schemeClr val="tx1">
+        <a:lumMod val="65000"/>
+        <a:lumOff val="35000"/>
+      </a:schemeClr>
+    </cs:fontRef>
+    <cs:defRPr sz="1000" kern="1200"/>
+  </cs:axisTitle>
+  <cs:categoryAxis>
+    <cs:lnRef idx="0"/>
+    <cs:fillRef idx="0"/>
+    <cs:effectRef idx="0"/>
+    <cs:fontRef idx="minor">
+      <a:schemeClr val="tx1">
+        <a:lumMod val="65000"/>
+        <a:lumOff val="35000"/>
+      </a:schemeClr>
+    </cs:fontRef>
+    <cs:spPr>
+      <a:ln w="9525" cap="flat" cmpd="sng" algn="ctr">
+        <a:solidFill>
+          <a:schemeClr val="tx1">
+            <a:lumMod val="25000"/>
+            <a:lumOff val="75000"/>
+          </a:schemeClr>
+        </a:solidFill>
+        <a:round/>
+      </a:ln>
+    </cs:spPr>
+    <cs:defRPr sz="900" kern="1200"/>
+  </cs:categoryAxis>
+  <cs:chartArea mods="allowNoFillOverride allowNoLineOverride">
+    <cs:lnRef idx="0"/>
+    <cs:fillRef idx="0"/>
+    <cs:effectRef idx="0"/>
+    <cs:fontRef idx="minor">
+      <a:schemeClr val="tx1"/>
+    </cs:fontRef>
+    <cs:spPr>
+      <a:solidFill>
+        <a:schemeClr val="bg1"/>
+      </a:solidFill>
+      <a:ln w="9525" cap="flat" cmpd="sng" algn="ctr">
+        <a:solidFill>
+          <a:schemeClr val="tx1">
+            <a:lumMod val="15000"/>
+            <a:lumOff val="85000"/>
+          </a:schemeClr>
+        </a:solidFill>
+        <a:round/>
+      </a:ln>
+    </cs:spPr>
+    <cs:defRPr sz="1000" kern="1200"/>
+  </cs:chartArea>
+  <cs:dataLabel>
+    <cs:lnRef idx="0"/>
+    <cs:fillRef idx="0"/>
+    <cs:effectRef idx="0"/>
+    <cs:fontRef idx="minor">
+      <a:schemeClr val="tx1">
+        <a:lumMod val="75000"/>
+        <a:lumOff val="25000"/>
+      </a:schemeClr>
+    </cs:fontRef>
+    <cs:defRPr sz="900" kern="1200"/>
+  </cs:dataLabel>
+  <cs:dataLabelCallout>
+    <cs:lnRef idx="0"/>
+    <cs:fillRef idx="0"/>
+    <cs:effectRef idx="0"/>
+    <cs:fontRef idx="minor">
+      <a:schemeClr val="dk1">
+        <a:lumMod val="65000"/>
+        <a:lumOff val="35000"/>
+      </a:schemeClr>
+    </cs:fontRef>
+    <cs:spPr>
+      <a:solidFill>
+        <a:schemeClr val="lt1"/>
+      </a:solidFill>
+      <a:ln>
+        <a:solidFill>
+          <a:schemeClr val="dk1">
+            <a:lumMod val="25000"/>
+            <a:lumOff val="75000"/>
+          </a:schemeClr>
+        </a:solidFill>
+      </a:ln>
+    </cs:spPr>
+    <cs:defRPr sz="900" kern="1200"/>
+    <cs:bodyPr rot="0" spcFirstLastPara="1" vertOverflow="clip" horzOverflow="clip" vert="horz" wrap="square" lIns="36576" tIns="18288" rIns="36576" bIns="18288" anchor="ctr" anchorCtr="1">
+      <a:spAutoFit/>
+    </cs:bodyPr>
+  </cs:dataLabelCallout>
+  <cs:dataPoint>
+    <cs:lnRef idx="0"/>
+    <cs:fillRef idx="1">
+      <cs:styleClr val="auto"/>
+    </cs:fillRef>
+    <cs:effectRef idx="0"/>
+    <cs:fontRef idx="minor">
+      <a:schemeClr val="tx1"/>
+    </cs:fontRef>
+    <cs:spPr>
+      <a:solidFill>
+        <a:schemeClr val="phClr">
+          <a:alpha val="75000"/>
+        </a:schemeClr>
+      </a:solidFill>
+    </cs:spPr>
+  </cs:dataPoint>
+  <cs:dataPoint3D>
+    <cs:lnRef idx="0"/>
+    <cs:fillRef idx="1">
+      <cs:styleClr val="auto"/>
+    </cs:fillRef>
+    <cs:effectRef idx="0"/>
+    <cs:fontRef idx="minor">
+      <a:schemeClr val="tx1"/>
+    </cs:fontRef>
+    <cs:spPr>
+      <a:solidFill>
+        <a:schemeClr val="phClr">
+          <a:alpha val="75000"/>
+        </a:schemeClr>
+      </a:solidFill>
+    </cs:spPr>
+  </cs:dataPoint3D>
+  <cs:dataPointLine>
+    <cs:lnRef idx="0">
+      <cs:styleClr val="auto"/>
+    </cs:lnRef>
+    <cs:fillRef idx="1"/>
+    <cs:effectRef idx="0"/>
+    <cs:fontRef idx="minor">
+      <a:schemeClr val="tx1"/>
+    </cs:fontRef>
+    <cs:spPr>
+      <a:ln w="19050" cap="rnd">
+        <a:solidFill>
+          <a:schemeClr val="phClr">
+            <a:alpha val="50000"/>
+          </a:schemeClr>
+        </a:solidFill>
+        <a:round/>
+      </a:ln>
+    </cs:spPr>
+  </cs:dataPointLine>
+  <cs:dataPointMarker>
+    <cs:lnRef idx="0">
+      <cs:styleClr val="auto"/>
+    </cs:lnRef>
+    <cs:fillRef idx="1">
+      <cs:styleClr val="auto"/>
+    </cs:fillRef>
+    <cs:effectRef idx="0"/>
+    <cs:fontRef idx="minor">
+      <a:schemeClr val="tx1"/>
+    </cs:fontRef>
+    <cs:spPr>
+      <a:solidFill>
+        <a:schemeClr val="phClr"/>
+      </a:solidFill>
+      <a:ln w="9525">
+        <a:solidFill>
+          <a:schemeClr val="phClr"/>
+        </a:solidFill>
+      </a:ln>
+    </cs:spPr>
+  </cs:dataPointMarker>
+  <cs:dataPointMarkerLayout symbol="circle" size="5"/>
+  <cs:dataPointWireframe>
+    <cs:lnRef idx="0">
+      <cs:styleClr val="auto"/>
+    </cs:lnRef>
+    <cs:fillRef idx="0"/>
+    <cs:effectRef idx="0"/>
+    <cs:fontRef idx="minor">
+      <a:schemeClr val="dk1"/>
+    </cs:fontRef>
+    <cs:spPr>
+      <a:ln w="9525" cap="rnd">
+        <a:solidFill>
+          <a:schemeClr val="phClr"/>
+        </a:solidFill>
+        <a:round/>
+      </a:ln>
+    </cs:spPr>
+  </cs:dataPointWireframe>
+  <cs:dataTable>
+    <cs:lnRef idx="0"/>
+    <cs:fillRef idx="0"/>
+    <cs:effectRef idx="0"/>
+    <cs:fontRef idx="minor">
+      <a:schemeClr val="tx1">
+        <a:lumMod val="65000"/>
+        <a:lumOff val="35000"/>
+      </a:schemeClr>
+    </cs:fontRef>
+    <cs:spPr>
+      <a:noFill/>
+      <a:ln w="9525" cap="flat" cmpd="sng" algn="ctr">
+        <a:solidFill>
+          <a:schemeClr val="tx1">
+            <a:lumMod val="15000"/>
+            <a:lumOff val="85000"/>
+          </a:schemeClr>
+        </a:solidFill>
+        <a:round/>
+      </a:ln>
+    </cs:spPr>
+    <cs:defRPr sz="900" kern="1200"/>
+  </cs:dataTable>
+  <cs:downBar>
+    <cs:lnRef idx="0"/>
+    <cs:fillRef idx="0"/>
+    <cs:effectRef idx="0"/>
+    <cs:fontRef idx="minor">
+      <a:schemeClr val="tx1"/>
+    </cs:fontRef>
+    <cs:spPr>
+      <a:solidFill>
+        <a:schemeClr val="dk1">
+          <a:lumMod val="75000"/>
+          <a:lumOff val="25000"/>
+        </a:schemeClr>
+      </a:solidFill>
+      <a:ln w="9525" cap="flat" cmpd="sng" algn="ctr">
+        <a:solidFill>
+          <a:schemeClr val="tx1">
+            <a:lumMod val="65000"/>
+            <a:lumOff val="35000"/>
+          </a:schemeClr>
+        </a:solidFill>
+        <a:round/>
+      </a:ln>
+    </cs:spPr>
+  </cs:downBar>
+  <cs:dropLine>
+    <cs:lnRef idx="0"/>
+    <cs:fillRef idx="0"/>
+    <cs:effectRef idx="0"/>
+    <cs:fontRef idx="minor">
+      <a:schemeClr val="tx1"/>
+    </cs:fontRef>
+    <cs:spPr>
+      <a:ln w="9525" cap="flat" cmpd="sng" algn="ctr">
+        <a:solidFill>
+          <a:schemeClr val="tx1">
+            <a:lumMod val="35000"/>
+            <a:lumOff val="65000"/>
+          </a:schemeClr>
+        </a:solidFill>
+        <a:round/>
+      </a:ln>
+    </cs:spPr>
+  </cs:dropLine>
+  <cs:errorBar>
+    <cs:lnRef idx="0"/>
+    <cs:fillRef idx="0"/>
+    <cs:effectRef idx="0"/>
+    <cs:fontRef idx="minor">
+      <a:schemeClr val="tx1"/>
+    </cs:fontRef>
+    <cs:spPr>
+      <a:ln w="9525" cap="flat" cmpd="sng" algn="ctr">
+        <a:solidFill>
+          <a:schemeClr val="tx1">
+            <a:lumMod val="65000"/>
+            <a:lumOff val="35000"/>
+          </a:schemeClr>
+        </a:solidFill>
+        <a:round/>
+      </a:ln>
+    </cs:spPr>
+  </cs:errorBar>
+  <cs:floor>
+    <cs:lnRef idx="0"/>
+    <cs:fillRef idx="0"/>
+    <cs:effectRef idx="0"/>
+    <cs:fontRef idx="minor">
+      <a:schemeClr val="tx1"/>
+    </cs:fontRef>
+    <cs:spPr>
+      <a:noFill/>
+      <a:ln>
+        <a:noFill/>
+      </a:ln>
+    </cs:spPr>
+  </cs:floor>
+  <cs:gridlineMajor>
+    <cs:lnRef idx="0"/>
+    <cs:fillRef idx="0"/>
+    <cs:effectRef idx="0"/>
+    <cs:fontRef idx="minor">
+      <a:schemeClr val="tx1"/>
+    </cs:fontRef>
+    <cs:spPr>
+      <a:ln w="9525" cap="flat" cmpd="sng" algn="ctr">
+        <a:solidFill>
+          <a:schemeClr val="tx1">
+            <a:lumMod val="15000"/>
+            <a:lumOff val="85000"/>
+          </a:schemeClr>
+        </a:solidFill>
+        <a:round/>
+      </a:ln>
+    </cs:spPr>
+  </cs:gridlineMajor>
+  <cs:gridlineMinor>
+    <cs:lnRef idx="0"/>
+    <cs:fillRef idx="0"/>
+    <cs:effectRef idx="0"/>
+    <cs:fontRef idx="minor">
+      <a:schemeClr val="tx1"/>
+    </cs:fontRef>
+    <cs:spPr>
+      <a:ln w="9525" cap="flat" cmpd="sng" algn="ctr">
+        <a:solidFill>
+          <a:schemeClr val="tx1">
+            <a:lumMod val="5000"/>
+            <a:lumOff val="95000"/>
+          </a:schemeClr>
+        </a:solidFill>
+        <a:round/>
+      </a:ln>
+    </cs:spPr>
+  </cs:gridlineMinor>
+  <cs:hiLoLine>
+    <cs:lnRef idx="0"/>
+    <cs:fillRef idx="0"/>
+    <cs:effectRef idx="0"/>
+    <cs:fontRef idx="minor">
+      <a:schemeClr val="tx1"/>
+    </cs:fontRef>
+    <cs:spPr>
+      <a:ln w="9525" cap="flat" cmpd="sng" algn="ctr">
+        <a:solidFill>
+          <a:schemeClr val="tx1">
+            <a:lumMod val="50000"/>
+            <a:lumOff val="50000"/>
+          </a:schemeClr>
+        </a:solidFill>
+        <a:round/>
+      </a:ln>
+    </cs:spPr>
+  </cs:hiLoLine>
+  <cs:leaderLine>
+    <cs:lnRef idx="0"/>
+    <cs:fillRef idx="0"/>
+    <cs:effectRef idx="0"/>
+    <cs:fontRef idx="minor">
+      <a:schemeClr val="tx1"/>
+    </cs:fontRef>
+    <cs:spPr>
+      <a:ln w="9525" cap="flat" cmpd="sng" algn="ctr">
+        <a:solidFill>
+          <a:schemeClr val="tx1">
+            <a:lumMod val="35000"/>
+            <a:lumOff val="65000"/>
+          </a:schemeClr>
+        </a:solidFill>
+        <a:round/>
+      </a:ln>
+    </cs:spPr>
+  </cs:leaderLine>
+  <cs:legend>
+    <cs:lnRef idx="0"/>
+    <cs:fillRef idx="0"/>
+    <cs:effectRef idx="0"/>
+    <cs:fontRef idx="minor">
+      <a:schemeClr val="tx1">
+        <a:lumMod val="65000"/>
+        <a:lumOff val="35000"/>
+      </a:schemeClr>
+    </cs:fontRef>
+    <cs:defRPr sz="900" kern="1200"/>
+  </cs:legend>
+  <cs:plotArea mods="allowNoFillOverride allowNoLineOverride">
+    <cs:lnRef idx="0"/>
+    <cs:fillRef idx="0"/>
+    <cs:effectRef idx="0"/>
+    <cs:fontRef idx="minor">
+      <a:schemeClr val="tx1"/>
+    </cs:fontRef>
+  </cs:plotArea>
+  <cs:plotArea3D mods="allowNoFillOverride allowNoLineOverride">
+    <cs:lnRef idx="0"/>
+    <cs:fillRef idx="0"/>
+    <cs:effectRef idx="0"/>
+    <cs:fontRef idx="minor">
+      <a:schemeClr val="tx1"/>
+    </cs:fontRef>
+  </cs:plotArea3D>
+  <cs:seriesAxis>
+    <cs:lnRef idx="0"/>
+    <cs:fillRef idx="0"/>
+    <cs:effectRef idx="0"/>
+    <cs:fontRef idx="minor">
+      <a:schemeClr val="tx1">
+        <a:lumMod val="65000"/>
+        <a:lumOff val="35000"/>
+      </a:schemeClr>
+    </cs:fontRef>
+    <cs:defRPr sz="900" kern="1200"/>
+  </cs:seriesAxis>
+  <cs:seriesLine>
+    <cs:lnRef idx="0"/>
+    <cs:fillRef idx="0"/>
+    <cs:effectRef idx="0"/>
+    <cs:fontRef idx="minor">
+      <a:schemeClr val="tx1"/>
+    </cs:fontRef>
+    <cs:spPr>
+      <a:ln w="9525" cap="flat" cmpd="sng" algn="ctr">
+        <a:solidFill>
+          <a:schemeClr val="tx1">
+            <a:lumMod val="35000"/>
+            <a:lumOff val="65000"/>
+          </a:schemeClr>
+        </a:solidFill>
+        <a:round/>
+      </a:ln>
+    </cs:spPr>
+  </cs:seriesLine>
+  <cs:title>
+    <cs:lnRef idx="0"/>
+    <cs:fillRef idx="0"/>
+    <cs:effectRef idx="0"/>
+    <cs:fontRef idx="minor">
+      <a:schemeClr val="tx1">
+        <a:lumMod val="65000"/>
+        <a:lumOff val="35000"/>
+      </a:schemeClr>
+    </cs:fontRef>
+    <cs:defRPr sz="1400" b="0" kern="1200" spc="0" baseline="0"/>
+  </cs:title>
+  <cs:trendline>
+    <cs:lnRef idx="0">
+      <cs:styleClr val="auto"/>
+    </cs:lnRef>
+    <cs:fillRef idx="0"/>
+    <cs:effectRef idx="0"/>
+    <cs:fontRef idx="minor">
+      <a:schemeClr val="tx1"/>
+    </cs:fontRef>
+    <cs:spPr>
+      <a:ln w="19050" cap="rnd">
+        <a:solidFill>
+          <a:schemeClr val="phClr"/>
+        </a:solidFill>
+        <a:prstDash val="sysDot"/>
+      </a:ln>
+    </cs:spPr>
+  </cs:trendline>
+  <cs:trendlineLabel>
+    <cs:lnRef idx="0"/>
+    <cs:fillRef idx="0"/>
+    <cs:effectRef idx="0"/>
+    <cs:fontRef idx="minor">
+      <a:schemeClr val="tx1">
+        <a:lumMod val="65000"/>
+        <a:lumOff val="35000"/>
+      </a:schemeClr>
+    </cs:fontRef>
+    <cs:defRPr sz="900" kern="1200"/>
+  </cs:trendlineLabel>
+  <cs:upBar>
+    <cs:lnRef idx="0"/>
+    <cs:fillRef idx="0"/>
+    <cs:effectRef idx="0"/>
+    <cs:fontRef idx="minor">
+      <a:schemeClr val="tx1"/>
+    </cs:fontRef>
+    <cs:spPr>
+      <a:solidFill>
+        <a:schemeClr val="lt1"/>
+      </a:solidFill>
+      <a:ln w="9525" cap="flat" cmpd="sng" algn="ctr">
+        <a:solidFill>
+          <a:schemeClr val="tx1">
+            <a:lumMod val="65000"/>
+            <a:lumOff val="35000"/>
+          </a:schemeClr>
+        </a:solidFill>
+        <a:round/>
+      </a:ln>
+    </cs:spPr>
+  </cs:upBar>
+  <cs:valueAxis>
+    <cs:lnRef idx="0"/>
+    <cs:fillRef idx="0"/>
+    <cs:effectRef idx="0"/>
+    <cs:fontRef idx="minor">
+      <a:schemeClr val="tx1">
+        <a:lumMod val="65000"/>
+        <a:lumOff val="35000"/>
+      </a:schemeClr>
+    </cs:fontRef>
+    <cs:spPr>
+      <a:ln w="9525" cap="flat" cmpd="sng" algn="ctr">
+        <a:solidFill>
+          <a:schemeClr val="tx1">
+            <a:lumMod val="25000"/>
+            <a:lumOff val="75000"/>
+          </a:schemeClr>
+        </a:solidFill>
+        <a:round/>
+      </a:ln>
+    </cs:spPr>
+    <cs:defRPr sz="900" kern="1200"/>
+  </cs:valueAxis>
+  <cs:wall>
+    <cs:lnRef idx="0"/>
+    <cs:fillRef idx="0"/>
+    <cs:effectRef idx="0"/>
+    <cs:fontRef idx="minor">
+      <a:schemeClr val="tx1"/>
+    </cs:fontRef>
+    <cs:spPr>
+      <a:noFill/>
+      <a:ln>
+        <a:noFill/>
+      </a:ln>
+    </cs:spPr>
+  </cs:wall>
+</cs:chartStyle>
+</file>
+
+<file path=ppt/charts/style2.xml><?xml version="1.0" encoding="utf-8"?>
 <cs:chartStyle xmlns:cs="http://schemas.microsoft.com/office/drawing/2012/chartStyle" xmlns:a="http://schemas.openxmlformats.org/drawingml/2006/main" id="269">
   <cs:axisTitle>
     <cs:lnRef idx="0"/>
@@ -1695,7 +3336,7 @@
           <a:p>
             <a:fld id="{FBD4E4AC-0B2C-4D32-8176-0AA5A6A8608B}" type="datetimeFigureOut">
               <a:rPr lang="zh-CN" altLang="en-US" smtClean="0"/>
-              <a:t>2021/11/12</a:t>
+              <a:t>2021/11/13</a:t>
             </a:fld>
             <a:endParaRPr lang="zh-CN" altLang="en-US"/>
           </a:p>
@@ -1893,7 +3534,7 @@
           <a:p>
             <a:fld id="{FBD4E4AC-0B2C-4D32-8176-0AA5A6A8608B}" type="datetimeFigureOut">
               <a:rPr lang="zh-CN" altLang="en-US" smtClean="0"/>
-              <a:t>2021/11/12</a:t>
+              <a:t>2021/11/13</a:t>
             </a:fld>
             <a:endParaRPr lang="zh-CN" altLang="en-US"/>
           </a:p>
@@ -2101,7 +3742,7 @@
           <a:p>
             <a:fld id="{FBD4E4AC-0B2C-4D32-8176-0AA5A6A8608B}" type="datetimeFigureOut">
               <a:rPr lang="zh-CN" altLang="en-US" smtClean="0"/>
-              <a:t>2021/11/12</a:t>
+              <a:t>2021/11/13</a:t>
             </a:fld>
             <a:endParaRPr lang="zh-CN" altLang="en-US"/>
           </a:p>
@@ -2299,7 +3940,7 @@
           <a:p>
             <a:fld id="{FBD4E4AC-0B2C-4D32-8176-0AA5A6A8608B}" type="datetimeFigureOut">
               <a:rPr lang="zh-CN" altLang="en-US" smtClean="0"/>
-              <a:t>2021/11/12</a:t>
+              <a:t>2021/11/13</a:t>
             </a:fld>
             <a:endParaRPr lang="zh-CN" altLang="en-US"/>
           </a:p>
@@ -2574,7 +4215,7 @@
           <a:p>
             <a:fld id="{FBD4E4AC-0B2C-4D32-8176-0AA5A6A8608B}" type="datetimeFigureOut">
               <a:rPr lang="zh-CN" altLang="en-US" smtClean="0"/>
-              <a:t>2021/11/12</a:t>
+              <a:t>2021/11/13</a:t>
             </a:fld>
             <a:endParaRPr lang="zh-CN" altLang="en-US"/>
           </a:p>
@@ -2839,7 +4480,7 @@
           <a:p>
             <a:fld id="{FBD4E4AC-0B2C-4D32-8176-0AA5A6A8608B}" type="datetimeFigureOut">
               <a:rPr lang="zh-CN" altLang="en-US" smtClean="0"/>
-              <a:t>2021/11/12</a:t>
+              <a:t>2021/11/13</a:t>
             </a:fld>
             <a:endParaRPr lang="zh-CN" altLang="en-US"/>
           </a:p>
@@ -3251,7 +4892,7 @@
           <a:p>
             <a:fld id="{FBD4E4AC-0B2C-4D32-8176-0AA5A6A8608B}" type="datetimeFigureOut">
               <a:rPr lang="zh-CN" altLang="en-US" smtClean="0"/>
-              <a:t>2021/11/12</a:t>
+              <a:t>2021/11/13</a:t>
             </a:fld>
             <a:endParaRPr lang="zh-CN" altLang="en-US"/>
           </a:p>
@@ -3392,7 +5033,7 @@
           <a:p>
             <a:fld id="{FBD4E4AC-0B2C-4D32-8176-0AA5A6A8608B}" type="datetimeFigureOut">
               <a:rPr lang="zh-CN" altLang="en-US" smtClean="0"/>
-              <a:t>2021/11/12</a:t>
+              <a:t>2021/11/13</a:t>
             </a:fld>
             <a:endParaRPr lang="zh-CN" altLang="en-US"/>
           </a:p>
@@ -3505,7 +5146,7 @@
           <a:p>
             <a:fld id="{FBD4E4AC-0B2C-4D32-8176-0AA5A6A8608B}" type="datetimeFigureOut">
               <a:rPr lang="zh-CN" altLang="en-US" smtClean="0"/>
-              <a:t>2021/11/12</a:t>
+              <a:t>2021/11/13</a:t>
             </a:fld>
             <a:endParaRPr lang="zh-CN" altLang="en-US"/>
           </a:p>
@@ -3816,7 +5457,7 @@
           <a:p>
             <a:fld id="{FBD4E4AC-0B2C-4D32-8176-0AA5A6A8608B}" type="datetimeFigureOut">
               <a:rPr lang="zh-CN" altLang="en-US" smtClean="0"/>
-              <a:t>2021/11/12</a:t>
+              <a:t>2021/11/13</a:t>
             </a:fld>
             <a:endParaRPr lang="zh-CN" altLang="en-US"/>
           </a:p>
@@ -4104,7 +5745,7 @@
           <a:p>
             <a:fld id="{FBD4E4AC-0B2C-4D32-8176-0AA5A6A8608B}" type="datetimeFigureOut">
               <a:rPr lang="zh-CN" altLang="en-US" smtClean="0"/>
-              <a:t>2021/11/12</a:t>
+              <a:t>2021/11/13</a:t>
             </a:fld>
             <a:endParaRPr lang="zh-CN" altLang="en-US"/>
           </a:p>
@@ -4345,7 +5986,7 @@
           <a:p>
             <a:fld id="{FBD4E4AC-0B2C-4D32-8176-0AA5A6A8608B}" type="datetimeFigureOut">
               <a:rPr lang="zh-CN" altLang="en-US" smtClean="0"/>
-              <a:t>2021/11/12</a:t>
+              <a:t>2021/11/13</a:t>
             </a:fld>
             <a:endParaRPr lang="zh-CN" altLang="en-US"/>
           </a:p>
@@ -4762,36 +6403,6 @@
           <a:chExt cx="0" cy="0"/>
         </a:xfrm>
       </p:grpSpPr>
-      <p:graphicFrame>
-        <p:nvGraphicFramePr>
-          <p:cNvPr id="4" name="图表 3">
-            <a:extLst>
-              <a:ext uri="{FF2B5EF4-FFF2-40B4-BE49-F238E27FC236}">
-                <a16:creationId xmlns:a16="http://schemas.microsoft.com/office/drawing/2014/main" id="{3AA12B70-5221-4239-82A0-001F896CF190}"/>
-              </a:ext>
-            </a:extLst>
-          </p:cNvPr>
-          <p:cNvGraphicFramePr>
-            <a:graphicFrameLocks/>
-          </p:cNvGraphicFramePr>
-          <p:nvPr>
-            <p:extLst>
-              <p:ext uri="{D42A27DB-BD31-4B8C-83A1-F6EECF244321}">
-                <p14:modId xmlns:p14="http://schemas.microsoft.com/office/powerpoint/2010/main" val="1287918319"/>
-              </p:ext>
-            </p:extLst>
-          </p:nvPr>
-        </p:nvGraphicFramePr>
-        <p:xfrm>
-          <a:off x="0" y="0"/>
-          <a:ext cx="6794886" cy="3613212"/>
-        </p:xfrm>
-        <a:graphic>
-          <a:graphicData uri="http://schemas.openxmlformats.org/drawingml/2006/chart">
-            <c:chart xmlns:c="http://schemas.openxmlformats.org/drawingml/2006/chart" xmlns:r="http://schemas.openxmlformats.org/officeDocument/2006/relationships" r:id="rId2"/>
-          </a:graphicData>
-        </a:graphic>
-      </p:graphicFrame>
       <p:grpSp>
         <p:nvGrpSpPr>
           <p:cNvPr id="10" name="组合 9">
@@ -4806,7 +6417,7 @@
         </p:nvGrpSpPr>
         <p:grpSpPr>
           <a:xfrm>
-            <a:off x="1132213" y="3301357"/>
+            <a:off x="1343707" y="3058762"/>
             <a:ext cx="2779318" cy="311855"/>
             <a:chOff x="3477265" y="3504863"/>
             <a:chExt cx="2779318" cy="311855"/>
@@ -4860,7 +6471,11 @@
             <a:lstStyle/>
             <a:p>
               <a:pPr algn="ctr"/>
-              <a:endParaRPr lang="zh-CN" altLang="en-US" b="1"/>
+              <a:endParaRPr lang="zh-CN" altLang="en-US" b="1">
+                <a:solidFill>
+                  <a:schemeClr val="tx1"/>
+                </a:solidFill>
+              </a:endParaRPr>
             </a:p>
           </p:txBody>
         </p:sp>
@@ -4912,7 +6527,11 @@
             <a:lstStyle/>
             <a:p>
               <a:pPr algn="ctr"/>
-              <a:endParaRPr lang="zh-CN" altLang="en-US" b="1"/>
+              <a:endParaRPr lang="zh-CN" altLang="en-US" b="1">
+                <a:solidFill>
+                  <a:schemeClr val="tx1"/>
+                </a:solidFill>
+              </a:endParaRPr>
             </a:p>
           </p:txBody>
         </p:sp>
@@ -4964,7 +6583,11 @@
             <a:lstStyle/>
             <a:p>
               <a:pPr algn="ctr"/>
-              <a:endParaRPr lang="zh-CN" altLang="en-US" b="1"/>
+              <a:endParaRPr lang="zh-CN" altLang="en-US" b="1">
+                <a:solidFill>
+                  <a:schemeClr val="tx1"/>
+                </a:solidFill>
+              </a:endParaRPr>
             </a:p>
           </p:txBody>
         </p:sp>
@@ -4997,24 +6620,10 @@
             <a:lstStyle/>
             <a:p>
               <a:r>
-                <a:rPr lang="en-US" altLang="zh-CN" sz="1400" b="1" dirty="0">
-                  <a:solidFill>
-                    <a:prstClr val="black">
-                      <a:lumMod val="65000"/>
-                      <a:lumOff val="35000"/>
-                    </a:prstClr>
-                  </a:solidFill>
-                </a:rPr>
+                <a:rPr lang="en-US" altLang="zh-CN" sz="1400" b="1" dirty="0"/>
                 <a:t>20ms</a:t>
               </a:r>
-              <a:endParaRPr lang="zh-CN" altLang="en-US" sz="1400" b="1" dirty="0">
-                <a:solidFill>
-                  <a:prstClr val="black">
-                    <a:lumMod val="65000"/>
-                    <a:lumOff val="35000"/>
-                  </a:prstClr>
-                </a:solidFill>
-              </a:endParaRPr>
+              <a:endParaRPr lang="zh-CN" altLang="en-US" sz="1400" b="1" dirty="0"/>
             </a:p>
           </p:txBody>
         </p:sp>
@@ -5047,24 +6656,10 @@
             <a:lstStyle/>
             <a:p>
               <a:r>
-                <a:rPr lang="en-US" altLang="zh-CN" sz="1400" b="1" dirty="0">
-                  <a:solidFill>
-                    <a:prstClr val="black">
-                      <a:lumMod val="65000"/>
-                      <a:lumOff val="35000"/>
-                    </a:prstClr>
-                  </a:solidFill>
-                </a:rPr>
+                <a:rPr lang="en-US" altLang="zh-CN" sz="1400" b="1" dirty="0"/>
                 <a:t>100ms</a:t>
               </a:r>
-              <a:endParaRPr lang="zh-CN" altLang="en-US" sz="1400" b="1" dirty="0">
-                <a:solidFill>
-                  <a:prstClr val="black">
-                    <a:lumMod val="65000"/>
-                    <a:lumOff val="35000"/>
-                  </a:prstClr>
-                </a:solidFill>
-              </a:endParaRPr>
+              <a:endParaRPr lang="zh-CN" altLang="en-US" sz="1400" b="1" dirty="0"/>
             </a:p>
           </p:txBody>
         </p:sp>
@@ -5097,24 +6692,397 @@
             <a:lstStyle/>
             <a:p>
               <a:r>
-                <a:rPr lang="en-US" altLang="zh-CN" sz="1400" b="1" dirty="0">
-                  <a:solidFill>
-                    <a:prstClr val="black">
-                      <a:lumMod val="65000"/>
-                      <a:lumOff val="35000"/>
-                    </a:prstClr>
-                  </a:solidFill>
-                </a:rPr>
+                <a:rPr lang="en-US" altLang="zh-CN" sz="1400" b="1" dirty="0"/>
                 <a:t>500ms</a:t>
               </a:r>
-              <a:endParaRPr lang="zh-CN" altLang="en-US" sz="1400" b="1" dirty="0">
+              <a:endParaRPr lang="zh-CN" altLang="en-US" sz="1400" b="1" dirty="0"/>
+            </a:p>
+          </p:txBody>
+        </p:sp>
+      </p:grpSp>
+      <p:graphicFrame>
+        <p:nvGraphicFramePr>
+          <p:cNvPr id="12" name="图表 11">
+            <a:extLst>
+              <a:ext uri="{FF2B5EF4-FFF2-40B4-BE49-F238E27FC236}">
+                <a16:creationId xmlns:a16="http://schemas.microsoft.com/office/drawing/2014/main" id="{3AA12B70-5221-4239-82A0-001F896CF190}"/>
+              </a:ext>
+            </a:extLst>
+          </p:cNvPr>
+          <p:cNvGraphicFramePr>
+            <a:graphicFrameLocks/>
+          </p:cNvGraphicFramePr>
+          <p:nvPr>
+            <p:extLst>
+              <p:ext uri="{D42A27DB-BD31-4B8C-83A1-F6EECF244321}">
+                <p14:modId xmlns:p14="http://schemas.microsoft.com/office/powerpoint/2010/main" val="3740828840"/>
+              </p:ext>
+            </p:extLst>
+          </p:nvPr>
+        </p:nvGraphicFramePr>
+        <p:xfrm>
+          <a:off x="313939" y="0"/>
+          <a:ext cx="6081713" cy="3476625"/>
+        </p:xfrm>
+        <a:graphic>
+          <a:graphicData uri="http://schemas.openxmlformats.org/drawingml/2006/chart">
+            <c:chart xmlns:c="http://schemas.openxmlformats.org/drawingml/2006/chart" xmlns:r="http://schemas.openxmlformats.org/officeDocument/2006/relationships" r:id="rId2"/>
+          </a:graphicData>
+        </a:graphic>
+      </p:graphicFrame>
+    </p:spTree>
+    <p:extLst>
+      <p:ext uri="{BB962C8B-B14F-4D97-AF65-F5344CB8AC3E}">
+        <p14:creationId xmlns:p14="http://schemas.microsoft.com/office/powerpoint/2010/main" val="2092343992"/>
+      </p:ext>
+    </p:extLst>
+  </p:cSld>
+  <p:clrMapOvr>
+    <a:masterClrMapping/>
+  </p:clrMapOvr>
+</p:sld>
+</file>
+
+<file path=ppt/slides/slide2.xml><?xml version="1.0" encoding="utf-8"?>
+<p:sld xmlns:a="http://schemas.openxmlformats.org/drawingml/2006/main" xmlns:r="http://schemas.openxmlformats.org/officeDocument/2006/relationships" xmlns:p="http://schemas.openxmlformats.org/presentationml/2006/main">
+  <p:cSld>
+    <p:spTree>
+      <p:nvGrpSpPr>
+        <p:cNvPr id="1" name=""/>
+        <p:cNvGrpSpPr/>
+        <p:nvPr/>
+      </p:nvGrpSpPr>
+      <p:grpSpPr>
+        <a:xfrm>
+          <a:off x="0" y="0"/>
+          <a:ext cx="0" cy="0"/>
+          <a:chOff x="0" y="0"/>
+          <a:chExt cx="0" cy="0"/>
+        </a:xfrm>
+      </p:grpSpPr>
+      <p:graphicFrame>
+        <p:nvGraphicFramePr>
+          <p:cNvPr id="4" name="图表 3">
+            <a:extLst>
+              <a:ext uri="{FF2B5EF4-FFF2-40B4-BE49-F238E27FC236}">
+                <a16:creationId xmlns:a16="http://schemas.microsoft.com/office/drawing/2014/main" id="{3AA12B70-5221-4239-82A0-001F896CF190}"/>
+              </a:ext>
+            </a:extLst>
+          </p:cNvPr>
+          <p:cNvGraphicFramePr>
+            <a:graphicFrameLocks/>
+          </p:cNvGraphicFramePr>
+          <p:nvPr>
+            <p:extLst>
+              <p:ext uri="{D42A27DB-BD31-4B8C-83A1-F6EECF244321}">
+                <p14:modId xmlns:p14="http://schemas.microsoft.com/office/powerpoint/2010/main" val="330195274"/>
+              </p:ext>
+            </p:extLst>
+          </p:nvPr>
+        </p:nvGraphicFramePr>
+        <p:xfrm>
+          <a:off x="846898" y="253773"/>
+          <a:ext cx="6081713" cy="3476625"/>
+        </p:xfrm>
+        <a:graphic>
+          <a:graphicData uri="http://schemas.openxmlformats.org/drawingml/2006/chart">
+            <c:chart xmlns:c="http://schemas.openxmlformats.org/drawingml/2006/chart" xmlns:r="http://schemas.openxmlformats.org/officeDocument/2006/relationships" r:id="rId2"/>
+          </a:graphicData>
+        </a:graphic>
+      </p:graphicFrame>
+      <p:grpSp>
+        <p:nvGrpSpPr>
+          <p:cNvPr id="5" name="组合 4">
+            <a:extLst>
+              <a:ext uri="{FF2B5EF4-FFF2-40B4-BE49-F238E27FC236}">
+                <a16:creationId xmlns:a16="http://schemas.microsoft.com/office/drawing/2014/main" id="{B0D5D77E-142C-4DB8-A1F6-E5D77937A844}"/>
+              </a:ext>
+            </a:extLst>
+          </p:cNvPr>
+          <p:cNvGrpSpPr/>
+          <p:nvPr/>
+        </p:nvGrpSpPr>
+        <p:grpSpPr>
+          <a:xfrm>
+            <a:off x="1325046" y="3418543"/>
+            <a:ext cx="2779318" cy="311855"/>
+            <a:chOff x="3477265" y="3504863"/>
+            <a:chExt cx="2779318" cy="311855"/>
+          </a:xfrm>
+        </p:grpSpPr>
+        <p:sp>
+          <p:nvSpPr>
+            <p:cNvPr id="6" name="椭圆 5">
+              <a:extLst>
+                <a:ext uri="{FF2B5EF4-FFF2-40B4-BE49-F238E27FC236}">
+                  <a16:creationId xmlns:a16="http://schemas.microsoft.com/office/drawing/2014/main" id="{366CC7A7-2DF8-4631-86FF-9E752EFAC9A3}"/>
+                </a:ext>
+              </a:extLst>
+            </p:cNvPr>
+            <p:cNvSpPr/>
+            <p:nvPr/>
+          </p:nvSpPr>
+          <p:spPr>
+            <a:xfrm>
+              <a:off x="4275781" y="3585013"/>
+              <a:ext cx="155527" cy="155527"/>
+            </a:xfrm>
+            <a:prstGeom prst="ellipse">
+              <a:avLst/>
+            </a:prstGeom>
+            <a:solidFill>
+              <a:srgbClr val="7395D3"/>
+            </a:solidFill>
+            <a:ln>
+              <a:noFill/>
+            </a:ln>
+          </p:spPr>
+          <p:style>
+            <a:lnRef idx="2">
+              <a:schemeClr val="accent1">
+                <a:shade val="50000"/>
+              </a:schemeClr>
+            </a:lnRef>
+            <a:fillRef idx="1">
+              <a:schemeClr val="accent1"/>
+            </a:fillRef>
+            <a:effectRef idx="0">
+              <a:schemeClr val="accent1"/>
+            </a:effectRef>
+            <a:fontRef idx="minor">
+              <a:schemeClr val="lt1"/>
+            </a:fontRef>
+          </p:style>
+          <p:txBody>
+            <a:bodyPr rtlCol="0" anchor="ctr"/>
+            <a:lstStyle/>
+            <a:p>
+              <a:pPr algn="ctr"/>
+              <a:endParaRPr lang="zh-CN" altLang="en-US" b="1">
                 <a:solidFill>
-                  <a:prstClr val="black">
-                    <a:lumMod val="65000"/>
-                    <a:lumOff val="35000"/>
-                  </a:prstClr>
+                  <a:schemeClr val="tx1"/>
                 </a:solidFill>
               </a:endParaRPr>
+            </a:p>
+          </p:txBody>
+        </p:sp>
+        <p:sp>
+          <p:nvSpPr>
+            <p:cNvPr id="7" name="椭圆 6">
+              <a:extLst>
+                <a:ext uri="{FF2B5EF4-FFF2-40B4-BE49-F238E27FC236}">
+                  <a16:creationId xmlns:a16="http://schemas.microsoft.com/office/drawing/2014/main" id="{AA434C9B-5A91-48DF-A956-C6F0409298CC}"/>
+                </a:ext>
+              </a:extLst>
+            </p:cNvPr>
+            <p:cNvSpPr/>
+            <p:nvPr/>
+          </p:nvSpPr>
+          <p:spPr>
+            <a:xfrm>
+              <a:off x="5230340" y="3507474"/>
+              <a:ext cx="307777" cy="307777"/>
+            </a:xfrm>
+            <a:prstGeom prst="ellipse">
+              <a:avLst/>
+            </a:prstGeom>
+            <a:solidFill>
+              <a:srgbClr val="7395D3"/>
+            </a:solidFill>
+            <a:ln>
+              <a:noFill/>
+            </a:ln>
+          </p:spPr>
+          <p:style>
+            <a:lnRef idx="2">
+              <a:schemeClr val="accent1">
+                <a:shade val="50000"/>
+              </a:schemeClr>
+            </a:lnRef>
+            <a:fillRef idx="1">
+              <a:schemeClr val="accent1"/>
+            </a:fillRef>
+            <a:effectRef idx="0">
+              <a:schemeClr val="accent1"/>
+            </a:effectRef>
+            <a:fontRef idx="minor">
+              <a:schemeClr val="lt1"/>
+            </a:fontRef>
+          </p:style>
+          <p:txBody>
+            <a:bodyPr rtlCol="0" anchor="ctr"/>
+            <a:lstStyle/>
+            <a:p>
+              <a:pPr algn="ctr"/>
+              <a:endParaRPr lang="zh-CN" altLang="en-US" b="1">
+                <a:solidFill>
+                  <a:schemeClr val="tx1"/>
+                </a:solidFill>
+              </a:endParaRPr>
+            </a:p>
+          </p:txBody>
+        </p:sp>
+        <p:sp>
+          <p:nvSpPr>
+            <p:cNvPr id="8" name="椭圆 7">
+              <a:extLst>
+                <a:ext uri="{FF2B5EF4-FFF2-40B4-BE49-F238E27FC236}">
+                  <a16:creationId xmlns:a16="http://schemas.microsoft.com/office/drawing/2014/main" id="{260876EA-9AE9-4009-83B6-C9E7FA1B05CE}"/>
+                </a:ext>
+              </a:extLst>
+            </p:cNvPr>
+            <p:cNvSpPr/>
+            <p:nvPr/>
+          </p:nvSpPr>
+          <p:spPr>
+            <a:xfrm>
+              <a:off x="3477265" y="3626564"/>
+              <a:ext cx="72427" cy="72427"/>
+            </a:xfrm>
+            <a:prstGeom prst="ellipse">
+              <a:avLst/>
+            </a:prstGeom>
+            <a:solidFill>
+              <a:srgbClr val="7395D3"/>
+            </a:solidFill>
+            <a:ln>
+              <a:noFill/>
+            </a:ln>
+          </p:spPr>
+          <p:style>
+            <a:lnRef idx="2">
+              <a:schemeClr val="accent1">
+                <a:shade val="50000"/>
+              </a:schemeClr>
+            </a:lnRef>
+            <a:fillRef idx="1">
+              <a:schemeClr val="accent1"/>
+            </a:fillRef>
+            <a:effectRef idx="0">
+              <a:schemeClr val="accent1"/>
+            </a:effectRef>
+            <a:fontRef idx="minor">
+              <a:schemeClr val="lt1"/>
+            </a:fontRef>
+          </p:style>
+          <p:txBody>
+            <a:bodyPr rtlCol="0" anchor="ctr"/>
+            <a:lstStyle/>
+            <a:p>
+              <a:pPr algn="ctr"/>
+              <a:endParaRPr lang="zh-CN" altLang="en-US" b="1">
+                <a:solidFill>
+                  <a:schemeClr val="tx1"/>
+                </a:solidFill>
+              </a:endParaRPr>
+            </a:p>
+          </p:txBody>
+        </p:sp>
+        <p:sp>
+          <p:nvSpPr>
+            <p:cNvPr id="9" name="文本框 8">
+              <a:extLst>
+                <a:ext uri="{FF2B5EF4-FFF2-40B4-BE49-F238E27FC236}">
+                  <a16:creationId xmlns:a16="http://schemas.microsoft.com/office/drawing/2014/main" id="{D6800D01-4B22-42D6-AEEA-DF0F8496652B}"/>
+                </a:ext>
+              </a:extLst>
+            </p:cNvPr>
+            <p:cNvSpPr txBox="1"/>
+            <p:nvPr/>
+          </p:nvSpPr>
+          <p:spPr>
+            <a:xfrm>
+              <a:off x="3549692" y="3508941"/>
+              <a:ext cx="619080" cy="307777"/>
+            </a:xfrm>
+            <a:prstGeom prst="rect">
+              <a:avLst/>
+            </a:prstGeom>
+            <a:noFill/>
+          </p:spPr>
+          <p:txBody>
+            <a:bodyPr wrap="none" rtlCol="0">
+              <a:spAutoFit/>
+            </a:bodyPr>
+            <a:lstStyle/>
+            <a:p>
+              <a:r>
+                <a:rPr lang="en-US" altLang="zh-CN" sz="1400" b="1" dirty="0"/>
+                <a:t>20ms</a:t>
+              </a:r>
+              <a:endParaRPr lang="zh-CN" altLang="en-US" sz="1400" b="1" dirty="0"/>
+            </a:p>
+          </p:txBody>
+        </p:sp>
+        <p:sp>
+          <p:nvSpPr>
+            <p:cNvPr id="10" name="文本框 9">
+              <a:extLst>
+                <a:ext uri="{FF2B5EF4-FFF2-40B4-BE49-F238E27FC236}">
+                  <a16:creationId xmlns:a16="http://schemas.microsoft.com/office/drawing/2014/main" id="{FAB0905C-1322-43CF-B707-9C3D503E4F3B}"/>
+                </a:ext>
+              </a:extLst>
+            </p:cNvPr>
+            <p:cNvSpPr txBox="1"/>
+            <p:nvPr/>
+          </p:nvSpPr>
+          <p:spPr>
+            <a:xfrm>
+              <a:off x="4431308" y="3507474"/>
+              <a:ext cx="718466" cy="307777"/>
+            </a:xfrm>
+            <a:prstGeom prst="rect">
+              <a:avLst/>
+            </a:prstGeom>
+            <a:noFill/>
+          </p:spPr>
+          <p:txBody>
+            <a:bodyPr wrap="none" rtlCol="0">
+              <a:spAutoFit/>
+            </a:bodyPr>
+            <a:lstStyle/>
+            <a:p>
+              <a:r>
+                <a:rPr lang="en-US" altLang="zh-CN" sz="1400" b="1" dirty="0"/>
+                <a:t>100ms</a:t>
+              </a:r>
+              <a:endParaRPr lang="zh-CN" altLang="en-US" sz="1400" b="1" dirty="0"/>
+            </a:p>
+          </p:txBody>
+        </p:sp>
+        <p:sp>
+          <p:nvSpPr>
+            <p:cNvPr id="11" name="文本框 10">
+              <a:extLst>
+                <a:ext uri="{FF2B5EF4-FFF2-40B4-BE49-F238E27FC236}">
+                  <a16:creationId xmlns:a16="http://schemas.microsoft.com/office/drawing/2014/main" id="{F1B6EEA7-1D34-4AF5-AF52-990479B67834}"/>
+                </a:ext>
+              </a:extLst>
+            </p:cNvPr>
+            <p:cNvSpPr txBox="1"/>
+            <p:nvPr/>
+          </p:nvSpPr>
+          <p:spPr>
+            <a:xfrm>
+              <a:off x="5538117" y="3504863"/>
+              <a:ext cx="718466" cy="307777"/>
+            </a:xfrm>
+            <a:prstGeom prst="rect">
+              <a:avLst/>
+            </a:prstGeom>
+            <a:noFill/>
+          </p:spPr>
+          <p:txBody>
+            <a:bodyPr wrap="none" rtlCol="0">
+              <a:spAutoFit/>
+            </a:bodyPr>
+            <a:lstStyle/>
+            <a:p>
+              <a:r>
+                <a:rPr lang="en-US" altLang="zh-CN" sz="1400" b="1" dirty="0"/>
+                <a:t>500ms</a:t>
+              </a:r>
+              <a:endParaRPr lang="zh-CN" altLang="en-US" sz="1400" b="1" dirty="0"/>
             </a:p>
           </p:txBody>
         </p:sp>
@@ -5122,7 +7090,7 @@
     </p:spTree>
     <p:extLst>
       <p:ext uri="{BB962C8B-B14F-4D97-AF65-F5344CB8AC3E}">
-        <p14:creationId xmlns:p14="http://schemas.microsoft.com/office/powerpoint/2010/main" val="2092343992"/>
+        <p14:creationId xmlns:p14="http://schemas.microsoft.com/office/powerpoint/2010/main" val="3266621598"/>
       </p:ext>
     </p:extLst>
   </p:cSld>

--- a/experiment/fig1/fig1.pptx
+++ b/experiment/fig1/fig1.pptx
@@ -6,7 +6,6 @@
   </p:sldMasterIdLst>
   <p:sldIdLst>
     <p:sldId id="256" r:id="rId2"/>
-    <p:sldId id="257" r:id="rId3"/>
   </p:sldIdLst>
   <p:sldSz cx="12192000" cy="6858000"/>
   <p:notesSz cx="6858000" cy="9144000"/>
@@ -134,8 +133,8 @@
           <c:layoutTarget val="inner"/>
           <c:xMode val="edge"/>
           <c:yMode val="edge"/>
-          <c:x val="0.10859654179669445"/>
-          <c:y val="0.11489583333333335"/>
+          <c:x val="0.11277299668695319"/>
+          <c:y val="0.11489572350464741"/>
           <c:w val="0.84462716343240796"/>
           <c:h val="0.71703712817147858"/>
         </c:manualLayout>
@@ -173,8 +172,8 @@
               <c:idx val="0"/>
               <c:layout>
                 <c:manualLayout>
-                  <c:x val="2.0882274451293381E-3"/>
-                  <c:y val="-3.2876712328767189E-2"/>
+                  <c:x val="6.2646823353880721E-3"/>
+                  <c:y val="-3.8431179008606833E-2"/>
                 </c:manualLayout>
               </c:layout>
               <c:tx>
@@ -200,7 +199,7 @@
                   <c15:showDataLabelsRange val="0"/>
                 </c:ext>
                 <c:ext xmlns:c16="http://schemas.microsoft.com/office/drawing/2014/chart" uri="{C3380CC4-5D6E-409C-BE32-E72D297353CC}">
-                  <c16:uniqueId val="{00000000-12F0-4F52-9E44-65B8501EEA28}"/>
+                  <c16:uniqueId val="{00000000-9D0A-4076-96AC-82F325CDACDE}"/>
                 </c:ext>
               </c:extLst>
             </c:dLbl>
@@ -208,8 +207,8 @@
               <c:idx val="1"/>
               <c:layout>
                 <c:manualLayout>
-                  <c:x val="-4.8029231237975221E-2"/>
-                  <c:y val="-0.17397245892208679"/>
+                  <c:x val="-5.8470368463622011E-2"/>
+                  <c:y val="-0.19559395616088529"/>
                 </c:manualLayout>
               </c:layout>
               <c:tx>
@@ -235,7 +234,7 @@
                   <c15:showDataLabelsRange val="0"/>
                 </c:ext>
                 <c:ext xmlns:c16="http://schemas.microsoft.com/office/drawing/2014/chart" uri="{C3380CC4-5D6E-409C-BE32-E72D297353CC}">
-                  <c16:uniqueId val="{00000001-12F0-4F52-9E44-65B8501EEA28}"/>
+                  <c16:uniqueId val="{00000001-9D0A-4076-96AC-82F325CDACDE}"/>
                 </c:ext>
               </c:extLst>
             </c:dLbl>
@@ -243,8 +242,8 @@
               <c:idx val="2"/>
               <c:layout>
                 <c:manualLayout>
-                  <c:x val="6.2646823353880721E-3"/>
-                  <c:y val="-7.055750907848847E-2"/>
+                  <c:x val="-2.9235184231811043E-2"/>
+                  <c:y val="-8.7990368725276893E-2"/>
                 </c:manualLayout>
               </c:layout>
               <c:tx>
@@ -270,7 +269,7 @@
                   <c15:showDataLabelsRange val="0"/>
                 </c:ext>
                 <c:ext xmlns:c16="http://schemas.microsoft.com/office/drawing/2014/chart" uri="{C3380CC4-5D6E-409C-BE32-E72D297353CC}">
-                  <c16:uniqueId val="{00000002-12F0-4F52-9E44-65B8501EEA28}"/>
+                  <c16:uniqueId val="{00000002-9D0A-4076-96AC-82F325CDACDE}"/>
                 </c:ext>
               </c:extLst>
             </c:dLbl>
@@ -278,8 +277,8 @@
               <c:idx val="3"/>
               <c:layout>
                 <c:manualLayout>
-                  <c:x val="0"/>
-                  <c:y val="-2.9223744292237442E-2"/>
+                  <c:x val="-4.1764548902587535E-3"/>
+                  <c:y val="-2.4552571954146826E-2"/>
                 </c:manualLayout>
               </c:layout>
               <c:tx>
@@ -305,7 +304,7 @@
                   <c15:showDataLabelsRange val="0"/>
                 </c:ext>
                 <c:ext xmlns:c16="http://schemas.microsoft.com/office/drawing/2014/chart" uri="{C3380CC4-5D6E-409C-BE32-E72D297353CC}">
-                  <c16:uniqueId val="{00000003-12F0-4F52-9E44-65B8501EEA28}"/>
+                  <c16:uniqueId val="{00000003-9D0A-4076-96AC-82F325CDACDE}"/>
                 </c:ext>
               </c:extLst>
             </c:dLbl>
@@ -313,8 +312,8 @@
               <c:idx val="4"/>
               <c:layout>
                 <c:manualLayout>
-                  <c:x val="-3.7588094012328474E-2"/>
-                  <c:y val="0.14977168949771688"/>
+                  <c:x val="-4.1764548902587149E-2"/>
+                  <c:y val="7.915741301568073E-2"/>
                 </c:manualLayout>
               </c:layout>
               <c:tx>
@@ -340,7 +339,7 @@
                   <c15:showDataLabelsRange val="0"/>
                 </c:ext>
                 <c:ext xmlns:c16="http://schemas.microsoft.com/office/drawing/2014/chart" uri="{C3380CC4-5D6E-409C-BE32-E72D297353CC}">
-                  <c16:uniqueId val="{00000004-12F0-4F52-9E44-65B8501EEA28}"/>
+                  <c16:uniqueId val="{00000004-9D0A-4076-96AC-82F325CDACDE}"/>
                 </c:ext>
               </c:extLst>
             </c:dLbl>
@@ -348,8 +347,8 @@
               <c:idx val="5"/>
               <c:layout>
                 <c:manualLayout>
-                  <c:x val="8.3529097805173924E-3"/>
-                  <c:y val="7.2298277783770182E-2"/>
+                  <c:x val="-4.1764548902587191E-2"/>
+                  <c:y val="0.18659906827885839"/>
                 </c:manualLayout>
               </c:layout>
               <c:tx>
@@ -375,7 +374,7 @@
                   <c15:showDataLabelsRange val="0"/>
                 </c:ext>
                 <c:ext xmlns:c16="http://schemas.microsoft.com/office/drawing/2014/chart" uri="{C3380CC4-5D6E-409C-BE32-E72D297353CC}">
-                  <c16:uniqueId val="{00000005-12F0-4F52-9E44-65B8501EEA28}"/>
+                  <c16:uniqueId val="{00000005-9D0A-4076-96AC-82F325CDACDE}"/>
                 </c:ext>
               </c:extLst>
             </c:dLbl>
@@ -383,8 +382,8 @@
               <c:idx val="6"/>
               <c:layout>
                 <c:manualLayout>
-                  <c:x val="0"/>
-                  <c:y val="5.4794520547945202E-2"/>
+                  <c:x val="4.1764548902587153E-3"/>
+                  <c:y val="8.8007417876184282E-2"/>
                 </c:manualLayout>
               </c:layout>
               <c:tx>
@@ -410,7 +409,7 @@
                   <c15:showDataLabelsRange val="0"/>
                 </c:ext>
                 <c:ext xmlns:c16="http://schemas.microsoft.com/office/drawing/2014/chart" uri="{C3380CC4-5D6E-409C-BE32-E72D297353CC}">
-                  <c16:uniqueId val="{00000006-12F0-4F52-9E44-65B8501EEA28}"/>
+                  <c16:uniqueId val="{00000006-9D0A-4076-96AC-82F325CDACDE}"/>
                 </c:ext>
               </c:extLst>
             </c:dLbl>
@@ -418,8 +417,8 @@
               <c:idx val="7"/>
               <c:layout>
                 <c:manualLayout>
-                  <c:x val="2.0882274451293958E-3"/>
-                  <c:y val="-1.8122173084528785E-2"/>
+                  <c:x val="8.3529097805174306E-3"/>
+                  <c:y val="-5.2310085170977592E-2"/>
                 </c:manualLayout>
               </c:layout>
               <c:tx>
@@ -445,7 +444,7 @@
                   <c15:showDataLabelsRange val="0"/>
                 </c:ext>
                 <c:ext xmlns:c16="http://schemas.microsoft.com/office/drawing/2014/chart" uri="{C3380CC4-5D6E-409C-BE32-E72D297353CC}">
-                  <c16:uniqueId val="{00000007-12F0-4F52-9E44-65B8501EEA28}"/>
+                  <c16:uniqueId val="{00000007-9D0A-4076-96AC-82F325CDACDE}"/>
                 </c:ext>
               </c:extLst>
             </c:dLbl>
@@ -453,8 +452,8 @@
               <c:idx val="8"/>
               <c:layout>
                 <c:manualLayout>
-                  <c:x val="2.5058729341552288E-2"/>
-                  <c:y val="-0.13281012476180207"/>
+                  <c:x val="-7.6567455140967565E-17"/>
+                  <c:y val="-5.4473532688755821E-2"/>
                 </c:manualLayout>
               </c:layout>
               <c:tx>
@@ -480,7 +479,7 @@
                   <c15:showDataLabelsRange val="0"/>
                 </c:ext>
                 <c:ext xmlns:c16="http://schemas.microsoft.com/office/drawing/2014/chart" uri="{C3380CC4-5D6E-409C-BE32-E72D297353CC}">
-                  <c16:uniqueId val="{00000008-12F0-4F52-9E44-65B8501EEA28}"/>
+                  <c16:uniqueId val="{00000008-9D0A-4076-96AC-82F325CDACDE}"/>
                 </c:ext>
               </c:extLst>
             </c:dLbl>
@@ -488,8 +487,8 @@
               <c:idx val="9"/>
               <c:layout>
                 <c:manualLayout>
-                  <c:x val="4.3852776347716504E-2"/>
-                  <c:y val="-4.8611224966742174E-2"/>
+                  <c:x val="8.3529097805174306E-3"/>
+                  <c:y val="-2.317577824139504E-2"/>
                 </c:manualLayout>
               </c:layout>
               <c:tx>
@@ -515,7 +514,7 @@
                   <c15:showDataLabelsRange val="0"/>
                 </c:ext>
                 <c:ext xmlns:c16="http://schemas.microsoft.com/office/drawing/2014/chart" uri="{C3380CC4-5D6E-409C-BE32-E72D297353CC}">
-                  <c16:uniqueId val="{00000009-12F0-4F52-9E44-65B8501EEA28}"/>
+                  <c16:uniqueId val="{00000009-9D0A-4076-96AC-82F325CDACDE}"/>
                 </c:ext>
               </c:extLst>
             </c:dLbl>
@@ -523,8 +522,8 @@
               <c:idx val="10"/>
               <c:layout>
                 <c:manualLayout>
-                  <c:x val="-3.5499866567199077E-2"/>
-                  <c:y val="-0.11613389422212636"/>
+                  <c:x val="-4.1764548902587149E-2"/>
+                  <c:y val="-9.3211297305785493E-2"/>
                 </c:manualLayout>
               </c:layout>
               <c:tx>
@@ -534,7 +533,7 @@
                   <a:p>
                     <a:r>
                       <a:rPr lang="en-US" altLang="zh-CN"/>
-                      <a:t>SRFBN</a:t>
+                      <a:t>HAN</a:t>
                     </a:r>
                   </a:p>
                 </c:rich>
@@ -550,16 +549,16 @@
                   <c15:showDataLabelsRange val="0"/>
                 </c:ext>
                 <c:ext xmlns:c16="http://schemas.microsoft.com/office/drawing/2014/chart" uri="{C3380CC4-5D6E-409C-BE32-E72D297353CC}">
-                  <c16:uniqueId val="{0000000A-12F0-4F52-9E44-65B8501EEA28}"/>
+                  <c16:uniqueId val="{0000000A-9D0A-4076-96AC-82F325CDACDE}"/>
                 </c:ext>
               </c:extLst>
             </c:dLbl>
             <c:dLbl>
-              <c:idx val="12"/>
+              <c:idx val="11"/>
               <c:layout>
                 <c:manualLayout>
-                  <c:x val="4.5941003792845825E-2"/>
-                  <c:y val="7.9861111111111105E-2"/>
+                  <c:x val="3.3411639122069722E-2"/>
+                  <c:y val="9.125722532546672E-2"/>
                 </c:manualLayout>
               </c:layout>
               <c:tx>
@@ -569,7 +568,7 @@
                   <a:p>
                     <a:r>
                       <a:rPr lang="en-US" altLang="zh-CN"/>
-                      <a:t>VDSR</a:t>
+                      <a:t>RFDN</a:t>
                     </a:r>
                   </a:p>
                 </c:rich>
@@ -585,7 +584,77 @@
                   <c15:showDataLabelsRange val="0"/>
                 </c:ext>
                 <c:ext xmlns:c16="http://schemas.microsoft.com/office/drawing/2014/chart" uri="{C3380CC4-5D6E-409C-BE32-E72D297353CC}">
-                  <c16:uniqueId val="{0000000B-12F0-4F52-9E44-65B8501EEA28}"/>
+                  <c16:uniqueId val="{0000000B-9D0A-4076-96AC-82F325CDACDE}"/>
+                </c:ext>
+              </c:extLst>
+            </c:dLbl>
+            <c:dLbl>
+              <c:idx val="12"/>
+              <c:layout>
+                <c:manualLayout>
+                  <c:x val="-4.1764548902587153E-3"/>
+                  <c:y val="-0.15954415954415954"/>
+                </c:manualLayout>
+              </c:layout>
+              <c:tx>
+                <c:rich>
+                  <a:bodyPr/>
+                  <a:lstStyle/>
+                  <a:p>
+                    <a:r>
+                      <a:rPr lang="en-US" altLang="zh-CN"/>
+                      <a:t>LatticeNet</a:t>
+                    </a:r>
+                  </a:p>
+                </c:rich>
+              </c:tx>
+              <c:showLegendKey val="0"/>
+              <c:showVal val="0"/>
+              <c:showCatName val="0"/>
+              <c:showSerName val="0"/>
+              <c:showPercent val="0"/>
+              <c:showBubbleSize val="1"/>
+              <c:extLst>
+                <c:ext xmlns:c15="http://schemas.microsoft.com/office/drawing/2012/chart" uri="{CE6537A1-D6FC-4f65-9D91-7224C49458BB}">
+                  <c15:showDataLabelsRange val="0"/>
+                </c:ext>
+                <c:ext xmlns:c16="http://schemas.microsoft.com/office/drawing/2014/chart" uri="{C3380CC4-5D6E-409C-BE32-E72D297353CC}">
+                  <c16:uniqueId val="{0000000C-9D0A-4076-96AC-82F325CDACDE}"/>
+                </c:ext>
+              </c:extLst>
+            </c:dLbl>
+            <c:dLbl>
+              <c:idx val="13"/>
+              <c:layout>
+                <c:manualLayout>
+                  <c:x val="-2.0882274451293575E-2"/>
+                  <c:y val="-0.14833299683693385"/>
+                </c:manualLayout>
+              </c:layout>
+              <c:tx>
+                <c:rich>
+                  <a:bodyPr/>
+                  <a:lstStyle/>
+                  <a:p>
+                    <a:r>
+                      <a:rPr lang="en-US" altLang="zh-CN"/>
+                      <a:t>SwinIR-S</a:t>
+                    </a:r>
+                  </a:p>
+                </c:rich>
+              </c:tx>
+              <c:showLegendKey val="0"/>
+              <c:showVal val="0"/>
+              <c:showCatName val="0"/>
+              <c:showSerName val="0"/>
+              <c:showPercent val="0"/>
+              <c:showBubbleSize val="1"/>
+              <c:extLst>
+                <c:ext xmlns:c15="http://schemas.microsoft.com/office/drawing/2012/chart" uri="{CE6537A1-D6FC-4f65-9D91-7224C49458BB}">
+                  <c15:showDataLabelsRange val="0"/>
+                </c:ext>
+                <c:ext xmlns:c16="http://schemas.microsoft.com/office/drawing/2014/chart" uri="{C3380CC4-5D6E-409C-BE32-E72D297353CC}">
+                  <c16:uniqueId val="{0000000D-9D0A-4076-96AC-82F325CDACDE}"/>
                 </c:ext>
               </c:extLst>
             </c:dLbl>
@@ -646,10 +715,10 @@
           </c:dLbls>
           <c:xVal>
             <c:numRef>
-              <c:f>'fig1'!$B$2:$B$12</c:f>
+              <c:f>'fig1'!$B$2:$B$15</c:f>
               <c:numCache>
                 <c:formatCode>General</c:formatCode>
-                <c:ptCount val="11"/>
+                <c:ptCount val="14"/>
                 <c:pt idx="0">
                   <c:v>368</c:v>
                 </c:pt>
@@ -681,17 +750,26 @@
                   <c:v>4112</c:v>
                 </c:pt>
                 <c:pt idx="10">
-                  <c:v>8319</c:v>
+                  <c:v>4615</c:v>
+                </c:pt>
+                <c:pt idx="11">
+                  <c:v>1731</c:v>
+                </c:pt>
+                <c:pt idx="12">
+                  <c:v>1710</c:v>
+                </c:pt>
+                <c:pt idx="13">
+                  <c:v>2910</c:v>
                 </c:pt>
               </c:numCache>
             </c:numRef>
           </c:xVal>
           <c:yVal>
             <c:numRef>
-              <c:f>'fig1'!$C$2:$C$12</c:f>
+              <c:f>'fig1'!$C$2:$C$15</c:f>
               <c:numCache>
                 <c:formatCode>General</c:formatCode>
-                <c:ptCount val="11"/>
+                <c:ptCount val="14"/>
                 <c:pt idx="0">
                   <c:v>31.53</c:v>
                 </c:pt>
@@ -723,17 +801,26 @@
                   <c:v>32.049999999999997</c:v>
                 </c:pt>
                 <c:pt idx="10">
-                  <c:v>32.29</c:v>
+                  <c:v>32.450000000000003</c:v>
+                </c:pt>
+                <c:pt idx="11">
+                  <c:v>32.159999999999997</c:v>
+                </c:pt>
+                <c:pt idx="12">
+                  <c:v>32.25</c:v>
+                </c:pt>
+                <c:pt idx="13">
+                  <c:v>32.31</c:v>
                 </c:pt>
               </c:numCache>
             </c:numRef>
           </c:yVal>
           <c:bubbleSize>
             <c:numRef>
-              <c:f>'fig1'!$D$2:$D$12</c:f>
+              <c:f>'fig1'!$D$2:$D$15</c:f>
               <c:numCache>
                 <c:formatCode>General</c:formatCode>
-                <c:ptCount val="11"/>
+                <c:ptCount val="14"/>
                 <c:pt idx="0">
                   <c:v>13</c:v>
                 </c:pt>
@@ -765,7 +852,16 @@
                   <c:v>854</c:v>
                 </c:pt>
                 <c:pt idx="10">
-                  <c:v>3032</c:v>
+                  <c:v>1654</c:v>
+                </c:pt>
+                <c:pt idx="11">
+                  <c:v>166</c:v>
+                </c:pt>
+                <c:pt idx="12">
+                  <c:v>177</c:v>
+                </c:pt>
+                <c:pt idx="13">
+                  <c:v>2877</c:v>
                 </c:pt>
               </c:numCache>
             </c:numRef>
@@ -773,7 +869,7 @@
           <c:bubble3D val="0"/>
           <c:extLst>
             <c:ext xmlns:c16="http://schemas.microsoft.com/office/drawing/2014/chart" uri="{C3380CC4-5D6E-409C-BE32-E72D297353CC}">
-              <c16:uniqueId val="{0000000C-12F0-4F52-9E44-65B8501EEA28}"/>
+              <c16:uniqueId val="{0000000E-9D0A-4076-96AC-82F325CDACDE}"/>
             </c:ext>
           </c:extLst>
         </c:ser>
@@ -794,964 +890,8 @@
         <c:axId val="730769664"/>
         <c:scaling>
           <c:orientation val="minMax"/>
+          <c:max val="5000"/>
           <c:min val="0"/>
-        </c:scaling>
-        <c:delete val="0"/>
-        <c:axPos val="b"/>
-        <c:majorGridlines>
-          <c:spPr>
-            <a:ln w="9525" cap="flat" cmpd="sng" algn="ctr">
-              <a:solidFill>
-                <a:schemeClr val="tx1">
-                  <a:lumMod val="15000"/>
-                  <a:lumOff val="85000"/>
-                </a:schemeClr>
-              </a:solidFill>
-              <a:round/>
-            </a:ln>
-            <a:effectLst/>
-          </c:spPr>
-        </c:majorGridlines>
-        <c:title>
-          <c:tx>
-            <c:rich>
-              <a:bodyPr rot="0" spcFirstLastPara="1" vertOverflow="ellipsis" vert="horz" wrap="square" anchor="ctr" anchorCtr="1"/>
-              <a:lstStyle/>
-              <a:p>
-                <a:pPr>
-                  <a:defRPr sz="1400" b="1" i="0" u="none" strike="noStrike" kern="1200" baseline="0">
-                    <a:solidFill>
-                      <a:schemeClr val="tx1"/>
-                    </a:solidFill>
-                    <a:latin typeface="+mn-lt"/>
-                    <a:ea typeface="+mn-ea"/>
-                    <a:cs typeface="+mn-cs"/>
-                  </a:defRPr>
-                </a:pPr>
-                <a:r>
-                  <a:rPr lang="en-US" sz="1400" b="1" dirty="0">
-                    <a:solidFill>
-                      <a:schemeClr val="tx1"/>
-                    </a:solidFill>
-                  </a:rPr>
-                  <a:t>Memory Footprint (MB)</a:t>
-                </a:r>
-                <a:endParaRPr lang="zh-CN" sz="1400" b="1" dirty="0">
-                  <a:solidFill>
-                    <a:schemeClr val="tx1"/>
-                  </a:solidFill>
-                </a:endParaRPr>
-              </a:p>
-            </c:rich>
-          </c:tx>
-          <c:layout>
-            <c:manualLayout>
-              <c:xMode val="edge"/>
-              <c:yMode val="edge"/>
-              <c:x val="0.63203771700506095"/>
-              <c:y val="0.88941257685255093"/>
-            </c:manualLayout>
-          </c:layout>
-          <c:overlay val="0"/>
-          <c:spPr>
-            <a:noFill/>
-            <a:ln>
-              <a:noFill/>
-            </a:ln>
-            <a:effectLst/>
-          </c:spPr>
-          <c:txPr>
-            <a:bodyPr rot="0" spcFirstLastPara="1" vertOverflow="ellipsis" vert="horz" wrap="square" anchor="ctr" anchorCtr="1"/>
-            <a:lstStyle/>
-            <a:p>
-              <a:pPr>
-                <a:defRPr sz="1400" b="1" i="0" u="none" strike="noStrike" kern="1200" baseline="0">
-                  <a:solidFill>
-                    <a:schemeClr val="tx1"/>
-                  </a:solidFill>
-                  <a:latin typeface="+mn-lt"/>
-                  <a:ea typeface="+mn-ea"/>
-                  <a:cs typeface="+mn-cs"/>
-                </a:defRPr>
-              </a:pPr>
-              <a:endParaRPr lang="zh-CN"/>
-            </a:p>
-          </c:txPr>
-        </c:title>
-        <c:numFmt formatCode="General" sourceLinked="1"/>
-        <c:majorTickMark val="none"/>
-        <c:minorTickMark val="none"/>
-        <c:tickLblPos val="nextTo"/>
-        <c:spPr>
-          <a:noFill/>
-          <a:ln w="9525" cap="flat" cmpd="sng" algn="ctr">
-            <a:solidFill>
-              <a:schemeClr val="tx1">
-                <a:lumMod val="25000"/>
-                <a:lumOff val="75000"/>
-              </a:schemeClr>
-            </a:solidFill>
-            <a:round/>
-          </a:ln>
-          <a:effectLst/>
-        </c:spPr>
-        <c:txPr>
-          <a:bodyPr rot="-60000000" spcFirstLastPara="1" vertOverflow="ellipsis" vert="horz" wrap="square" anchor="ctr" anchorCtr="1"/>
-          <a:lstStyle/>
-          <a:p>
-            <a:pPr>
-              <a:defRPr sz="900" b="1" i="0" u="none" strike="noStrike" kern="1200" baseline="0">
-                <a:solidFill>
-                  <a:schemeClr val="tx1"/>
-                </a:solidFill>
-                <a:latin typeface="+mn-lt"/>
-                <a:ea typeface="+mn-ea"/>
-                <a:cs typeface="+mn-cs"/>
-              </a:defRPr>
-            </a:pPr>
-            <a:endParaRPr lang="zh-CN"/>
-          </a:p>
-        </c:txPr>
-        <c:crossAx val="582904992"/>
-        <c:crosses val="autoZero"/>
-        <c:crossBetween val="midCat"/>
-      </c:valAx>
-      <c:valAx>
-        <c:axId val="582904992"/>
-        <c:scaling>
-          <c:orientation val="minMax"/>
-        </c:scaling>
-        <c:delete val="0"/>
-        <c:axPos val="l"/>
-        <c:majorGridlines>
-          <c:spPr>
-            <a:ln w="9525" cap="flat" cmpd="sng" algn="ctr">
-              <a:solidFill>
-                <a:schemeClr val="tx1">
-                  <a:lumMod val="15000"/>
-                  <a:lumOff val="85000"/>
-                </a:schemeClr>
-              </a:solidFill>
-              <a:round/>
-            </a:ln>
-            <a:effectLst/>
-          </c:spPr>
-        </c:majorGridlines>
-        <c:title>
-          <c:tx>
-            <c:rich>
-              <a:bodyPr rot="-5400000" spcFirstLastPara="1" vertOverflow="ellipsis" vert="horz" wrap="square" anchor="ctr" anchorCtr="1"/>
-              <a:lstStyle/>
-              <a:p>
-                <a:pPr>
-                  <a:defRPr sz="1400" b="1" i="0" u="none" strike="noStrike" kern="1200" baseline="0">
-                    <a:solidFill>
-                      <a:schemeClr val="tx1"/>
-                    </a:solidFill>
-                    <a:latin typeface="+mn-lt"/>
-                    <a:ea typeface="+mn-ea"/>
-                    <a:cs typeface="+mn-cs"/>
-                  </a:defRPr>
-                </a:pPr>
-                <a:r>
-                  <a:rPr lang="en-US" sz="1400" b="1" dirty="0">
-                    <a:solidFill>
-                      <a:schemeClr val="tx1"/>
-                    </a:solidFill>
-                  </a:rPr>
-                  <a:t>B100 PSNR (dB)</a:t>
-                </a:r>
-                <a:endParaRPr lang="zh-CN" sz="1400" b="1" dirty="0">
-                  <a:solidFill>
-                    <a:schemeClr val="tx1"/>
-                  </a:solidFill>
-                </a:endParaRPr>
-              </a:p>
-            </c:rich>
-          </c:tx>
-          <c:overlay val="0"/>
-          <c:spPr>
-            <a:noFill/>
-            <a:ln>
-              <a:noFill/>
-            </a:ln>
-            <a:effectLst/>
-          </c:spPr>
-          <c:txPr>
-            <a:bodyPr rot="-5400000" spcFirstLastPara="1" vertOverflow="ellipsis" vert="horz" wrap="square" anchor="ctr" anchorCtr="1"/>
-            <a:lstStyle/>
-            <a:p>
-              <a:pPr>
-                <a:defRPr sz="1400" b="1" i="0" u="none" strike="noStrike" kern="1200" baseline="0">
-                  <a:solidFill>
-                    <a:schemeClr val="tx1"/>
-                  </a:solidFill>
-                  <a:latin typeface="+mn-lt"/>
-                  <a:ea typeface="+mn-ea"/>
-                  <a:cs typeface="+mn-cs"/>
-                </a:defRPr>
-              </a:pPr>
-              <a:endParaRPr lang="zh-CN"/>
-            </a:p>
-          </c:txPr>
-        </c:title>
-        <c:numFmt formatCode="General" sourceLinked="1"/>
-        <c:majorTickMark val="none"/>
-        <c:minorTickMark val="none"/>
-        <c:tickLblPos val="nextTo"/>
-        <c:spPr>
-          <a:noFill/>
-          <a:ln w="9525" cap="flat" cmpd="sng" algn="ctr">
-            <a:solidFill>
-              <a:schemeClr val="tx1">
-                <a:lumMod val="25000"/>
-                <a:lumOff val="75000"/>
-              </a:schemeClr>
-            </a:solidFill>
-            <a:round/>
-          </a:ln>
-          <a:effectLst/>
-        </c:spPr>
-        <c:txPr>
-          <a:bodyPr rot="-60000000" spcFirstLastPara="1" vertOverflow="ellipsis" vert="horz" wrap="square" anchor="ctr" anchorCtr="1"/>
-          <a:lstStyle/>
-          <a:p>
-            <a:pPr>
-              <a:defRPr sz="1050" b="1" i="0" u="none" strike="noStrike" kern="1200" baseline="0">
-                <a:solidFill>
-                  <a:schemeClr val="tx1"/>
-                </a:solidFill>
-                <a:latin typeface="+mn-lt"/>
-                <a:ea typeface="+mn-ea"/>
-                <a:cs typeface="+mn-cs"/>
-              </a:defRPr>
-            </a:pPr>
-            <a:endParaRPr lang="zh-CN"/>
-          </a:p>
-        </c:txPr>
-        <c:crossAx val="730769664"/>
-        <c:crosses val="autoZero"/>
-        <c:crossBetween val="midCat"/>
-      </c:valAx>
-      <c:spPr>
-        <a:noFill/>
-        <a:ln>
-          <a:noFill/>
-        </a:ln>
-        <a:effectLst/>
-      </c:spPr>
-    </c:plotArea>
-    <c:plotVisOnly val="1"/>
-    <c:dispBlanksAs val="gap"/>
-    <c:showDLblsOverMax val="0"/>
-  </c:chart>
-  <c:spPr>
-    <a:noFill/>
-    <a:ln>
-      <a:noFill/>
-    </a:ln>
-    <a:effectLst/>
-  </c:spPr>
-  <c:txPr>
-    <a:bodyPr/>
-    <a:lstStyle/>
-    <a:p>
-      <a:pPr>
-        <a:defRPr sz="1050"/>
-      </a:pPr>
-      <a:endParaRPr lang="zh-CN"/>
-    </a:p>
-  </c:txPr>
-  <c:externalData r:id="rId3">
-    <c:autoUpdate val="0"/>
-  </c:externalData>
-</c:chartSpace>
-</file>
-
-<file path=ppt/charts/chart2.xml><?xml version="1.0" encoding="utf-8"?>
-<c:chartSpace xmlns:c="http://schemas.openxmlformats.org/drawingml/2006/chart" xmlns:a="http://schemas.openxmlformats.org/drawingml/2006/main" xmlns:r="http://schemas.openxmlformats.org/officeDocument/2006/relationships" xmlns:c16r2="http://schemas.microsoft.com/office/drawing/2015/06/chart">
-  <c:date1904 val="0"/>
-  <c:lang val="zh-CN"/>
-  <c:roundedCorners val="0"/>
-  <mc:AlternateContent xmlns:mc="http://schemas.openxmlformats.org/markup-compatibility/2006">
-    <mc:Choice xmlns:c14="http://schemas.microsoft.com/office/drawing/2007/8/2/chart" Requires="c14">
-      <c14:style val="102"/>
-    </mc:Choice>
-    <mc:Fallback>
-      <c:style val="2"/>
-    </mc:Fallback>
-  </mc:AlternateContent>
-  <c:chart>
-    <c:autoTitleDeleted val="1"/>
-    <c:plotArea>
-      <c:layout>
-        <c:manualLayout>
-          <c:layoutTarget val="inner"/>
-          <c:xMode val="edge"/>
-          <c:yMode val="edge"/>
-          <c:x val="0.10859654179669445"/>
-          <c:y val="0.11489583333333335"/>
-          <c:w val="0.84462716343240796"/>
-          <c:h val="0.71703712817147858"/>
-        </c:manualLayout>
-      </c:layout>
-      <c:bubbleChart>
-        <c:varyColors val="0"/>
-        <c:ser>
-          <c:idx val="0"/>
-          <c:order val="0"/>
-          <c:tx>
-            <c:strRef>
-              <c:f>'fig1'!$C$1</c:f>
-              <c:strCache>
-                <c:ptCount val="1"/>
-                <c:pt idx="0">
-                  <c:v>B100</c:v>
-                </c:pt>
-              </c:strCache>
-            </c:strRef>
-          </c:tx>
-          <c:spPr>
-            <a:solidFill>
-              <a:schemeClr val="accent1">
-                <a:alpha val="75000"/>
-              </a:schemeClr>
-            </a:solidFill>
-            <a:ln>
-              <a:noFill/>
-            </a:ln>
-            <a:effectLst/>
-          </c:spPr>
-          <c:invertIfNegative val="0"/>
-          <c:dLbls>
-            <c:dLbl>
-              <c:idx val="0"/>
-              <c:layout>
-                <c:manualLayout>
-                  <c:x val="2.0882274451293381E-3"/>
-                  <c:y val="-3.2876712328767189E-2"/>
-                </c:manualLayout>
-              </c:layout>
-              <c:tx>
-                <c:rich>
-                  <a:bodyPr/>
-                  <a:lstStyle/>
-                  <a:p>
-                    <a:r>
-                      <a:rPr lang="en-US" altLang="zh-CN"/>
-                      <a:t>FSRCNN</a:t>
-                    </a:r>
-                  </a:p>
-                </c:rich>
-              </c:tx>
-              <c:showLegendKey val="0"/>
-              <c:showVal val="0"/>
-              <c:showCatName val="0"/>
-              <c:showSerName val="0"/>
-              <c:showPercent val="0"/>
-              <c:showBubbleSize val="1"/>
-              <c:extLst>
-                <c:ext xmlns:c15="http://schemas.microsoft.com/office/drawing/2012/chart" uri="{CE6537A1-D6FC-4f65-9D91-7224C49458BB}">
-                  <c15:showDataLabelsRange val="0"/>
-                </c:ext>
-                <c:ext xmlns:c16="http://schemas.microsoft.com/office/drawing/2014/chart" uri="{C3380CC4-5D6E-409C-BE32-E72D297353CC}">
-                  <c16:uniqueId val="{00000000-002A-419B-9BC2-5A53CC7B5C5B}"/>
-                </c:ext>
-              </c:extLst>
-            </c:dLbl>
-            <c:dLbl>
-              <c:idx val="1"/>
-              <c:layout>
-                <c:manualLayout>
-                  <c:x val="-4.8029231237975221E-2"/>
-                  <c:y val="-0.17397245892208679"/>
-                </c:manualLayout>
-              </c:layout>
-              <c:tx>
-                <c:rich>
-                  <a:bodyPr/>
-                  <a:lstStyle/>
-                  <a:p>
-                    <a:r>
-                      <a:rPr lang="en-US" altLang="zh-CN"/>
-                      <a:t>Plain-M(ours)</a:t>
-                    </a:r>
-                  </a:p>
-                </c:rich>
-              </c:tx>
-              <c:showLegendKey val="0"/>
-              <c:showVal val="0"/>
-              <c:showCatName val="0"/>
-              <c:showSerName val="0"/>
-              <c:showPercent val="0"/>
-              <c:showBubbleSize val="1"/>
-              <c:extLst>
-                <c:ext xmlns:c15="http://schemas.microsoft.com/office/drawing/2012/chart" uri="{CE6537A1-D6FC-4f65-9D91-7224C49458BB}">
-                  <c15:showDataLabelsRange val="0"/>
-                </c:ext>
-                <c:ext xmlns:c16="http://schemas.microsoft.com/office/drawing/2014/chart" uri="{C3380CC4-5D6E-409C-BE32-E72D297353CC}">
-                  <c16:uniqueId val="{00000001-002A-419B-9BC2-5A53CC7B5C5B}"/>
-                </c:ext>
-              </c:extLst>
-            </c:dLbl>
-            <c:dLbl>
-              <c:idx val="2"/>
-              <c:layout>
-                <c:manualLayout>
-                  <c:x val="6.2646823353880721E-3"/>
-                  <c:y val="-7.055750907848847E-2"/>
-                </c:manualLayout>
-              </c:layout>
-              <c:tx>
-                <c:rich>
-                  <a:bodyPr/>
-                  <a:lstStyle/>
-                  <a:p>
-                    <a:r>
-                      <a:rPr lang="en-US" altLang="zh-CN"/>
-                      <a:t>Plain-X(ours)</a:t>
-                    </a:r>
-                  </a:p>
-                </c:rich>
-              </c:tx>
-              <c:showLegendKey val="0"/>
-              <c:showVal val="0"/>
-              <c:showCatName val="0"/>
-              <c:showSerName val="0"/>
-              <c:showPercent val="0"/>
-              <c:showBubbleSize val="1"/>
-              <c:extLst>
-                <c:ext xmlns:c15="http://schemas.microsoft.com/office/drawing/2012/chart" uri="{CE6537A1-D6FC-4f65-9D91-7224C49458BB}">
-                  <c15:showDataLabelsRange val="0"/>
-                </c:ext>
-                <c:ext xmlns:c16="http://schemas.microsoft.com/office/drawing/2014/chart" uri="{C3380CC4-5D6E-409C-BE32-E72D297353CC}">
-                  <c16:uniqueId val="{00000002-002A-419B-9BC2-5A53CC7B5C5B}"/>
-                </c:ext>
-              </c:extLst>
-            </c:dLbl>
-            <c:dLbl>
-              <c:idx val="3"/>
-              <c:layout>
-                <c:manualLayout>
-                  <c:x val="0"/>
-                  <c:y val="-2.9223744292237442E-2"/>
-                </c:manualLayout>
-              </c:layout>
-              <c:tx>
-                <c:rich>
-                  <a:bodyPr/>
-                  <a:lstStyle/>
-                  <a:p>
-                    <a:r>
-                      <a:rPr lang="en-US" altLang="zh-CN"/>
-                      <a:t>SRCNN</a:t>
-                    </a:r>
-                  </a:p>
-                </c:rich>
-              </c:tx>
-              <c:showLegendKey val="0"/>
-              <c:showVal val="0"/>
-              <c:showCatName val="0"/>
-              <c:showSerName val="0"/>
-              <c:showPercent val="0"/>
-              <c:showBubbleSize val="1"/>
-              <c:extLst>
-                <c:ext xmlns:c15="http://schemas.microsoft.com/office/drawing/2012/chart" uri="{CE6537A1-D6FC-4f65-9D91-7224C49458BB}">
-                  <c15:showDataLabelsRange val="0"/>
-                </c:ext>
-                <c:ext xmlns:c16="http://schemas.microsoft.com/office/drawing/2014/chart" uri="{C3380CC4-5D6E-409C-BE32-E72D297353CC}">
-                  <c16:uniqueId val="{00000003-002A-419B-9BC2-5A53CC7B5C5B}"/>
-                </c:ext>
-              </c:extLst>
-            </c:dLbl>
-            <c:dLbl>
-              <c:idx val="4"/>
-              <c:layout>
-                <c:manualLayout>
-                  <c:x val="-3.7588094012328474E-2"/>
-                  <c:y val="0.14977168949771688"/>
-                </c:manualLayout>
-              </c:layout>
-              <c:tx>
-                <c:rich>
-                  <a:bodyPr/>
-                  <a:lstStyle/>
-                  <a:p>
-                    <a:r>
-                      <a:rPr lang="en-US" altLang="zh-CN"/>
-                      <a:t>IDN</a:t>
-                    </a:r>
-                  </a:p>
-                </c:rich>
-              </c:tx>
-              <c:showLegendKey val="0"/>
-              <c:showVal val="0"/>
-              <c:showCatName val="0"/>
-              <c:showSerName val="0"/>
-              <c:showPercent val="0"/>
-              <c:showBubbleSize val="1"/>
-              <c:extLst>
-                <c:ext xmlns:c15="http://schemas.microsoft.com/office/drawing/2012/chart" uri="{CE6537A1-D6FC-4f65-9D91-7224C49458BB}">
-                  <c15:showDataLabelsRange val="0"/>
-                </c:ext>
-                <c:ext xmlns:c16="http://schemas.microsoft.com/office/drawing/2014/chart" uri="{C3380CC4-5D6E-409C-BE32-E72D297353CC}">
-                  <c16:uniqueId val="{00000004-002A-419B-9BC2-5A53CC7B5C5B}"/>
-                </c:ext>
-              </c:extLst>
-            </c:dLbl>
-            <c:dLbl>
-              <c:idx val="5"/>
-              <c:layout>
-                <c:manualLayout>
-                  <c:x val="1.6705819561034861E-2"/>
-                  <c:y val="6.8645309747240493E-2"/>
-                </c:manualLayout>
-              </c:layout>
-              <c:tx>
-                <c:rich>
-                  <a:bodyPr/>
-                  <a:lstStyle/>
-                  <a:p>
-                    <a:r>
-                      <a:rPr lang="en-US" altLang="zh-CN"/>
-                      <a:t>EDSR</a:t>
-                    </a:r>
-                  </a:p>
-                </c:rich>
-              </c:tx>
-              <c:showLegendKey val="0"/>
-              <c:showVal val="0"/>
-              <c:showCatName val="0"/>
-              <c:showSerName val="0"/>
-              <c:showPercent val="0"/>
-              <c:showBubbleSize val="1"/>
-              <c:extLst>
-                <c:ext xmlns:c15="http://schemas.microsoft.com/office/drawing/2012/chart" uri="{CE6537A1-D6FC-4f65-9D91-7224C49458BB}">
-                  <c15:showDataLabelsRange val="0"/>
-                </c:ext>
-                <c:ext xmlns:c16="http://schemas.microsoft.com/office/drawing/2014/chart" uri="{C3380CC4-5D6E-409C-BE32-E72D297353CC}">
-                  <c16:uniqueId val="{00000005-002A-419B-9BC2-5A53CC7B5C5B}"/>
-                </c:ext>
-              </c:extLst>
-            </c:dLbl>
-            <c:dLbl>
-              <c:idx val="6"/>
-              <c:layout>
-                <c:manualLayout>
-                  <c:x val="0"/>
-                  <c:y val="5.4794520547945202E-2"/>
-                </c:manualLayout>
-              </c:layout>
-              <c:tx>
-                <c:rich>
-                  <a:bodyPr/>
-                  <a:lstStyle/>
-                  <a:p>
-                    <a:r>
-                      <a:rPr lang="en-US" altLang="zh-CN"/>
-                      <a:t>VDSR</a:t>
-                    </a:r>
-                  </a:p>
-                </c:rich>
-              </c:tx>
-              <c:showLegendKey val="0"/>
-              <c:showVal val="0"/>
-              <c:showCatName val="0"/>
-              <c:showSerName val="0"/>
-              <c:showPercent val="0"/>
-              <c:showBubbleSize val="1"/>
-              <c:extLst>
-                <c:ext xmlns:c15="http://schemas.microsoft.com/office/drawing/2012/chart" uri="{CE6537A1-D6FC-4f65-9D91-7224C49458BB}">
-                  <c15:showDataLabelsRange val="0"/>
-                </c:ext>
-                <c:ext xmlns:c16="http://schemas.microsoft.com/office/drawing/2014/chart" uri="{C3380CC4-5D6E-409C-BE32-E72D297353CC}">
-                  <c16:uniqueId val="{00000006-002A-419B-9BC2-5A53CC7B5C5B}"/>
-                </c:ext>
-              </c:extLst>
-            </c:dLbl>
-            <c:dLbl>
-              <c:idx val="7"/>
-              <c:layout>
-                <c:manualLayout>
-                  <c:x val="2.0882274451293958E-3"/>
-                  <c:y val="-1.8122173084528785E-2"/>
-                </c:manualLayout>
-              </c:layout>
-              <c:tx>
-                <c:rich>
-                  <a:bodyPr/>
-                  <a:lstStyle/>
-                  <a:p>
-                    <a:r>
-                      <a:rPr lang="en-US" altLang="zh-CN"/>
-                      <a:t>IMDN</a:t>
-                    </a:r>
-                  </a:p>
-                </c:rich>
-              </c:tx>
-              <c:showLegendKey val="0"/>
-              <c:showVal val="0"/>
-              <c:showCatName val="0"/>
-              <c:showSerName val="0"/>
-              <c:showPercent val="0"/>
-              <c:showBubbleSize val="1"/>
-              <c:extLst>
-                <c:ext xmlns:c15="http://schemas.microsoft.com/office/drawing/2012/chart" uri="{CE6537A1-D6FC-4f65-9D91-7224C49458BB}">
-                  <c15:showDataLabelsRange val="0"/>
-                </c:ext>
-                <c:ext xmlns:c16="http://schemas.microsoft.com/office/drawing/2014/chart" uri="{C3380CC4-5D6E-409C-BE32-E72D297353CC}">
-                  <c16:uniqueId val="{00000007-002A-419B-9BC2-5A53CC7B5C5B}"/>
-                </c:ext>
-              </c:extLst>
-            </c:dLbl>
-            <c:dLbl>
-              <c:idx val="8"/>
-              <c:layout>
-                <c:manualLayout>
-                  <c:x val="-1.4617592115905503E-2"/>
-                  <c:y val="-0.13646309279833174"/>
-                </c:manualLayout>
-              </c:layout>
-              <c:tx>
-                <c:rich>
-                  <a:bodyPr/>
-                  <a:lstStyle/>
-                  <a:p>
-                    <a:r>
-                      <a:rPr lang="en-US" altLang="zh-CN"/>
-                      <a:t>CARN</a:t>
-                    </a:r>
-                  </a:p>
-                </c:rich>
-              </c:tx>
-              <c:showLegendKey val="0"/>
-              <c:showVal val="0"/>
-              <c:showCatName val="0"/>
-              <c:showSerName val="0"/>
-              <c:showPercent val="0"/>
-              <c:showBubbleSize val="1"/>
-              <c:extLst>
-                <c:ext xmlns:c15="http://schemas.microsoft.com/office/drawing/2012/chart" uri="{CE6537A1-D6FC-4f65-9D91-7224C49458BB}">
-                  <c15:showDataLabelsRange val="0"/>
-                </c:ext>
-                <c:ext xmlns:c16="http://schemas.microsoft.com/office/drawing/2014/chart" uri="{C3380CC4-5D6E-409C-BE32-E72D297353CC}">
-                  <c16:uniqueId val="{00000008-002A-419B-9BC2-5A53CC7B5C5B}"/>
-                </c:ext>
-              </c:extLst>
-            </c:dLbl>
-            <c:dLbl>
-              <c:idx val="9"/>
-              <c:layout>
-                <c:manualLayout>
-                  <c:x val="1.8794047006164216E-2"/>
-                  <c:y val="7.5589688275266964E-2"/>
-                </c:manualLayout>
-              </c:layout>
-              <c:tx>
-                <c:rich>
-                  <a:bodyPr/>
-                  <a:lstStyle/>
-                  <a:p>
-                    <a:r>
-                      <a:rPr lang="en-US" altLang="zh-CN"/>
-                      <a:t>DRRN</a:t>
-                    </a:r>
-                  </a:p>
-                </c:rich>
-              </c:tx>
-              <c:showLegendKey val="0"/>
-              <c:showVal val="0"/>
-              <c:showCatName val="0"/>
-              <c:showSerName val="0"/>
-              <c:showPercent val="0"/>
-              <c:showBubbleSize val="1"/>
-              <c:extLst>
-                <c:ext xmlns:c15="http://schemas.microsoft.com/office/drawing/2012/chart" uri="{CE6537A1-D6FC-4f65-9D91-7224C49458BB}">
-                  <c15:showDataLabelsRange val="0"/>
-                </c:ext>
-                <c:ext xmlns:c16="http://schemas.microsoft.com/office/drawing/2014/chart" uri="{C3380CC4-5D6E-409C-BE32-E72D297353CC}">
-                  <c16:uniqueId val="{00000009-002A-419B-9BC2-5A53CC7B5C5B}"/>
-                </c:ext>
-              </c:extLst>
-            </c:dLbl>
-            <c:dLbl>
-              <c:idx val="10"/>
-              <c:layout>
-                <c:manualLayout>
-                  <c:x val="-2.5058729341552288E-2"/>
-                  <c:y val="-9.786905403947796E-2"/>
-                </c:manualLayout>
-              </c:layout>
-              <c:tx>
-                <c:rich>
-                  <a:bodyPr/>
-                  <a:lstStyle/>
-                  <a:p>
-                    <a:r>
-                      <a:rPr lang="en-US" altLang="zh-CN"/>
-                      <a:t>SRFBN</a:t>
-                    </a:r>
-                  </a:p>
-                </c:rich>
-              </c:tx>
-              <c:showLegendKey val="0"/>
-              <c:showVal val="0"/>
-              <c:showCatName val="0"/>
-              <c:showSerName val="0"/>
-              <c:showPercent val="0"/>
-              <c:showBubbleSize val="1"/>
-              <c:extLst>
-                <c:ext xmlns:c15="http://schemas.microsoft.com/office/drawing/2012/chart" uri="{CE6537A1-D6FC-4f65-9D91-7224C49458BB}">
-                  <c15:showDataLabelsRange val="0"/>
-                </c:ext>
-                <c:ext xmlns:c16="http://schemas.microsoft.com/office/drawing/2014/chart" uri="{C3380CC4-5D6E-409C-BE32-E72D297353CC}">
-                  <c16:uniqueId val="{0000000A-002A-419B-9BC2-5A53CC7B5C5B}"/>
-                </c:ext>
-              </c:extLst>
-            </c:dLbl>
-            <c:dLbl>
-              <c:idx val="12"/>
-              <c:layout>
-                <c:manualLayout>
-                  <c:x val="4.5941003792845825E-2"/>
-                  <c:y val="7.9861111111111105E-2"/>
-                </c:manualLayout>
-              </c:layout>
-              <c:tx>
-                <c:rich>
-                  <a:bodyPr/>
-                  <a:lstStyle/>
-                  <a:p>
-                    <a:r>
-                      <a:rPr lang="en-US" altLang="zh-CN"/>
-                      <a:t>VDSR</a:t>
-                    </a:r>
-                  </a:p>
-                </c:rich>
-              </c:tx>
-              <c:showLegendKey val="0"/>
-              <c:showVal val="0"/>
-              <c:showCatName val="0"/>
-              <c:showSerName val="0"/>
-              <c:showPercent val="0"/>
-              <c:showBubbleSize val="1"/>
-              <c:extLst>
-                <c:ext xmlns:c15="http://schemas.microsoft.com/office/drawing/2012/chart" uri="{CE6537A1-D6FC-4f65-9D91-7224C49458BB}">
-                  <c15:showDataLabelsRange val="0"/>
-                </c:ext>
-                <c:ext xmlns:c16="http://schemas.microsoft.com/office/drawing/2014/chart" uri="{C3380CC4-5D6E-409C-BE32-E72D297353CC}">
-                  <c16:uniqueId val="{0000000B-002A-419B-9BC2-5A53CC7B5C5B}"/>
-                </c:ext>
-              </c:extLst>
-            </c:dLbl>
-            <c:spPr>
-              <a:noFill/>
-              <a:ln cap="flat" cmpd="sng">
-                <a:solidFill>
-                  <a:sysClr val="windowText" lastClr="000000">
-                    <a:lumMod val="25000"/>
-                    <a:lumOff val="75000"/>
-                  </a:sysClr>
-                </a:solidFill>
-                <a:prstDash val="solid"/>
-                <a:round/>
-              </a:ln>
-              <a:effectLst/>
-            </c:spPr>
-            <c:txPr>
-              <a:bodyPr rot="0" spcFirstLastPara="1" vertOverflow="clip" horzOverflow="clip" vert="horz" wrap="square" lIns="36576" tIns="18288" rIns="36576" bIns="18288" anchor="ctr" anchorCtr="1">
-                <a:spAutoFit/>
-              </a:bodyPr>
-              <a:lstStyle/>
-              <a:p>
-                <a:pPr>
-                  <a:defRPr sz="1400" b="1" i="0" u="none" strike="noStrike" kern="1200" baseline="0">
-                    <a:solidFill>
-                      <a:schemeClr val="tx1"/>
-                    </a:solidFill>
-                    <a:latin typeface="+mn-lt"/>
-                    <a:ea typeface="+mn-ea"/>
-                    <a:cs typeface="+mn-cs"/>
-                  </a:defRPr>
-                </a:pPr>
-                <a:endParaRPr lang="zh-CN"/>
-              </a:p>
-            </c:txPr>
-            <c:showLegendKey val="0"/>
-            <c:showVal val="0"/>
-            <c:showCatName val="0"/>
-            <c:showSerName val="0"/>
-            <c:showPercent val="0"/>
-            <c:showBubbleSize val="1"/>
-            <c:showLeaderLines val="0"/>
-            <c:extLst>
-              <c:ext xmlns:c15="http://schemas.microsoft.com/office/drawing/2012/chart" uri="{CE6537A1-D6FC-4f65-9D91-7224C49458BB}">
-                <c15:spPr xmlns:c15="http://schemas.microsoft.com/office/drawing/2012/chart">
-                  <a:prstGeom prst="wedgeRectCallout">
-                    <a:avLst/>
-                  </a:prstGeom>
-                  <a:noFill/>
-                  <a:ln>
-                    <a:noFill/>
-                  </a:ln>
-                </c15:spPr>
-                <c15:showLeaderLines val="0"/>
-              </c:ext>
-            </c:extLst>
-          </c:dLbls>
-          <c:xVal>
-            <c:numRef>
-              <c:f>'fig1'!$B$2:$B$12</c:f>
-              <c:numCache>
-                <c:formatCode>General</c:formatCode>
-                <c:ptCount val="11"/>
-                <c:pt idx="0">
-                  <c:v>368</c:v>
-                </c:pt>
-                <c:pt idx="1">
-                  <c:v>420</c:v>
-                </c:pt>
-                <c:pt idx="2">
-                  <c:v>718</c:v>
-                </c:pt>
-                <c:pt idx="3">
-                  <c:v>807</c:v>
-                </c:pt>
-                <c:pt idx="4">
-                  <c:v>916</c:v>
-                </c:pt>
-                <c:pt idx="5">
-                  <c:v>1306</c:v>
-                </c:pt>
-                <c:pt idx="6">
-                  <c:v>1581</c:v>
-                </c:pt>
-                <c:pt idx="7">
-                  <c:v>1813</c:v>
-                </c:pt>
-                <c:pt idx="8">
-                  <c:v>3210</c:v>
-                </c:pt>
-                <c:pt idx="9">
-                  <c:v>4112</c:v>
-                </c:pt>
-                <c:pt idx="10">
-                  <c:v>8319</c:v>
-                </c:pt>
-              </c:numCache>
-            </c:numRef>
-          </c:xVal>
-          <c:yVal>
-            <c:numRef>
-              <c:f>'fig1'!$C$2:$C$12</c:f>
-              <c:numCache>
-                <c:formatCode>General</c:formatCode>
-                <c:ptCount val="11"/>
-                <c:pt idx="0">
-                  <c:v>31.53</c:v>
-                </c:pt>
-                <c:pt idx="1">
-                  <c:v>32.19</c:v>
-                </c:pt>
-                <c:pt idx="2">
-                  <c:v>32.24</c:v>
-                </c:pt>
-                <c:pt idx="3">
-                  <c:v>31.36</c:v>
-                </c:pt>
-                <c:pt idx="4">
-                  <c:v>32.08</c:v>
-                </c:pt>
-                <c:pt idx="5">
-                  <c:v>32.159999999999997</c:v>
-                </c:pt>
-                <c:pt idx="6">
-                  <c:v>31.9</c:v>
-                </c:pt>
-                <c:pt idx="7">
-                  <c:v>32.19</c:v>
-                </c:pt>
-                <c:pt idx="8">
-                  <c:v>32.090000000000003</c:v>
-                </c:pt>
-                <c:pt idx="9">
-                  <c:v>32.049999999999997</c:v>
-                </c:pt>
-                <c:pt idx="10">
-                  <c:v>32.29</c:v>
-                </c:pt>
-              </c:numCache>
-            </c:numRef>
-          </c:yVal>
-          <c:bubbleSize>
-            <c:numRef>
-              <c:f>'fig1'!$D$2:$D$12</c:f>
-              <c:numCache>
-                <c:formatCode>General</c:formatCode>
-                <c:ptCount val="11"/>
-                <c:pt idx="0">
-                  <c:v>13</c:v>
-                </c:pt>
-                <c:pt idx="1">
-                  <c:v>158</c:v>
-                </c:pt>
-                <c:pt idx="2">
-                  <c:v>253</c:v>
-                </c:pt>
-                <c:pt idx="3">
-                  <c:v>60</c:v>
-                </c:pt>
-                <c:pt idx="4">
-                  <c:v>138</c:v>
-                </c:pt>
-                <c:pt idx="5">
-                  <c:v>199</c:v>
-                </c:pt>
-                <c:pt idx="6">
-                  <c:v>286</c:v>
-                </c:pt>
-                <c:pt idx="7">
-                  <c:v>150</c:v>
-                </c:pt>
-                <c:pt idx="8">
-                  <c:v>199</c:v>
-                </c:pt>
-                <c:pt idx="9">
-                  <c:v>854</c:v>
-                </c:pt>
-                <c:pt idx="10">
-                  <c:v>3032</c:v>
-                </c:pt>
-              </c:numCache>
-            </c:numRef>
-          </c:bubbleSize>
-          <c:bubble3D val="0"/>
-          <c:extLst>
-            <c:ext xmlns:c16="http://schemas.microsoft.com/office/drawing/2014/chart" uri="{C3380CC4-5D6E-409C-BE32-E72D297353CC}">
-              <c16:uniqueId val="{0000000C-002A-419B-9BC2-5A53CC7B5C5B}"/>
-            </c:ext>
-          </c:extLst>
-        </c:ser>
-        <c:dLbls>
-          <c:showLegendKey val="0"/>
-          <c:showVal val="0"/>
-          <c:showCatName val="0"/>
-          <c:showSerName val="0"/>
-          <c:showPercent val="0"/>
-          <c:showBubbleSize val="0"/>
-        </c:dLbls>
-        <c:bubbleScale val="100"/>
-        <c:showNegBubbles val="0"/>
-        <c:axId val="730769664"/>
-        <c:axId val="582904992"/>
-      </c:bubbleChart>
-      <c:valAx>
-        <c:axId val="730769664"/>
-        <c:scaling>
-          <c:logBase val="2"/>
-          <c:orientation val="minMax"/>
-          <c:max val="19200"/>
-          <c:min val="300"/>
         </c:scaling>
         <c:delete val="0"/>
         <c:axPos val="b"/>
@@ -1801,13 +941,13 @@
                 </a:pPr>
                 <a:r>
                   <a:rPr lang="en-US" sz="1600" b="1" dirty="0">
-                    <a:latin typeface="Courier New" panose="02070309020205020404" pitchFamily="49" charset="0"/>
+                    <a:latin typeface="+mn-lt"/>
                     <a:cs typeface="Courier New" panose="02070309020205020404" pitchFamily="49" charset="0"/>
                   </a:rPr>
-                  <a:t>Memory Footprint (MB)</a:t>
+                  <a:t>Memory Footprint(MB)</a:t>
                 </a:r>
                 <a:endParaRPr lang="zh-CN" sz="1600" b="1" dirty="0">
-                  <a:latin typeface="Courier New" panose="02070309020205020404" pitchFamily="49" charset="0"/>
+                  <a:latin typeface="+mn-lt"/>
                   <a:cs typeface="Courier New" panose="02070309020205020404" pitchFamily="49" charset="0"/>
                 </a:endParaRPr>
               </a:p>
@@ -1817,8 +957,8 @@
             <c:manualLayout>
               <c:xMode val="edge"/>
               <c:yMode val="edge"/>
-              <c:x val="0.53707039447603"/>
-              <c:y val="0.91407011109912628"/>
+              <c:x val="0.60023927469119309"/>
+              <c:y val="0.90628679962013292"/>
             </c:manualLayout>
           </c:layout>
           <c:overlay val="0"/>
@@ -1923,14 +1063,14 @@
                   </a:defRPr>
                 </a:pPr>
                 <a:r>
-                  <a:rPr lang="en-US" sz="1600" b="1">
-                    <a:latin typeface="Courier New" panose="02070309020205020404" pitchFamily="49" charset="0"/>
+                  <a:rPr lang="en-US" sz="1600" b="1" dirty="0">
+                    <a:latin typeface="+mn-lt"/>
                     <a:cs typeface="Courier New" panose="02070309020205020404" pitchFamily="49" charset="0"/>
                   </a:rPr>
                   <a:t>B100 PSNR (dB)</a:t>
                 </a:r>
-                <a:endParaRPr lang="zh-CN" sz="1600" b="1">
-                  <a:latin typeface="Courier New" panose="02070309020205020404" pitchFamily="49" charset="0"/>
+                <a:endParaRPr lang="zh-CN" sz="1600" b="1" dirty="0">
+                  <a:latin typeface="+mn-lt"/>
                   <a:cs typeface="Courier New" panose="02070309020205020404" pitchFamily="49" charset="0"/>
                 </a:endParaRPr>
               </a:p>
@@ -2040,46 +1180,6 @@
 </file>
 
 <file path=ppt/charts/colors1.xml><?xml version="1.0" encoding="utf-8"?>
-<cs:colorStyle xmlns:cs="http://schemas.microsoft.com/office/drawing/2012/chartStyle" xmlns:a="http://schemas.openxmlformats.org/drawingml/2006/main" meth="cycle" id="10">
-  <a:schemeClr val="accent1"/>
-  <a:schemeClr val="accent2"/>
-  <a:schemeClr val="accent3"/>
-  <a:schemeClr val="accent4"/>
-  <a:schemeClr val="accent5"/>
-  <a:schemeClr val="accent6"/>
-  <cs:variation/>
-  <cs:variation>
-    <a:lumMod val="60000"/>
-  </cs:variation>
-  <cs:variation>
-    <a:lumMod val="80000"/>
-    <a:lumOff val="20000"/>
-  </cs:variation>
-  <cs:variation>
-    <a:lumMod val="80000"/>
-  </cs:variation>
-  <cs:variation>
-    <a:lumMod val="60000"/>
-    <a:lumOff val="40000"/>
-  </cs:variation>
-  <cs:variation>
-    <a:lumMod val="50000"/>
-  </cs:variation>
-  <cs:variation>
-    <a:lumMod val="70000"/>
-    <a:lumOff val="30000"/>
-  </cs:variation>
-  <cs:variation>
-    <a:lumMod val="70000"/>
-  </cs:variation>
-  <cs:variation>
-    <a:lumMod val="50000"/>
-    <a:lumOff val="50000"/>
-  </cs:variation>
-</cs:colorStyle>
-</file>
-
-<file path=ppt/charts/colors2.xml><?xml version="1.0" encoding="utf-8"?>
 <cs:colorStyle xmlns:cs="http://schemas.microsoft.com/office/drawing/2012/chartStyle" xmlns:a="http://schemas.openxmlformats.org/drawingml/2006/main" meth="cycle" id="10">
   <a:schemeClr val="accent1"/>
   <a:schemeClr val="accent2"/>
@@ -2654,541 +1754,6 @@
 </cs:chartStyle>
 </file>
 
-<file path=ppt/charts/style2.xml><?xml version="1.0" encoding="utf-8"?>
-<cs:chartStyle xmlns:cs="http://schemas.microsoft.com/office/drawing/2012/chartStyle" xmlns:a="http://schemas.openxmlformats.org/drawingml/2006/main" id="269">
-  <cs:axisTitle>
-    <cs:lnRef idx="0"/>
-    <cs:fillRef idx="0"/>
-    <cs:effectRef idx="0"/>
-    <cs:fontRef idx="minor">
-      <a:schemeClr val="tx1">
-        <a:lumMod val="65000"/>
-        <a:lumOff val="35000"/>
-      </a:schemeClr>
-    </cs:fontRef>
-    <cs:defRPr sz="1000" kern="1200"/>
-  </cs:axisTitle>
-  <cs:categoryAxis>
-    <cs:lnRef idx="0"/>
-    <cs:fillRef idx="0"/>
-    <cs:effectRef idx="0"/>
-    <cs:fontRef idx="minor">
-      <a:schemeClr val="tx1">
-        <a:lumMod val="65000"/>
-        <a:lumOff val="35000"/>
-      </a:schemeClr>
-    </cs:fontRef>
-    <cs:spPr>
-      <a:ln w="9525" cap="flat" cmpd="sng" algn="ctr">
-        <a:solidFill>
-          <a:schemeClr val="tx1">
-            <a:lumMod val="25000"/>
-            <a:lumOff val="75000"/>
-          </a:schemeClr>
-        </a:solidFill>
-        <a:round/>
-      </a:ln>
-    </cs:spPr>
-    <cs:defRPr sz="900" kern="1200"/>
-  </cs:categoryAxis>
-  <cs:chartArea mods="allowNoFillOverride allowNoLineOverride">
-    <cs:lnRef idx="0"/>
-    <cs:fillRef idx="0"/>
-    <cs:effectRef idx="0"/>
-    <cs:fontRef idx="minor">
-      <a:schemeClr val="tx1"/>
-    </cs:fontRef>
-    <cs:spPr>
-      <a:solidFill>
-        <a:schemeClr val="bg1"/>
-      </a:solidFill>
-      <a:ln w="9525" cap="flat" cmpd="sng" algn="ctr">
-        <a:solidFill>
-          <a:schemeClr val="tx1">
-            <a:lumMod val="15000"/>
-            <a:lumOff val="85000"/>
-          </a:schemeClr>
-        </a:solidFill>
-        <a:round/>
-      </a:ln>
-    </cs:spPr>
-    <cs:defRPr sz="1000" kern="1200"/>
-  </cs:chartArea>
-  <cs:dataLabel>
-    <cs:lnRef idx="0"/>
-    <cs:fillRef idx="0"/>
-    <cs:effectRef idx="0"/>
-    <cs:fontRef idx="minor">
-      <a:schemeClr val="tx1">
-        <a:lumMod val="75000"/>
-        <a:lumOff val="25000"/>
-      </a:schemeClr>
-    </cs:fontRef>
-    <cs:defRPr sz="900" kern="1200"/>
-  </cs:dataLabel>
-  <cs:dataLabelCallout>
-    <cs:lnRef idx="0"/>
-    <cs:fillRef idx="0"/>
-    <cs:effectRef idx="0"/>
-    <cs:fontRef idx="minor">
-      <a:schemeClr val="dk1">
-        <a:lumMod val="65000"/>
-        <a:lumOff val="35000"/>
-      </a:schemeClr>
-    </cs:fontRef>
-    <cs:spPr>
-      <a:solidFill>
-        <a:schemeClr val="lt1"/>
-      </a:solidFill>
-      <a:ln>
-        <a:solidFill>
-          <a:schemeClr val="dk1">
-            <a:lumMod val="25000"/>
-            <a:lumOff val="75000"/>
-          </a:schemeClr>
-        </a:solidFill>
-      </a:ln>
-    </cs:spPr>
-    <cs:defRPr sz="900" kern="1200"/>
-    <cs:bodyPr rot="0" spcFirstLastPara="1" vertOverflow="clip" horzOverflow="clip" vert="horz" wrap="square" lIns="36576" tIns="18288" rIns="36576" bIns="18288" anchor="ctr" anchorCtr="1">
-      <a:spAutoFit/>
-    </cs:bodyPr>
-  </cs:dataLabelCallout>
-  <cs:dataPoint>
-    <cs:lnRef idx="0"/>
-    <cs:fillRef idx="1">
-      <cs:styleClr val="auto"/>
-    </cs:fillRef>
-    <cs:effectRef idx="0"/>
-    <cs:fontRef idx="minor">
-      <a:schemeClr val="tx1"/>
-    </cs:fontRef>
-    <cs:spPr>
-      <a:solidFill>
-        <a:schemeClr val="phClr">
-          <a:alpha val="75000"/>
-        </a:schemeClr>
-      </a:solidFill>
-    </cs:spPr>
-  </cs:dataPoint>
-  <cs:dataPoint3D>
-    <cs:lnRef idx="0"/>
-    <cs:fillRef idx="1">
-      <cs:styleClr val="auto"/>
-    </cs:fillRef>
-    <cs:effectRef idx="0"/>
-    <cs:fontRef idx="minor">
-      <a:schemeClr val="tx1"/>
-    </cs:fontRef>
-    <cs:spPr>
-      <a:solidFill>
-        <a:schemeClr val="phClr">
-          <a:alpha val="75000"/>
-        </a:schemeClr>
-      </a:solidFill>
-    </cs:spPr>
-  </cs:dataPoint3D>
-  <cs:dataPointLine>
-    <cs:lnRef idx="0">
-      <cs:styleClr val="auto"/>
-    </cs:lnRef>
-    <cs:fillRef idx="1"/>
-    <cs:effectRef idx="0"/>
-    <cs:fontRef idx="minor">
-      <a:schemeClr val="tx1"/>
-    </cs:fontRef>
-    <cs:spPr>
-      <a:ln w="19050" cap="rnd">
-        <a:solidFill>
-          <a:schemeClr val="phClr">
-            <a:alpha val="50000"/>
-          </a:schemeClr>
-        </a:solidFill>
-        <a:round/>
-      </a:ln>
-    </cs:spPr>
-  </cs:dataPointLine>
-  <cs:dataPointMarker>
-    <cs:lnRef idx="0">
-      <cs:styleClr val="auto"/>
-    </cs:lnRef>
-    <cs:fillRef idx="1">
-      <cs:styleClr val="auto"/>
-    </cs:fillRef>
-    <cs:effectRef idx="0"/>
-    <cs:fontRef idx="minor">
-      <a:schemeClr val="tx1"/>
-    </cs:fontRef>
-    <cs:spPr>
-      <a:solidFill>
-        <a:schemeClr val="phClr"/>
-      </a:solidFill>
-      <a:ln w="9525">
-        <a:solidFill>
-          <a:schemeClr val="phClr"/>
-        </a:solidFill>
-      </a:ln>
-    </cs:spPr>
-  </cs:dataPointMarker>
-  <cs:dataPointMarkerLayout symbol="circle" size="5"/>
-  <cs:dataPointWireframe>
-    <cs:lnRef idx="0">
-      <cs:styleClr val="auto"/>
-    </cs:lnRef>
-    <cs:fillRef idx="0"/>
-    <cs:effectRef idx="0"/>
-    <cs:fontRef idx="minor">
-      <a:schemeClr val="dk1"/>
-    </cs:fontRef>
-    <cs:spPr>
-      <a:ln w="9525" cap="rnd">
-        <a:solidFill>
-          <a:schemeClr val="phClr"/>
-        </a:solidFill>
-        <a:round/>
-      </a:ln>
-    </cs:spPr>
-  </cs:dataPointWireframe>
-  <cs:dataTable>
-    <cs:lnRef idx="0"/>
-    <cs:fillRef idx="0"/>
-    <cs:effectRef idx="0"/>
-    <cs:fontRef idx="minor">
-      <a:schemeClr val="tx1">
-        <a:lumMod val="65000"/>
-        <a:lumOff val="35000"/>
-      </a:schemeClr>
-    </cs:fontRef>
-    <cs:spPr>
-      <a:noFill/>
-      <a:ln w="9525" cap="flat" cmpd="sng" algn="ctr">
-        <a:solidFill>
-          <a:schemeClr val="tx1">
-            <a:lumMod val="15000"/>
-            <a:lumOff val="85000"/>
-          </a:schemeClr>
-        </a:solidFill>
-        <a:round/>
-      </a:ln>
-    </cs:spPr>
-    <cs:defRPr sz="900" kern="1200"/>
-  </cs:dataTable>
-  <cs:downBar>
-    <cs:lnRef idx="0"/>
-    <cs:fillRef idx="0"/>
-    <cs:effectRef idx="0"/>
-    <cs:fontRef idx="minor">
-      <a:schemeClr val="tx1"/>
-    </cs:fontRef>
-    <cs:spPr>
-      <a:solidFill>
-        <a:schemeClr val="dk1">
-          <a:lumMod val="75000"/>
-          <a:lumOff val="25000"/>
-        </a:schemeClr>
-      </a:solidFill>
-      <a:ln w="9525" cap="flat" cmpd="sng" algn="ctr">
-        <a:solidFill>
-          <a:schemeClr val="tx1">
-            <a:lumMod val="65000"/>
-            <a:lumOff val="35000"/>
-          </a:schemeClr>
-        </a:solidFill>
-        <a:round/>
-      </a:ln>
-    </cs:spPr>
-  </cs:downBar>
-  <cs:dropLine>
-    <cs:lnRef idx="0"/>
-    <cs:fillRef idx="0"/>
-    <cs:effectRef idx="0"/>
-    <cs:fontRef idx="minor">
-      <a:schemeClr val="tx1"/>
-    </cs:fontRef>
-    <cs:spPr>
-      <a:ln w="9525" cap="flat" cmpd="sng" algn="ctr">
-        <a:solidFill>
-          <a:schemeClr val="tx1">
-            <a:lumMod val="35000"/>
-            <a:lumOff val="65000"/>
-          </a:schemeClr>
-        </a:solidFill>
-        <a:round/>
-      </a:ln>
-    </cs:spPr>
-  </cs:dropLine>
-  <cs:errorBar>
-    <cs:lnRef idx="0"/>
-    <cs:fillRef idx="0"/>
-    <cs:effectRef idx="0"/>
-    <cs:fontRef idx="minor">
-      <a:schemeClr val="tx1"/>
-    </cs:fontRef>
-    <cs:spPr>
-      <a:ln w="9525" cap="flat" cmpd="sng" algn="ctr">
-        <a:solidFill>
-          <a:schemeClr val="tx1">
-            <a:lumMod val="65000"/>
-            <a:lumOff val="35000"/>
-          </a:schemeClr>
-        </a:solidFill>
-        <a:round/>
-      </a:ln>
-    </cs:spPr>
-  </cs:errorBar>
-  <cs:floor>
-    <cs:lnRef idx="0"/>
-    <cs:fillRef idx="0"/>
-    <cs:effectRef idx="0"/>
-    <cs:fontRef idx="minor">
-      <a:schemeClr val="tx1"/>
-    </cs:fontRef>
-    <cs:spPr>
-      <a:noFill/>
-      <a:ln>
-        <a:noFill/>
-      </a:ln>
-    </cs:spPr>
-  </cs:floor>
-  <cs:gridlineMajor>
-    <cs:lnRef idx="0"/>
-    <cs:fillRef idx="0"/>
-    <cs:effectRef idx="0"/>
-    <cs:fontRef idx="minor">
-      <a:schemeClr val="tx1"/>
-    </cs:fontRef>
-    <cs:spPr>
-      <a:ln w="9525" cap="flat" cmpd="sng" algn="ctr">
-        <a:solidFill>
-          <a:schemeClr val="tx1">
-            <a:lumMod val="15000"/>
-            <a:lumOff val="85000"/>
-          </a:schemeClr>
-        </a:solidFill>
-        <a:round/>
-      </a:ln>
-    </cs:spPr>
-  </cs:gridlineMajor>
-  <cs:gridlineMinor>
-    <cs:lnRef idx="0"/>
-    <cs:fillRef idx="0"/>
-    <cs:effectRef idx="0"/>
-    <cs:fontRef idx="minor">
-      <a:schemeClr val="tx1"/>
-    </cs:fontRef>
-    <cs:spPr>
-      <a:ln w="9525" cap="flat" cmpd="sng" algn="ctr">
-        <a:solidFill>
-          <a:schemeClr val="tx1">
-            <a:lumMod val="5000"/>
-            <a:lumOff val="95000"/>
-          </a:schemeClr>
-        </a:solidFill>
-        <a:round/>
-      </a:ln>
-    </cs:spPr>
-  </cs:gridlineMinor>
-  <cs:hiLoLine>
-    <cs:lnRef idx="0"/>
-    <cs:fillRef idx="0"/>
-    <cs:effectRef idx="0"/>
-    <cs:fontRef idx="minor">
-      <a:schemeClr val="tx1"/>
-    </cs:fontRef>
-    <cs:spPr>
-      <a:ln w="9525" cap="flat" cmpd="sng" algn="ctr">
-        <a:solidFill>
-          <a:schemeClr val="tx1">
-            <a:lumMod val="50000"/>
-            <a:lumOff val="50000"/>
-          </a:schemeClr>
-        </a:solidFill>
-        <a:round/>
-      </a:ln>
-    </cs:spPr>
-  </cs:hiLoLine>
-  <cs:leaderLine>
-    <cs:lnRef idx="0"/>
-    <cs:fillRef idx="0"/>
-    <cs:effectRef idx="0"/>
-    <cs:fontRef idx="minor">
-      <a:schemeClr val="tx1"/>
-    </cs:fontRef>
-    <cs:spPr>
-      <a:ln w="9525" cap="flat" cmpd="sng" algn="ctr">
-        <a:solidFill>
-          <a:schemeClr val="tx1">
-            <a:lumMod val="35000"/>
-            <a:lumOff val="65000"/>
-          </a:schemeClr>
-        </a:solidFill>
-        <a:round/>
-      </a:ln>
-    </cs:spPr>
-  </cs:leaderLine>
-  <cs:legend>
-    <cs:lnRef idx="0"/>
-    <cs:fillRef idx="0"/>
-    <cs:effectRef idx="0"/>
-    <cs:fontRef idx="minor">
-      <a:schemeClr val="tx1">
-        <a:lumMod val="65000"/>
-        <a:lumOff val="35000"/>
-      </a:schemeClr>
-    </cs:fontRef>
-    <cs:defRPr sz="900" kern="1200"/>
-  </cs:legend>
-  <cs:plotArea mods="allowNoFillOverride allowNoLineOverride">
-    <cs:lnRef idx="0"/>
-    <cs:fillRef idx="0"/>
-    <cs:effectRef idx="0"/>
-    <cs:fontRef idx="minor">
-      <a:schemeClr val="tx1"/>
-    </cs:fontRef>
-  </cs:plotArea>
-  <cs:plotArea3D mods="allowNoFillOverride allowNoLineOverride">
-    <cs:lnRef idx="0"/>
-    <cs:fillRef idx="0"/>
-    <cs:effectRef idx="0"/>
-    <cs:fontRef idx="minor">
-      <a:schemeClr val="tx1"/>
-    </cs:fontRef>
-  </cs:plotArea3D>
-  <cs:seriesAxis>
-    <cs:lnRef idx="0"/>
-    <cs:fillRef idx="0"/>
-    <cs:effectRef idx="0"/>
-    <cs:fontRef idx="minor">
-      <a:schemeClr val="tx1">
-        <a:lumMod val="65000"/>
-        <a:lumOff val="35000"/>
-      </a:schemeClr>
-    </cs:fontRef>
-    <cs:defRPr sz="900" kern="1200"/>
-  </cs:seriesAxis>
-  <cs:seriesLine>
-    <cs:lnRef idx="0"/>
-    <cs:fillRef idx="0"/>
-    <cs:effectRef idx="0"/>
-    <cs:fontRef idx="minor">
-      <a:schemeClr val="tx1"/>
-    </cs:fontRef>
-    <cs:spPr>
-      <a:ln w="9525" cap="flat" cmpd="sng" algn="ctr">
-        <a:solidFill>
-          <a:schemeClr val="tx1">
-            <a:lumMod val="35000"/>
-            <a:lumOff val="65000"/>
-          </a:schemeClr>
-        </a:solidFill>
-        <a:round/>
-      </a:ln>
-    </cs:spPr>
-  </cs:seriesLine>
-  <cs:title>
-    <cs:lnRef idx="0"/>
-    <cs:fillRef idx="0"/>
-    <cs:effectRef idx="0"/>
-    <cs:fontRef idx="minor">
-      <a:schemeClr val="tx1">
-        <a:lumMod val="65000"/>
-        <a:lumOff val="35000"/>
-      </a:schemeClr>
-    </cs:fontRef>
-    <cs:defRPr sz="1400" b="0" kern="1200" spc="0" baseline="0"/>
-  </cs:title>
-  <cs:trendline>
-    <cs:lnRef idx="0">
-      <cs:styleClr val="auto"/>
-    </cs:lnRef>
-    <cs:fillRef idx="0"/>
-    <cs:effectRef idx="0"/>
-    <cs:fontRef idx="minor">
-      <a:schemeClr val="tx1"/>
-    </cs:fontRef>
-    <cs:spPr>
-      <a:ln w="19050" cap="rnd">
-        <a:solidFill>
-          <a:schemeClr val="phClr"/>
-        </a:solidFill>
-        <a:prstDash val="sysDot"/>
-      </a:ln>
-    </cs:spPr>
-  </cs:trendline>
-  <cs:trendlineLabel>
-    <cs:lnRef idx="0"/>
-    <cs:fillRef idx="0"/>
-    <cs:effectRef idx="0"/>
-    <cs:fontRef idx="minor">
-      <a:schemeClr val="tx1">
-        <a:lumMod val="65000"/>
-        <a:lumOff val="35000"/>
-      </a:schemeClr>
-    </cs:fontRef>
-    <cs:defRPr sz="900" kern="1200"/>
-  </cs:trendlineLabel>
-  <cs:upBar>
-    <cs:lnRef idx="0"/>
-    <cs:fillRef idx="0"/>
-    <cs:effectRef idx="0"/>
-    <cs:fontRef idx="minor">
-      <a:schemeClr val="tx1"/>
-    </cs:fontRef>
-    <cs:spPr>
-      <a:solidFill>
-        <a:schemeClr val="lt1"/>
-      </a:solidFill>
-      <a:ln w="9525" cap="flat" cmpd="sng" algn="ctr">
-        <a:solidFill>
-          <a:schemeClr val="tx1">
-            <a:lumMod val="65000"/>
-            <a:lumOff val="35000"/>
-          </a:schemeClr>
-        </a:solidFill>
-        <a:round/>
-      </a:ln>
-    </cs:spPr>
-  </cs:upBar>
-  <cs:valueAxis>
-    <cs:lnRef idx="0"/>
-    <cs:fillRef idx="0"/>
-    <cs:effectRef idx="0"/>
-    <cs:fontRef idx="minor">
-      <a:schemeClr val="tx1">
-        <a:lumMod val="65000"/>
-        <a:lumOff val="35000"/>
-      </a:schemeClr>
-    </cs:fontRef>
-    <cs:spPr>
-      <a:ln w="9525" cap="flat" cmpd="sng" algn="ctr">
-        <a:solidFill>
-          <a:schemeClr val="tx1">
-            <a:lumMod val="25000"/>
-            <a:lumOff val="75000"/>
-          </a:schemeClr>
-        </a:solidFill>
-        <a:round/>
-      </a:ln>
-    </cs:spPr>
-    <cs:defRPr sz="900" kern="1200"/>
-  </cs:valueAxis>
-  <cs:wall>
-    <cs:lnRef idx="0"/>
-    <cs:fillRef idx="0"/>
-    <cs:effectRef idx="0"/>
-    <cs:fontRef idx="minor">
-      <a:schemeClr val="tx1"/>
-    </cs:fontRef>
-    <cs:spPr>
-      <a:noFill/>
-      <a:ln>
-        <a:noFill/>
-      </a:ln>
-    </cs:spPr>
-  </cs:wall>
-</cs:chartStyle>
-</file>
-
 <file path=ppt/slideLayouts/slideLayout1.xml><?xml version="1.0" encoding="utf-8"?>
 <p:sldLayout xmlns:a="http://schemas.openxmlformats.org/drawingml/2006/main" xmlns:r="http://schemas.openxmlformats.org/officeDocument/2006/relationships" xmlns:p="http://schemas.openxmlformats.org/presentationml/2006/main" type="title" preserve="1">
   <p:cSld name="标题幻灯片">
@@ -3336,7 +1901,7 @@
           <a:p>
             <a:fld id="{FBD4E4AC-0B2C-4D32-8176-0AA5A6A8608B}" type="datetimeFigureOut">
               <a:rPr lang="zh-CN" altLang="en-US" smtClean="0"/>
-              <a:t>2021/11/13</a:t>
+              <a:t>2022/1/25</a:t>
             </a:fld>
             <a:endParaRPr lang="zh-CN" altLang="en-US"/>
           </a:p>
@@ -3534,7 +2099,7 @@
           <a:p>
             <a:fld id="{FBD4E4AC-0B2C-4D32-8176-0AA5A6A8608B}" type="datetimeFigureOut">
               <a:rPr lang="zh-CN" altLang="en-US" smtClean="0"/>
-              <a:t>2021/11/13</a:t>
+              <a:t>2022/1/25</a:t>
             </a:fld>
             <a:endParaRPr lang="zh-CN" altLang="en-US"/>
           </a:p>
@@ -3742,7 +2307,7 @@
           <a:p>
             <a:fld id="{FBD4E4AC-0B2C-4D32-8176-0AA5A6A8608B}" type="datetimeFigureOut">
               <a:rPr lang="zh-CN" altLang="en-US" smtClean="0"/>
-              <a:t>2021/11/13</a:t>
+              <a:t>2022/1/25</a:t>
             </a:fld>
             <a:endParaRPr lang="zh-CN" altLang="en-US"/>
           </a:p>
@@ -3940,7 +2505,7 @@
           <a:p>
             <a:fld id="{FBD4E4AC-0B2C-4D32-8176-0AA5A6A8608B}" type="datetimeFigureOut">
               <a:rPr lang="zh-CN" altLang="en-US" smtClean="0"/>
-              <a:t>2021/11/13</a:t>
+              <a:t>2022/1/25</a:t>
             </a:fld>
             <a:endParaRPr lang="zh-CN" altLang="en-US"/>
           </a:p>
@@ -4215,7 +2780,7 @@
           <a:p>
             <a:fld id="{FBD4E4AC-0B2C-4D32-8176-0AA5A6A8608B}" type="datetimeFigureOut">
               <a:rPr lang="zh-CN" altLang="en-US" smtClean="0"/>
-              <a:t>2021/11/13</a:t>
+              <a:t>2022/1/25</a:t>
             </a:fld>
             <a:endParaRPr lang="zh-CN" altLang="en-US"/>
           </a:p>
@@ -4480,7 +3045,7 @@
           <a:p>
             <a:fld id="{FBD4E4AC-0B2C-4D32-8176-0AA5A6A8608B}" type="datetimeFigureOut">
               <a:rPr lang="zh-CN" altLang="en-US" smtClean="0"/>
-              <a:t>2021/11/13</a:t>
+              <a:t>2022/1/25</a:t>
             </a:fld>
             <a:endParaRPr lang="zh-CN" altLang="en-US"/>
           </a:p>
@@ -4892,7 +3457,7 @@
           <a:p>
             <a:fld id="{FBD4E4AC-0B2C-4D32-8176-0AA5A6A8608B}" type="datetimeFigureOut">
               <a:rPr lang="zh-CN" altLang="en-US" smtClean="0"/>
-              <a:t>2021/11/13</a:t>
+              <a:t>2022/1/25</a:t>
             </a:fld>
             <a:endParaRPr lang="zh-CN" altLang="en-US"/>
           </a:p>
@@ -5033,7 +3598,7 @@
           <a:p>
             <a:fld id="{FBD4E4AC-0B2C-4D32-8176-0AA5A6A8608B}" type="datetimeFigureOut">
               <a:rPr lang="zh-CN" altLang="en-US" smtClean="0"/>
-              <a:t>2021/11/13</a:t>
+              <a:t>2022/1/25</a:t>
             </a:fld>
             <a:endParaRPr lang="zh-CN" altLang="en-US"/>
           </a:p>
@@ -5146,7 +3711,7 @@
           <a:p>
             <a:fld id="{FBD4E4AC-0B2C-4D32-8176-0AA5A6A8608B}" type="datetimeFigureOut">
               <a:rPr lang="zh-CN" altLang="en-US" smtClean="0"/>
-              <a:t>2021/11/13</a:t>
+              <a:t>2022/1/25</a:t>
             </a:fld>
             <a:endParaRPr lang="zh-CN" altLang="en-US"/>
           </a:p>
@@ -5457,7 +4022,7 @@
           <a:p>
             <a:fld id="{FBD4E4AC-0B2C-4D32-8176-0AA5A6A8608B}" type="datetimeFigureOut">
               <a:rPr lang="zh-CN" altLang="en-US" smtClean="0"/>
-              <a:t>2021/11/13</a:t>
+              <a:t>2022/1/25</a:t>
             </a:fld>
             <a:endParaRPr lang="zh-CN" altLang="en-US"/>
           </a:p>
@@ -5745,7 +4310,7 @@
           <a:p>
             <a:fld id="{FBD4E4AC-0B2C-4D32-8176-0AA5A6A8608B}" type="datetimeFigureOut">
               <a:rPr lang="zh-CN" altLang="en-US" smtClean="0"/>
-              <a:t>2021/11/13</a:t>
+              <a:t>2022/1/25</a:t>
             </a:fld>
             <a:endParaRPr lang="zh-CN" altLang="en-US"/>
           </a:p>
@@ -5986,7 +4551,7 @@
           <a:p>
             <a:fld id="{FBD4E4AC-0B2C-4D32-8176-0AA5A6A8608B}" type="datetimeFigureOut">
               <a:rPr lang="zh-CN" altLang="en-US" smtClean="0"/>
-              <a:t>2021/11/13</a:t>
+              <a:t>2022/1/25</a:t>
             </a:fld>
             <a:endParaRPr lang="zh-CN" altLang="en-US"/>
           </a:p>
@@ -6403,6 +4968,36 @@
           <a:chExt cx="0" cy="0"/>
         </a:xfrm>
       </p:grpSpPr>
+      <p:graphicFrame>
+        <p:nvGraphicFramePr>
+          <p:cNvPr id="11" name="图表 10">
+            <a:extLst>
+              <a:ext uri="{FF2B5EF4-FFF2-40B4-BE49-F238E27FC236}">
+                <a16:creationId xmlns:a16="http://schemas.microsoft.com/office/drawing/2014/main" id="{3AA12B70-5221-4239-82A0-001F896CF190}"/>
+              </a:ext>
+            </a:extLst>
+          </p:cNvPr>
+          <p:cNvGraphicFramePr>
+            <a:graphicFrameLocks/>
+          </p:cNvGraphicFramePr>
+          <p:nvPr>
+            <p:extLst>
+              <p:ext uri="{D42A27DB-BD31-4B8C-83A1-F6EECF244321}">
+                <p14:modId xmlns:p14="http://schemas.microsoft.com/office/powerpoint/2010/main" val="1895804477"/>
+              </p:ext>
+            </p:extLst>
+          </p:nvPr>
+        </p:nvGraphicFramePr>
+        <p:xfrm>
+          <a:off x="722935" y="32500"/>
+          <a:ext cx="6081713" cy="3343275"/>
+        </p:xfrm>
+        <a:graphic>
+          <a:graphicData uri="http://schemas.openxmlformats.org/drawingml/2006/chart">
+            <c:chart xmlns:c="http://schemas.openxmlformats.org/drawingml/2006/chart" xmlns:r="http://schemas.openxmlformats.org/officeDocument/2006/relationships" r:id="rId2"/>
+          </a:graphicData>
+        </a:graphic>
+      </p:graphicFrame>
       <p:grpSp>
         <p:nvGrpSpPr>
           <p:cNvPr id="10" name="组合 9">
@@ -6417,7 +5012,7 @@
         </p:nvGrpSpPr>
         <p:grpSpPr>
           <a:xfrm>
-            <a:off x="1343707" y="3058762"/>
+            <a:off x="1537670" y="3063920"/>
             <a:ext cx="2779318" cy="311855"/>
             <a:chOff x="3477265" y="3504863"/>
             <a:chExt cx="2779318" cy="311855"/>
@@ -6700,397 +5295,10 @@
           </p:txBody>
         </p:sp>
       </p:grpSp>
-      <p:graphicFrame>
-        <p:nvGraphicFramePr>
-          <p:cNvPr id="12" name="图表 11">
-            <a:extLst>
-              <a:ext uri="{FF2B5EF4-FFF2-40B4-BE49-F238E27FC236}">
-                <a16:creationId xmlns:a16="http://schemas.microsoft.com/office/drawing/2014/main" id="{3AA12B70-5221-4239-82A0-001F896CF190}"/>
-              </a:ext>
-            </a:extLst>
-          </p:cNvPr>
-          <p:cNvGraphicFramePr>
-            <a:graphicFrameLocks/>
-          </p:cNvGraphicFramePr>
-          <p:nvPr>
-            <p:extLst>
-              <p:ext uri="{D42A27DB-BD31-4B8C-83A1-F6EECF244321}">
-                <p14:modId xmlns:p14="http://schemas.microsoft.com/office/powerpoint/2010/main" val="3740828840"/>
-              </p:ext>
-            </p:extLst>
-          </p:nvPr>
-        </p:nvGraphicFramePr>
-        <p:xfrm>
-          <a:off x="313939" y="0"/>
-          <a:ext cx="6081713" cy="3476625"/>
-        </p:xfrm>
-        <a:graphic>
-          <a:graphicData uri="http://schemas.openxmlformats.org/drawingml/2006/chart">
-            <c:chart xmlns:c="http://schemas.openxmlformats.org/drawingml/2006/chart" xmlns:r="http://schemas.openxmlformats.org/officeDocument/2006/relationships" r:id="rId2"/>
-          </a:graphicData>
-        </a:graphic>
-      </p:graphicFrame>
     </p:spTree>
     <p:extLst>
       <p:ext uri="{BB962C8B-B14F-4D97-AF65-F5344CB8AC3E}">
         <p14:creationId xmlns:p14="http://schemas.microsoft.com/office/powerpoint/2010/main" val="2092343992"/>
-      </p:ext>
-    </p:extLst>
-  </p:cSld>
-  <p:clrMapOvr>
-    <a:masterClrMapping/>
-  </p:clrMapOvr>
-</p:sld>
-</file>
-
-<file path=ppt/slides/slide2.xml><?xml version="1.0" encoding="utf-8"?>
-<p:sld xmlns:a="http://schemas.openxmlformats.org/drawingml/2006/main" xmlns:r="http://schemas.openxmlformats.org/officeDocument/2006/relationships" xmlns:p="http://schemas.openxmlformats.org/presentationml/2006/main">
-  <p:cSld>
-    <p:spTree>
-      <p:nvGrpSpPr>
-        <p:cNvPr id="1" name=""/>
-        <p:cNvGrpSpPr/>
-        <p:nvPr/>
-      </p:nvGrpSpPr>
-      <p:grpSpPr>
-        <a:xfrm>
-          <a:off x="0" y="0"/>
-          <a:ext cx="0" cy="0"/>
-          <a:chOff x="0" y="0"/>
-          <a:chExt cx="0" cy="0"/>
-        </a:xfrm>
-      </p:grpSpPr>
-      <p:graphicFrame>
-        <p:nvGraphicFramePr>
-          <p:cNvPr id="4" name="图表 3">
-            <a:extLst>
-              <a:ext uri="{FF2B5EF4-FFF2-40B4-BE49-F238E27FC236}">
-                <a16:creationId xmlns:a16="http://schemas.microsoft.com/office/drawing/2014/main" id="{3AA12B70-5221-4239-82A0-001F896CF190}"/>
-              </a:ext>
-            </a:extLst>
-          </p:cNvPr>
-          <p:cNvGraphicFramePr>
-            <a:graphicFrameLocks/>
-          </p:cNvGraphicFramePr>
-          <p:nvPr>
-            <p:extLst>
-              <p:ext uri="{D42A27DB-BD31-4B8C-83A1-F6EECF244321}">
-                <p14:modId xmlns:p14="http://schemas.microsoft.com/office/powerpoint/2010/main" val="330195274"/>
-              </p:ext>
-            </p:extLst>
-          </p:nvPr>
-        </p:nvGraphicFramePr>
-        <p:xfrm>
-          <a:off x="846898" y="253773"/>
-          <a:ext cx="6081713" cy="3476625"/>
-        </p:xfrm>
-        <a:graphic>
-          <a:graphicData uri="http://schemas.openxmlformats.org/drawingml/2006/chart">
-            <c:chart xmlns:c="http://schemas.openxmlformats.org/drawingml/2006/chart" xmlns:r="http://schemas.openxmlformats.org/officeDocument/2006/relationships" r:id="rId2"/>
-          </a:graphicData>
-        </a:graphic>
-      </p:graphicFrame>
-      <p:grpSp>
-        <p:nvGrpSpPr>
-          <p:cNvPr id="5" name="组合 4">
-            <a:extLst>
-              <a:ext uri="{FF2B5EF4-FFF2-40B4-BE49-F238E27FC236}">
-                <a16:creationId xmlns:a16="http://schemas.microsoft.com/office/drawing/2014/main" id="{B0D5D77E-142C-4DB8-A1F6-E5D77937A844}"/>
-              </a:ext>
-            </a:extLst>
-          </p:cNvPr>
-          <p:cNvGrpSpPr/>
-          <p:nvPr/>
-        </p:nvGrpSpPr>
-        <p:grpSpPr>
-          <a:xfrm>
-            <a:off x="1325046" y="3418543"/>
-            <a:ext cx="2779318" cy="311855"/>
-            <a:chOff x="3477265" y="3504863"/>
-            <a:chExt cx="2779318" cy="311855"/>
-          </a:xfrm>
-        </p:grpSpPr>
-        <p:sp>
-          <p:nvSpPr>
-            <p:cNvPr id="6" name="椭圆 5">
-              <a:extLst>
-                <a:ext uri="{FF2B5EF4-FFF2-40B4-BE49-F238E27FC236}">
-                  <a16:creationId xmlns:a16="http://schemas.microsoft.com/office/drawing/2014/main" id="{366CC7A7-2DF8-4631-86FF-9E752EFAC9A3}"/>
-                </a:ext>
-              </a:extLst>
-            </p:cNvPr>
-            <p:cNvSpPr/>
-            <p:nvPr/>
-          </p:nvSpPr>
-          <p:spPr>
-            <a:xfrm>
-              <a:off x="4275781" y="3585013"/>
-              <a:ext cx="155527" cy="155527"/>
-            </a:xfrm>
-            <a:prstGeom prst="ellipse">
-              <a:avLst/>
-            </a:prstGeom>
-            <a:solidFill>
-              <a:srgbClr val="7395D3"/>
-            </a:solidFill>
-            <a:ln>
-              <a:noFill/>
-            </a:ln>
-          </p:spPr>
-          <p:style>
-            <a:lnRef idx="2">
-              <a:schemeClr val="accent1">
-                <a:shade val="50000"/>
-              </a:schemeClr>
-            </a:lnRef>
-            <a:fillRef idx="1">
-              <a:schemeClr val="accent1"/>
-            </a:fillRef>
-            <a:effectRef idx="0">
-              <a:schemeClr val="accent1"/>
-            </a:effectRef>
-            <a:fontRef idx="minor">
-              <a:schemeClr val="lt1"/>
-            </a:fontRef>
-          </p:style>
-          <p:txBody>
-            <a:bodyPr rtlCol="0" anchor="ctr"/>
-            <a:lstStyle/>
-            <a:p>
-              <a:pPr algn="ctr"/>
-              <a:endParaRPr lang="zh-CN" altLang="en-US" b="1">
-                <a:solidFill>
-                  <a:schemeClr val="tx1"/>
-                </a:solidFill>
-              </a:endParaRPr>
-            </a:p>
-          </p:txBody>
-        </p:sp>
-        <p:sp>
-          <p:nvSpPr>
-            <p:cNvPr id="7" name="椭圆 6">
-              <a:extLst>
-                <a:ext uri="{FF2B5EF4-FFF2-40B4-BE49-F238E27FC236}">
-                  <a16:creationId xmlns:a16="http://schemas.microsoft.com/office/drawing/2014/main" id="{AA434C9B-5A91-48DF-A956-C6F0409298CC}"/>
-                </a:ext>
-              </a:extLst>
-            </p:cNvPr>
-            <p:cNvSpPr/>
-            <p:nvPr/>
-          </p:nvSpPr>
-          <p:spPr>
-            <a:xfrm>
-              <a:off x="5230340" y="3507474"/>
-              <a:ext cx="307777" cy="307777"/>
-            </a:xfrm>
-            <a:prstGeom prst="ellipse">
-              <a:avLst/>
-            </a:prstGeom>
-            <a:solidFill>
-              <a:srgbClr val="7395D3"/>
-            </a:solidFill>
-            <a:ln>
-              <a:noFill/>
-            </a:ln>
-          </p:spPr>
-          <p:style>
-            <a:lnRef idx="2">
-              <a:schemeClr val="accent1">
-                <a:shade val="50000"/>
-              </a:schemeClr>
-            </a:lnRef>
-            <a:fillRef idx="1">
-              <a:schemeClr val="accent1"/>
-            </a:fillRef>
-            <a:effectRef idx="0">
-              <a:schemeClr val="accent1"/>
-            </a:effectRef>
-            <a:fontRef idx="minor">
-              <a:schemeClr val="lt1"/>
-            </a:fontRef>
-          </p:style>
-          <p:txBody>
-            <a:bodyPr rtlCol="0" anchor="ctr"/>
-            <a:lstStyle/>
-            <a:p>
-              <a:pPr algn="ctr"/>
-              <a:endParaRPr lang="zh-CN" altLang="en-US" b="1">
-                <a:solidFill>
-                  <a:schemeClr val="tx1"/>
-                </a:solidFill>
-              </a:endParaRPr>
-            </a:p>
-          </p:txBody>
-        </p:sp>
-        <p:sp>
-          <p:nvSpPr>
-            <p:cNvPr id="8" name="椭圆 7">
-              <a:extLst>
-                <a:ext uri="{FF2B5EF4-FFF2-40B4-BE49-F238E27FC236}">
-                  <a16:creationId xmlns:a16="http://schemas.microsoft.com/office/drawing/2014/main" id="{260876EA-9AE9-4009-83B6-C9E7FA1B05CE}"/>
-                </a:ext>
-              </a:extLst>
-            </p:cNvPr>
-            <p:cNvSpPr/>
-            <p:nvPr/>
-          </p:nvSpPr>
-          <p:spPr>
-            <a:xfrm>
-              <a:off x="3477265" y="3626564"/>
-              <a:ext cx="72427" cy="72427"/>
-            </a:xfrm>
-            <a:prstGeom prst="ellipse">
-              <a:avLst/>
-            </a:prstGeom>
-            <a:solidFill>
-              <a:srgbClr val="7395D3"/>
-            </a:solidFill>
-            <a:ln>
-              <a:noFill/>
-            </a:ln>
-          </p:spPr>
-          <p:style>
-            <a:lnRef idx="2">
-              <a:schemeClr val="accent1">
-                <a:shade val="50000"/>
-              </a:schemeClr>
-            </a:lnRef>
-            <a:fillRef idx="1">
-              <a:schemeClr val="accent1"/>
-            </a:fillRef>
-            <a:effectRef idx="0">
-              <a:schemeClr val="accent1"/>
-            </a:effectRef>
-            <a:fontRef idx="minor">
-              <a:schemeClr val="lt1"/>
-            </a:fontRef>
-          </p:style>
-          <p:txBody>
-            <a:bodyPr rtlCol="0" anchor="ctr"/>
-            <a:lstStyle/>
-            <a:p>
-              <a:pPr algn="ctr"/>
-              <a:endParaRPr lang="zh-CN" altLang="en-US" b="1">
-                <a:solidFill>
-                  <a:schemeClr val="tx1"/>
-                </a:solidFill>
-              </a:endParaRPr>
-            </a:p>
-          </p:txBody>
-        </p:sp>
-        <p:sp>
-          <p:nvSpPr>
-            <p:cNvPr id="9" name="文本框 8">
-              <a:extLst>
-                <a:ext uri="{FF2B5EF4-FFF2-40B4-BE49-F238E27FC236}">
-                  <a16:creationId xmlns:a16="http://schemas.microsoft.com/office/drawing/2014/main" id="{D6800D01-4B22-42D6-AEEA-DF0F8496652B}"/>
-                </a:ext>
-              </a:extLst>
-            </p:cNvPr>
-            <p:cNvSpPr txBox="1"/>
-            <p:nvPr/>
-          </p:nvSpPr>
-          <p:spPr>
-            <a:xfrm>
-              <a:off x="3549692" y="3508941"/>
-              <a:ext cx="619080" cy="307777"/>
-            </a:xfrm>
-            <a:prstGeom prst="rect">
-              <a:avLst/>
-            </a:prstGeom>
-            <a:noFill/>
-          </p:spPr>
-          <p:txBody>
-            <a:bodyPr wrap="none" rtlCol="0">
-              <a:spAutoFit/>
-            </a:bodyPr>
-            <a:lstStyle/>
-            <a:p>
-              <a:r>
-                <a:rPr lang="en-US" altLang="zh-CN" sz="1400" b="1" dirty="0"/>
-                <a:t>20ms</a:t>
-              </a:r>
-              <a:endParaRPr lang="zh-CN" altLang="en-US" sz="1400" b="1" dirty="0"/>
-            </a:p>
-          </p:txBody>
-        </p:sp>
-        <p:sp>
-          <p:nvSpPr>
-            <p:cNvPr id="10" name="文本框 9">
-              <a:extLst>
-                <a:ext uri="{FF2B5EF4-FFF2-40B4-BE49-F238E27FC236}">
-                  <a16:creationId xmlns:a16="http://schemas.microsoft.com/office/drawing/2014/main" id="{FAB0905C-1322-43CF-B707-9C3D503E4F3B}"/>
-                </a:ext>
-              </a:extLst>
-            </p:cNvPr>
-            <p:cNvSpPr txBox="1"/>
-            <p:nvPr/>
-          </p:nvSpPr>
-          <p:spPr>
-            <a:xfrm>
-              <a:off x="4431308" y="3507474"/>
-              <a:ext cx="718466" cy="307777"/>
-            </a:xfrm>
-            <a:prstGeom prst="rect">
-              <a:avLst/>
-            </a:prstGeom>
-            <a:noFill/>
-          </p:spPr>
-          <p:txBody>
-            <a:bodyPr wrap="none" rtlCol="0">
-              <a:spAutoFit/>
-            </a:bodyPr>
-            <a:lstStyle/>
-            <a:p>
-              <a:r>
-                <a:rPr lang="en-US" altLang="zh-CN" sz="1400" b="1" dirty="0"/>
-                <a:t>100ms</a:t>
-              </a:r>
-              <a:endParaRPr lang="zh-CN" altLang="en-US" sz="1400" b="1" dirty="0"/>
-            </a:p>
-          </p:txBody>
-        </p:sp>
-        <p:sp>
-          <p:nvSpPr>
-            <p:cNvPr id="11" name="文本框 10">
-              <a:extLst>
-                <a:ext uri="{FF2B5EF4-FFF2-40B4-BE49-F238E27FC236}">
-                  <a16:creationId xmlns:a16="http://schemas.microsoft.com/office/drawing/2014/main" id="{F1B6EEA7-1D34-4AF5-AF52-990479B67834}"/>
-                </a:ext>
-              </a:extLst>
-            </p:cNvPr>
-            <p:cNvSpPr txBox="1"/>
-            <p:nvPr/>
-          </p:nvSpPr>
-          <p:spPr>
-            <a:xfrm>
-              <a:off x="5538117" y="3504863"/>
-              <a:ext cx="718466" cy="307777"/>
-            </a:xfrm>
-            <a:prstGeom prst="rect">
-              <a:avLst/>
-            </a:prstGeom>
-            <a:noFill/>
-          </p:spPr>
-          <p:txBody>
-            <a:bodyPr wrap="none" rtlCol="0">
-              <a:spAutoFit/>
-            </a:bodyPr>
-            <a:lstStyle/>
-            <a:p>
-              <a:r>
-                <a:rPr lang="en-US" altLang="zh-CN" sz="1400" b="1" dirty="0"/>
-                <a:t>500ms</a:t>
-              </a:r>
-              <a:endParaRPr lang="zh-CN" altLang="en-US" sz="1400" b="1" dirty="0"/>
-            </a:p>
-          </p:txBody>
-        </p:sp>
-      </p:grpSp>
-    </p:spTree>
-    <p:extLst>
-      <p:ext uri="{BB962C8B-B14F-4D97-AF65-F5344CB8AC3E}">
-        <p14:creationId xmlns:p14="http://schemas.microsoft.com/office/powerpoint/2010/main" val="3266621598"/>
       </p:ext>
     </p:extLst>
   </p:cSld>
